--- a/slides/10_IntroductionToClustering_Part2.pptx
+++ b/slides/10_IntroductionToClustering_Part2.pptx
@@ -246,7 +246,7 @@
           <a:p>
             <a:fld id="{ED460DB7-3564-4028-881B-4A225B453265}" type="datetimeFigureOut">
               <a:rPr lang="en-US" smtClean="0"/>
-              <a:t>7/18/2023</a:t>
+              <a:t>3/30/2024</a:t>
             </a:fld>
             <a:endParaRPr lang="en-US"/>
           </a:p>
@@ -3720,7 +3720,7 @@
           <a:p>
             <a:fld id="{C62B3463-61C8-4819-BC9A-C94FD847F060}" type="datetimeFigureOut">
               <a:rPr lang="en-US" smtClean="0"/>
-              <a:t>7/18/2023</a:t>
+              <a:t>3/30/2024</a:t>
             </a:fld>
             <a:endParaRPr lang="en-US"/>
           </a:p>
@@ -3918,7 +3918,7 @@
           <a:p>
             <a:fld id="{C62B3463-61C8-4819-BC9A-C94FD847F060}" type="datetimeFigureOut">
               <a:rPr lang="en-US" smtClean="0"/>
-              <a:t>7/18/2023</a:t>
+              <a:t>3/30/2024</a:t>
             </a:fld>
             <a:endParaRPr lang="en-US"/>
           </a:p>
@@ -4126,7 +4126,7 @@
           <a:p>
             <a:fld id="{C62B3463-61C8-4819-BC9A-C94FD847F060}" type="datetimeFigureOut">
               <a:rPr lang="en-US" smtClean="0"/>
-              <a:t>7/18/2023</a:t>
+              <a:t>3/30/2024</a:t>
             </a:fld>
             <a:endParaRPr lang="en-US"/>
           </a:p>
@@ -5546,7 +5546,7 @@
           <a:p>
             <a:fld id="{C62B3463-61C8-4819-BC9A-C94FD847F060}" type="datetimeFigureOut">
               <a:rPr lang="en-US" smtClean="0"/>
-              <a:t>7/18/2023</a:t>
+              <a:t>3/30/2024</a:t>
             </a:fld>
             <a:endParaRPr lang="en-US"/>
           </a:p>
@@ -5987,7 +5987,7 @@
           <a:p>
             <a:fld id="{4ACD6B4E-9726-48B7-95FC-86DC5068328F}" type="datetimeFigureOut">
               <a:rPr lang="en-US" smtClean="0"/>
-              <a:t>7/18/2023</a:t>
+              <a:t>3/30/2024</a:t>
             </a:fld>
             <a:endParaRPr lang="en-US"/>
           </a:p>
@@ -6262,7 +6262,7 @@
           <a:p>
             <a:fld id="{C62B3463-61C8-4819-BC9A-C94FD847F060}" type="datetimeFigureOut">
               <a:rPr lang="en-US" smtClean="0"/>
-              <a:t>7/18/2023</a:t>
+              <a:t>3/30/2024</a:t>
             </a:fld>
             <a:endParaRPr lang="en-US"/>
           </a:p>
@@ -6527,7 +6527,7 @@
           <a:p>
             <a:fld id="{C62B3463-61C8-4819-BC9A-C94FD847F060}" type="datetimeFigureOut">
               <a:rPr lang="en-US" smtClean="0"/>
-              <a:t>7/18/2023</a:t>
+              <a:t>3/30/2024</a:t>
             </a:fld>
             <a:endParaRPr lang="en-US"/>
           </a:p>
@@ -6939,7 +6939,7 @@
           <a:p>
             <a:fld id="{C62B3463-61C8-4819-BC9A-C94FD847F060}" type="datetimeFigureOut">
               <a:rPr lang="en-US" smtClean="0"/>
-              <a:t>7/18/2023</a:t>
+              <a:t>3/30/2024</a:t>
             </a:fld>
             <a:endParaRPr lang="en-US"/>
           </a:p>
@@ -7080,7 +7080,7 @@
           <a:p>
             <a:fld id="{C62B3463-61C8-4819-BC9A-C94FD847F060}" type="datetimeFigureOut">
               <a:rPr lang="en-US" smtClean="0"/>
-              <a:t>7/18/2023</a:t>
+              <a:t>3/30/2024</a:t>
             </a:fld>
             <a:endParaRPr lang="en-US"/>
           </a:p>
@@ -7193,7 +7193,7 @@
           <a:p>
             <a:fld id="{C62B3463-61C8-4819-BC9A-C94FD847F060}" type="datetimeFigureOut">
               <a:rPr lang="en-US" smtClean="0"/>
-              <a:t>7/18/2023</a:t>
+              <a:t>3/30/2024</a:t>
             </a:fld>
             <a:endParaRPr lang="en-US"/>
           </a:p>
@@ -7504,7 +7504,7 @@
           <a:p>
             <a:fld id="{C62B3463-61C8-4819-BC9A-C94FD847F060}" type="datetimeFigureOut">
               <a:rPr lang="en-US" smtClean="0"/>
-              <a:t>7/18/2023</a:t>
+              <a:t>3/30/2024</a:t>
             </a:fld>
             <a:endParaRPr lang="en-US"/>
           </a:p>
@@ -7792,7 +7792,7 @@
           <a:p>
             <a:fld id="{C62B3463-61C8-4819-BC9A-C94FD847F060}" type="datetimeFigureOut">
               <a:rPr lang="en-US" smtClean="0"/>
-              <a:t>7/18/2023</a:t>
+              <a:t>3/30/2024</a:t>
             </a:fld>
             <a:endParaRPr lang="en-US"/>
           </a:p>
@@ -8033,7 +8033,7 @@
           <a:p>
             <a:fld id="{C62B3463-61C8-4819-BC9A-C94FD847F060}" type="datetimeFigureOut">
               <a:rPr lang="en-US" smtClean="0"/>
-              <a:t>7/18/2023</a:t>
+              <a:t>3/30/2024</a:t>
             </a:fld>
             <a:endParaRPr lang="en-US"/>
           </a:p>
@@ -9145,7 +9145,7 @@
           <a:p>
             <a:r>
               <a:rPr lang="en-US" sz="1100" dirty="0"/>
-              <a:t>Copyright 2020,2021, 2022, 2023, Stephen F Elston. All rights reserved.</a:t>
+              <a:t>Copyright 2020,2021, 2022, 2023, 2024, Stephen F Elston. All rights reserved.</a:t>
             </a:r>
           </a:p>
           <a:p>
@@ -19958,7 +19958,7 @@
               <a:rPr lang="en-US" dirty="0">
                 <a:latin typeface="+mn-lt"/>
               </a:rPr>
-              <a:t>OPTICS uses a heuristic to find two distances</a:t>
+              <a:t>OPTICS uses a heuristic to find distances</a:t>
             </a:r>
           </a:p>
           <a:p>
@@ -34815,8 +34815,8 @@
           </a:p>
         </p:txBody>
       </p:sp>
-      <mc:AlternateContent xmlns:mc="http://schemas.openxmlformats.org/markup-compatibility/2006" xmlns:a14="http://schemas.microsoft.com/office/drawing/2010/main">
-        <mc:Choice Requires="a14">
+      <mc:AlternateContent xmlns:mc="http://schemas.openxmlformats.org/markup-compatibility/2006">
+        <mc:Choice xmlns:a14="http://schemas.microsoft.com/office/drawing/2010/main" Requires="a14">
           <p:sp>
             <p:nvSpPr>
               <p:cNvPr id="3" name="Content Placeholder 2"/>
@@ -35113,7 +35113,7 @@
               <a:p>
                 <a:pPr lvl="1"/>
                 <a:r>
-                  <a:rPr lang="en-US" dirty="0">
+                  <a:rPr lang="en-US" sz="2600" dirty="0">
                     <a:latin typeface="+mn-lt"/>
                   </a:rPr>
                   <a:t>The row sum are zero, </a:t>
@@ -35125,7 +35125,7 @@
                         <m:chr m:val="∑"/>
                         <m:supHide m:val="on"/>
                         <m:ctrlPr>
-                          <a:rPr lang="en-US" b="0" i="1" smtClean="0">
+                          <a:rPr lang="en-US" sz="2600" b="0" i="1" smtClean="0">
                             <a:latin typeface="Cambria Math" panose="02040503050406030204" pitchFamily="18" charset="0"/>
                           </a:rPr>
                         </m:ctrlPr>
@@ -35135,13 +35135,13 @@
                           <m:rPr>
                             <m:brk m:alnAt="7"/>
                           </m:rPr>
-                          <a:rPr lang="en-US" b="0" i="1" smtClean="0">
+                          <a:rPr lang="en-US" sz="2600" b="0" i="1" smtClean="0">
                             <a:latin typeface="Cambria Math" panose="02040503050406030204" pitchFamily="18" charset="0"/>
                           </a:rPr>
                           <m:t>𝑟</m:t>
                         </m:r>
                         <m:r>
-                          <a:rPr lang="en-US" b="0" i="1" smtClean="0">
+                          <a:rPr lang="en-US" sz="2600" b="0" i="1" smtClean="0">
                             <a:latin typeface="Cambria Math" panose="02040503050406030204" pitchFamily="18" charset="0"/>
                           </a:rPr>
                           <m:t>𝑜𝑤</m:t>
@@ -35150,7 +35150,7 @@
                       <m:sup/>
                       <m:e>
                         <m:r>
-                          <a:rPr lang="en-US" b="0" i="1" smtClean="0">
+                          <a:rPr lang="en-US" sz="2600" b="0" i="1" smtClean="0">
                             <a:latin typeface="Cambria Math" panose="02040503050406030204" pitchFamily="18" charset="0"/>
                           </a:rPr>
                           <m:t>𝐿</m:t>
@@ -35158,7 +35158,7 @@
                       </m:e>
                     </m:nary>
                     <m:r>
-                      <a:rPr lang="en-US" b="0" i="1" smtClean="0">
+                      <a:rPr lang="en-US" sz="2600" b="0" i="1" smtClean="0">
                         <a:latin typeface="Cambria Math" panose="02040503050406030204" pitchFamily="18" charset="0"/>
                       </a:rPr>
                       <m:t>=0</m:t>
@@ -35166,7 +35166,7 @@
                   </m:oMath>
                 </a14:m>
                 <a:r>
-                  <a:rPr lang="en-US" dirty="0">
+                  <a:rPr lang="en-US" sz="2600" dirty="0">
                     <a:latin typeface="+mn-lt"/>
                   </a:rPr>
                   <a:t> </a:t>
@@ -35175,19 +35175,19 @@
               <a:p>
                 <a:pPr lvl="1"/>
                 <a:r>
-                  <a:rPr lang="en-US" dirty="0">
+                  <a:rPr lang="en-US" sz="2600" dirty="0">
                     <a:latin typeface="+mn-lt"/>
                   </a:rPr>
                   <a:t>For a </a:t>
                 </a:r>
                 <a:r>
-                  <a:rPr lang="en-US" b="1" dirty="0">
+                  <a:rPr lang="en-US" sz="2600" b="1" dirty="0">
                     <a:latin typeface="+mn-lt"/>
                   </a:rPr>
                   <a:t>single graph component </a:t>
                 </a:r>
                 <a:r>
-                  <a:rPr lang="en-US" dirty="0">
+                  <a:rPr lang="en-US" sz="2600" dirty="0">
                     <a:latin typeface="+mn-lt"/>
                   </a:rPr>
                   <a:t>the smallest eigenvalue, </a:t>
@@ -35195,14 +35195,14 @@
                 <a14:m>
                   <m:oMath xmlns:m="http://schemas.openxmlformats.org/officeDocument/2006/math">
                     <m:r>
-                      <a:rPr lang="en-US" i="1" smtClean="0">
+                      <a:rPr lang="en-US" sz="2600" i="1" smtClean="0">
                         <a:latin typeface="Cambria Math" panose="02040503050406030204" pitchFamily="18" charset="0"/>
                         <a:ea typeface="Cambria Math" panose="02040503050406030204" pitchFamily="18" charset="0"/>
                       </a:rPr>
                       <m:t>𝜆</m:t>
                     </m:r>
                     <m:r>
-                      <a:rPr lang="en-US" b="0" i="1" smtClean="0">
+                      <a:rPr lang="en-US" sz="2600" b="0" i="1" smtClean="0">
                         <a:latin typeface="Cambria Math" panose="02040503050406030204" pitchFamily="18" charset="0"/>
                         <a:ea typeface="Cambria Math" panose="02040503050406030204" pitchFamily="18" charset="0"/>
                       </a:rPr>
@@ -35211,7 +35211,7 @@
                   </m:oMath>
                 </a14:m>
                 <a:r>
-                  <a:rPr lang="en-US" dirty="0">
+                  <a:rPr lang="en-US" sz="2600" dirty="0">
                     <a:latin typeface="+mn-lt"/>
                   </a:rPr>
                   <a:t> </a:t>
@@ -35220,7 +35220,7 @@
               <a:p>
                 <a:pPr lvl="1"/>
                 <a:r>
-                  <a:rPr lang="en-US" dirty="0">
+                  <a:rPr lang="en-US" sz="2600" dirty="0">
                     <a:latin typeface="+mn-lt"/>
                   </a:rPr>
                   <a:t>For </a:t>
@@ -35228,14 +35228,14 @@
                 <a14:m>
                   <m:oMath xmlns:m="http://schemas.openxmlformats.org/officeDocument/2006/math">
                     <m:r>
-                      <a:rPr lang="en-US" i="1">
+                      <a:rPr lang="en-US" sz="2600" i="1">
                         <a:latin typeface="Cambria Math" panose="02040503050406030204" pitchFamily="18" charset="0"/>
                         <a:ea typeface="Cambria Math" panose="02040503050406030204" pitchFamily="18" charset="0"/>
                       </a:rPr>
                       <m:t>𝜆</m:t>
                     </m:r>
                     <m:r>
-                      <a:rPr lang="en-US" i="1">
+                      <a:rPr lang="en-US" sz="2600" i="1">
                         <a:latin typeface="Cambria Math" panose="02040503050406030204" pitchFamily="18" charset="0"/>
                         <a:ea typeface="Cambria Math" panose="02040503050406030204" pitchFamily="18" charset="0"/>
                       </a:rPr>
@@ -35244,7 +35244,7 @@
                   </m:oMath>
                 </a14:m>
                 <a:r>
-                  <a:rPr lang="en-US" dirty="0">
+                  <a:rPr lang="en-US" sz="2600" dirty="0">
                     <a:latin typeface="+mn-lt"/>
                   </a:rPr>
                   <a:t>, the corresponding eigenvector is all 1’, </a:t>
@@ -35252,13 +35252,13 @@
                 <a14:m>
                   <m:oMath xmlns:m="http://schemas.openxmlformats.org/officeDocument/2006/math">
                     <m:r>
-                      <a:rPr lang="en-US" b="0" i="1" smtClean="0">
+                      <a:rPr lang="en-US" sz="2600" b="0" i="1" smtClean="0">
                         <a:latin typeface="Cambria Math" panose="02040503050406030204" pitchFamily="18" charset="0"/>
                       </a:rPr>
                       <m:t>𝑣</m:t>
                     </m:r>
                     <m:r>
-                      <a:rPr lang="en-US" b="0" i="1" smtClean="0">
+                      <a:rPr lang="en-US" sz="2600" b="0" i="1" smtClean="0">
                         <a:latin typeface="Cambria Math" panose="02040503050406030204" pitchFamily="18" charset="0"/>
                       </a:rPr>
                       <m:t>=</m:t>
@@ -35268,14 +35268,14 @@
                         <m:begChr m:val="["/>
                         <m:endChr m:val="]"/>
                         <m:ctrlPr>
-                          <a:rPr lang="en-US" b="0" i="1" smtClean="0">
+                          <a:rPr lang="en-US" sz="2600" b="0" i="1" smtClean="0">
                             <a:latin typeface="Cambria Math" panose="02040503050406030204" pitchFamily="18" charset="0"/>
                           </a:rPr>
                         </m:ctrlPr>
                       </m:dPr>
                       <m:e>
                         <m:r>
-                          <a:rPr lang="en-US" b="0" i="1" smtClean="0">
+                          <a:rPr lang="en-US" sz="2600" b="0" i="1" smtClean="0">
                             <a:latin typeface="Cambria Math" panose="02040503050406030204" pitchFamily="18" charset="0"/>
                           </a:rPr>
                           <m:t>1, 1, 1, …, 1</m:t>
@@ -35284,7 +35284,7 @@
                     </m:d>
                   </m:oMath>
                 </a14:m>
-                <a:endParaRPr lang="en-US" dirty="0">
+                <a:endParaRPr lang="en-US" sz="2600" dirty="0">
                   <a:latin typeface="+mn-lt"/>
                 </a:endParaRPr>
               </a:p>
@@ -35292,7 +35292,7 @@
                 <a:pPr marL="0" indent="0">
                   <a:buNone/>
                 </a:pPr>
-                <a:endParaRPr lang="en-US" sz="1700">
+                <a:endParaRPr lang="en-US" sz="2600" dirty="0">
                   <a:latin typeface="+mn-lt"/>
                 </a:endParaRPr>
               </a:p>
@@ -35301,16 +35301,10 @@
                   <a:buNone/>
                 </a:pPr>
                 <a:r>
-                  <a:rPr lang="en-US" sz="1700">
-                    <a:latin typeface="+mn-lt"/>
-                  </a:rPr>
-                  <a:t>For </a:t>
-                </a:r>
-                <a:r>
                   <a:rPr lang="en-US" sz="1700" dirty="0">
                     <a:latin typeface="+mn-lt"/>
                   </a:rPr>
-                  <a:t>a comprehensive treatment of graph partitioning and the graph Laplacian, see</a:t>
+                  <a:t>For a comprehensive treatment of graph partitioning and the graph Laplacian, see</a:t>
                 </a:r>
                 <a:r>
                   <a:rPr lang="en-US" sz="1700" dirty="0">
@@ -35326,7 +35320,7 @@
             </p:txBody>
           </p:sp>
         </mc:Choice>
-        <mc:Fallback xmlns="">
+        <mc:Fallback>
           <p:sp>
             <p:nvSpPr>
               <p:cNvPr id="3" name="Content Placeholder 2"/>

--- a/slides/10_IntroductionToClustering_Part2.pptx
+++ b/slides/10_IntroductionToClustering_Part2.pptx
@@ -6,7 +6,7 @@
     <p:sldMasterId id="2147483668" r:id="rId2"/>
   </p:sldMasterIdLst>
   <p:notesMasterIdLst>
-    <p:notesMasterId r:id="rId52"/>
+    <p:notesMasterId r:id="rId53"/>
   </p:notesMasterIdLst>
   <p:sldIdLst>
     <p:sldId id="275" r:id="rId3"/>
@@ -14,50 +14,51 @@
     <p:sldId id="634" r:id="rId5"/>
     <p:sldId id="677" r:id="rId6"/>
     <p:sldId id="723" r:id="rId7"/>
-    <p:sldId id="722" r:id="rId8"/>
-    <p:sldId id="717" r:id="rId9"/>
-    <p:sldId id="676" r:id="rId10"/>
-    <p:sldId id="726" r:id="rId11"/>
-    <p:sldId id="729" r:id="rId12"/>
-    <p:sldId id="730" r:id="rId13"/>
-    <p:sldId id="731" r:id="rId14"/>
-    <p:sldId id="732" r:id="rId15"/>
-    <p:sldId id="696" r:id="rId16"/>
-    <p:sldId id="658" r:id="rId17"/>
-    <p:sldId id="643" r:id="rId18"/>
-    <p:sldId id="636" r:id="rId19"/>
-    <p:sldId id="733" r:id="rId20"/>
-    <p:sldId id="698" r:id="rId21"/>
-    <p:sldId id="650" r:id="rId22"/>
-    <p:sldId id="727" r:id="rId23"/>
-    <p:sldId id="649" r:id="rId24"/>
-    <p:sldId id="728" r:id="rId25"/>
-    <p:sldId id="651" r:id="rId26"/>
-    <p:sldId id="652" r:id="rId27"/>
-    <p:sldId id="653" r:id="rId28"/>
-    <p:sldId id="655" r:id="rId29"/>
-    <p:sldId id="656" r:id="rId30"/>
-    <p:sldId id="654" r:id="rId31"/>
-    <p:sldId id="657" r:id="rId32"/>
-    <p:sldId id="734" r:id="rId33"/>
-    <p:sldId id="690" r:id="rId34"/>
-    <p:sldId id="697" r:id="rId35"/>
-    <p:sldId id="691" r:id="rId36"/>
-    <p:sldId id="692" r:id="rId37"/>
-    <p:sldId id="693" r:id="rId38"/>
-    <p:sldId id="694" r:id="rId39"/>
-    <p:sldId id="695" r:id="rId40"/>
-    <p:sldId id="699" r:id="rId41"/>
-    <p:sldId id="704" r:id="rId42"/>
-    <p:sldId id="700" r:id="rId43"/>
-    <p:sldId id="701" r:id="rId44"/>
-    <p:sldId id="702" r:id="rId45"/>
-    <p:sldId id="703" r:id="rId46"/>
-    <p:sldId id="648" r:id="rId47"/>
-    <p:sldId id="662" r:id="rId48"/>
-    <p:sldId id="663" r:id="rId49"/>
-    <p:sldId id="665" r:id="rId50"/>
-    <p:sldId id="669" r:id="rId51"/>
+    <p:sldId id="755" r:id="rId8"/>
+    <p:sldId id="722" r:id="rId9"/>
+    <p:sldId id="717" r:id="rId10"/>
+    <p:sldId id="676" r:id="rId11"/>
+    <p:sldId id="726" r:id="rId12"/>
+    <p:sldId id="729" r:id="rId13"/>
+    <p:sldId id="730" r:id="rId14"/>
+    <p:sldId id="731" r:id="rId15"/>
+    <p:sldId id="732" r:id="rId16"/>
+    <p:sldId id="696" r:id="rId17"/>
+    <p:sldId id="658" r:id="rId18"/>
+    <p:sldId id="643" r:id="rId19"/>
+    <p:sldId id="636" r:id="rId20"/>
+    <p:sldId id="733" r:id="rId21"/>
+    <p:sldId id="698" r:id="rId22"/>
+    <p:sldId id="650" r:id="rId23"/>
+    <p:sldId id="727" r:id="rId24"/>
+    <p:sldId id="649" r:id="rId25"/>
+    <p:sldId id="728" r:id="rId26"/>
+    <p:sldId id="651" r:id="rId27"/>
+    <p:sldId id="652" r:id="rId28"/>
+    <p:sldId id="653" r:id="rId29"/>
+    <p:sldId id="655" r:id="rId30"/>
+    <p:sldId id="656" r:id="rId31"/>
+    <p:sldId id="654" r:id="rId32"/>
+    <p:sldId id="657" r:id="rId33"/>
+    <p:sldId id="734" r:id="rId34"/>
+    <p:sldId id="690" r:id="rId35"/>
+    <p:sldId id="697" r:id="rId36"/>
+    <p:sldId id="691" r:id="rId37"/>
+    <p:sldId id="692" r:id="rId38"/>
+    <p:sldId id="693" r:id="rId39"/>
+    <p:sldId id="694" r:id="rId40"/>
+    <p:sldId id="695" r:id="rId41"/>
+    <p:sldId id="699" r:id="rId42"/>
+    <p:sldId id="704" r:id="rId43"/>
+    <p:sldId id="700" r:id="rId44"/>
+    <p:sldId id="701" r:id="rId45"/>
+    <p:sldId id="702" r:id="rId46"/>
+    <p:sldId id="703" r:id="rId47"/>
+    <p:sldId id="648" r:id="rId48"/>
+    <p:sldId id="662" r:id="rId49"/>
+    <p:sldId id="663" r:id="rId50"/>
+    <p:sldId id="665" r:id="rId51"/>
+    <p:sldId id="669" r:id="rId52"/>
   </p:sldIdLst>
   <p:sldSz cx="12192000" cy="6858000"/>
   <p:notesSz cx="6858000" cy="9144000"/>
@@ -246,7 +247,7 @@
           <a:p>
             <a:fld id="{ED460DB7-3564-4028-881B-4A225B453265}" type="datetimeFigureOut">
               <a:rPr lang="en-US" smtClean="0"/>
-              <a:t>3/30/2024</a:t>
+              <a:t>4/2/2024</a:t>
             </a:fld>
             <a:endParaRPr lang="en-US"/>
           </a:p>
@@ -664,7 +665,7 @@
             <a:fld id="{4CFD207A-07DF-40AD-A916-9872E089CE7A}" type="slidenum">
               <a:rPr lang="en-US" smtClean="0"/>
               <a:pPr/>
-              <a:t>14</a:t>
+              <a:t>13</a:t>
             </a:fld>
             <a:endParaRPr lang="en-US"/>
           </a:p>
@@ -673,7 +674,7 @@
     </p:spTree>
     <p:extLst>
       <p:ext uri="{BB962C8B-B14F-4D97-AF65-F5344CB8AC3E}">
-        <p14:creationId xmlns:p14="http://schemas.microsoft.com/office/powerpoint/2010/main" val="1148668134"/>
+        <p14:creationId xmlns:p14="http://schemas.microsoft.com/office/powerpoint/2010/main" val="139523512"/>
       </p:ext>
     </p:extLst>
   </p:cSld>
@@ -758,7 +759,7 @@
     </p:spTree>
     <p:extLst>
       <p:ext uri="{BB962C8B-B14F-4D97-AF65-F5344CB8AC3E}">
-        <p14:creationId xmlns:p14="http://schemas.microsoft.com/office/powerpoint/2010/main" val="1251832353"/>
+        <p14:creationId xmlns:p14="http://schemas.microsoft.com/office/powerpoint/2010/main" val="1148668134"/>
       </p:ext>
     </p:extLst>
   </p:cSld>
@@ -843,7 +844,7 @@
     </p:spTree>
     <p:extLst>
       <p:ext uri="{BB962C8B-B14F-4D97-AF65-F5344CB8AC3E}">
-        <p14:creationId xmlns:p14="http://schemas.microsoft.com/office/powerpoint/2010/main" val="2881779870"/>
+        <p14:creationId xmlns:p14="http://schemas.microsoft.com/office/powerpoint/2010/main" val="1251832353"/>
       </p:ext>
     </p:extLst>
   </p:cSld>
@@ -928,7 +929,7 @@
     </p:spTree>
     <p:extLst>
       <p:ext uri="{BB962C8B-B14F-4D97-AF65-F5344CB8AC3E}">
-        <p14:creationId xmlns:p14="http://schemas.microsoft.com/office/powerpoint/2010/main" val="2662009349"/>
+        <p14:creationId xmlns:p14="http://schemas.microsoft.com/office/powerpoint/2010/main" val="2881779870"/>
       </p:ext>
     </p:extLst>
   </p:cSld>
@@ -1004,7 +1005,7 @@
             <a:fld id="{4CFD207A-07DF-40AD-A916-9872E089CE7A}" type="slidenum">
               <a:rPr lang="en-US" smtClean="0"/>
               <a:pPr/>
-              <a:t>19</a:t>
+              <a:t>18</a:t>
             </a:fld>
             <a:endParaRPr lang="en-US"/>
           </a:p>
@@ -1013,7 +1014,7 @@
     </p:spTree>
     <p:extLst>
       <p:ext uri="{BB962C8B-B14F-4D97-AF65-F5344CB8AC3E}">
-        <p14:creationId xmlns:p14="http://schemas.microsoft.com/office/powerpoint/2010/main" val="840501509"/>
+        <p14:creationId xmlns:p14="http://schemas.microsoft.com/office/powerpoint/2010/main" val="2662009349"/>
       </p:ext>
     </p:extLst>
   </p:cSld>
@@ -1098,7 +1099,7 @@
     </p:spTree>
     <p:extLst>
       <p:ext uri="{BB962C8B-B14F-4D97-AF65-F5344CB8AC3E}">
-        <p14:creationId xmlns:p14="http://schemas.microsoft.com/office/powerpoint/2010/main" val="4113099408"/>
+        <p14:creationId xmlns:p14="http://schemas.microsoft.com/office/powerpoint/2010/main" val="840501509"/>
       </p:ext>
     </p:extLst>
   </p:cSld>
@@ -1183,7 +1184,7 @@
     </p:spTree>
     <p:extLst>
       <p:ext uri="{BB962C8B-B14F-4D97-AF65-F5344CB8AC3E}">
-        <p14:creationId xmlns:p14="http://schemas.microsoft.com/office/powerpoint/2010/main" val="141841390"/>
+        <p14:creationId xmlns:p14="http://schemas.microsoft.com/office/powerpoint/2010/main" val="4113099408"/>
       </p:ext>
     </p:extLst>
   </p:cSld>
@@ -1268,7 +1269,7 @@
     </p:spTree>
     <p:extLst>
       <p:ext uri="{BB962C8B-B14F-4D97-AF65-F5344CB8AC3E}">
-        <p14:creationId xmlns:p14="http://schemas.microsoft.com/office/powerpoint/2010/main" val="842149111"/>
+        <p14:creationId xmlns:p14="http://schemas.microsoft.com/office/powerpoint/2010/main" val="141841390"/>
       </p:ext>
     </p:extLst>
   </p:cSld>
@@ -1353,7 +1354,7 @@
     </p:spTree>
     <p:extLst>
       <p:ext uri="{BB962C8B-B14F-4D97-AF65-F5344CB8AC3E}">
-        <p14:creationId xmlns:p14="http://schemas.microsoft.com/office/powerpoint/2010/main" val="3304297457"/>
+        <p14:creationId xmlns:p14="http://schemas.microsoft.com/office/powerpoint/2010/main" val="842149111"/>
       </p:ext>
     </p:extLst>
   </p:cSld>
@@ -1438,7 +1439,7 @@
     </p:spTree>
     <p:extLst>
       <p:ext uri="{BB962C8B-B14F-4D97-AF65-F5344CB8AC3E}">
-        <p14:creationId xmlns:p14="http://schemas.microsoft.com/office/powerpoint/2010/main" val="1278415789"/>
+        <p14:creationId xmlns:p14="http://schemas.microsoft.com/office/powerpoint/2010/main" val="3304297457"/>
       </p:ext>
     </p:extLst>
   </p:cSld>
@@ -1608,7 +1609,7 @@
     </p:spTree>
     <p:extLst>
       <p:ext uri="{BB962C8B-B14F-4D97-AF65-F5344CB8AC3E}">
-        <p14:creationId xmlns:p14="http://schemas.microsoft.com/office/powerpoint/2010/main" val="3953046219"/>
+        <p14:creationId xmlns:p14="http://schemas.microsoft.com/office/powerpoint/2010/main" val="1278415789"/>
       </p:ext>
     </p:extLst>
   </p:cSld>
@@ -1693,7 +1694,7 @@
     </p:spTree>
     <p:extLst>
       <p:ext uri="{BB962C8B-B14F-4D97-AF65-F5344CB8AC3E}">
-        <p14:creationId xmlns:p14="http://schemas.microsoft.com/office/powerpoint/2010/main" val="2053720699"/>
+        <p14:creationId xmlns:p14="http://schemas.microsoft.com/office/powerpoint/2010/main" val="3953046219"/>
       </p:ext>
     </p:extLst>
   </p:cSld>
@@ -1778,7 +1779,7 @@
     </p:spTree>
     <p:extLst>
       <p:ext uri="{BB962C8B-B14F-4D97-AF65-F5344CB8AC3E}">
-        <p14:creationId xmlns:p14="http://schemas.microsoft.com/office/powerpoint/2010/main" val="132867200"/>
+        <p14:creationId xmlns:p14="http://schemas.microsoft.com/office/powerpoint/2010/main" val="2053720699"/>
       </p:ext>
     </p:extLst>
   </p:cSld>
@@ -1863,7 +1864,7 @@
     </p:spTree>
     <p:extLst>
       <p:ext uri="{BB962C8B-B14F-4D97-AF65-F5344CB8AC3E}">
-        <p14:creationId xmlns:p14="http://schemas.microsoft.com/office/powerpoint/2010/main" val="2731286201"/>
+        <p14:creationId xmlns:p14="http://schemas.microsoft.com/office/powerpoint/2010/main" val="132867200"/>
       </p:ext>
     </p:extLst>
   </p:cSld>
@@ -1948,7 +1949,7 @@
     </p:spTree>
     <p:extLst>
       <p:ext uri="{BB962C8B-B14F-4D97-AF65-F5344CB8AC3E}">
-        <p14:creationId xmlns:p14="http://schemas.microsoft.com/office/powerpoint/2010/main" val="741599707"/>
+        <p14:creationId xmlns:p14="http://schemas.microsoft.com/office/powerpoint/2010/main" val="2731286201"/>
       </p:ext>
     </p:extLst>
   </p:cSld>
@@ -2033,7 +2034,7 @@
     </p:spTree>
     <p:extLst>
       <p:ext uri="{BB962C8B-B14F-4D97-AF65-F5344CB8AC3E}">
-        <p14:creationId xmlns:p14="http://schemas.microsoft.com/office/powerpoint/2010/main" val="3367216662"/>
+        <p14:creationId xmlns:p14="http://schemas.microsoft.com/office/powerpoint/2010/main" val="741599707"/>
       </p:ext>
     </p:extLst>
   </p:cSld>
@@ -2109,7 +2110,7 @@
             <a:fld id="{4CFD207A-07DF-40AD-A916-9872E089CE7A}" type="slidenum">
               <a:rPr lang="en-US" smtClean="0"/>
               <a:pPr/>
-              <a:t>39</a:t>
+              <a:t>31</a:t>
             </a:fld>
             <a:endParaRPr lang="en-US"/>
           </a:p>
@@ -2118,7 +2119,7 @@
     </p:spTree>
     <p:extLst>
       <p:ext uri="{BB962C8B-B14F-4D97-AF65-F5344CB8AC3E}">
-        <p14:creationId xmlns:p14="http://schemas.microsoft.com/office/powerpoint/2010/main" val="3524605276"/>
+        <p14:creationId xmlns:p14="http://schemas.microsoft.com/office/powerpoint/2010/main" val="3367216662"/>
       </p:ext>
     </p:extLst>
   </p:cSld>
@@ -2203,7 +2204,7 @@
     </p:spTree>
     <p:extLst>
       <p:ext uri="{BB962C8B-B14F-4D97-AF65-F5344CB8AC3E}">
-        <p14:creationId xmlns:p14="http://schemas.microsoft.com/office/powerpoint/2010/main" val="2621503173"/>
+        <p14:creationId xmlns:p14="http://schemas.microsoft.com/office/powerpoint/2010/main" val="3524605276"/>
       </p:ext>
     </p:extLst>
   </p:cSld>
@@ -2288,7 +2289,7 @@
     </p:spTree>
     <p:extLst>
       <p:ext uri="{BB962C8B-B14F-4D97-AF65-F5344CB8AC3E}">
-        <p14:creationId xmlns:p14="http://schemas.microsoft.com/office/powerpoint/2010/main" val="2918146985"/>
+        <p14:creationId xmlns:p14="http://schemas.microsoft.com/office/powerpoint/2010/main" val="2621503173"/>
       </p:ext>
     </p:extLst>
   </p:cSld>
@@ -2373,7 +2374,7 @@
     </p:spTree>
     <p:extLst>
       <p:ext uri="{BB962C8B-B14F-4D97-AF65-F5344CB8AC3E}">
-        <p14:creationId xmlns:p14="http://schemas.microsoft.com/office/powerpoint/2010/main" val="3003090747"/>
+        <p14:creationId xmlns:p14="http://schemas.microsoft.com/office/powerpoint/2010/main" val="2918146985"/>
       </p:ext>
     </p:extLst>
   </p:cSld>
@@ -2543,7 +2544,7 @@
     </p:spTree>
     <p:extLst>
       <p:ext uri="{BB962C8B-B14F-4D97-AF65-F5344CB8AC3E}">
-        <p14:creationId xmlns:p14="http://schemas.microsoft.com/office/powerpoint/2010/main" val="1334873764"/>
+        <p14:creationId xmlns:p14="http://schemas.microsoft.com/office/powerpoint/2010/main" val="3003090747"/>
       </p:ext>
     </p:extLst>
   </p:cSld>
@@ -2628,7 +2629,7 @@
     </p:spTree>
     <p:extLst>
       <p:ext uri="{BB962C8B-B14F-4D97-AF65-F5344CB8AC3E}">
-        <p14:creationId xmlns:p14="http://schemas.microsoft.com/office/powerpoint/2010/main" val="124552524"/>
+        <p14:creationId xmlns:p14="http://schemas.microsoft.com/office/powerpoint/2010/main" val="1334873764"/>
       </p:ext>
     </p:extLst>
   </p:cSld>
@@ -2713,7 +2714,7 @@
     </p:spTree>
     <p:extLst>
       <p:ext uri="{BB962C8B-B14F-4D97-AF65-F5344CB8AC3E}">
-        <p14:creationId xmlns:p14="http://schemas.microsoft.com/office/powerpoint/2010/main" val="3150961179"/>
+        <p14:creationId xmlns:p14="http://schemas.microsoft.com/office/powerpoint/2010/main" val="124552524"/>
       </p:ext>
     </p:extLst>
   </p:cSld>
@@ -2798,7 +2799,7 @@
     </p:spTree>
     <p:extLst>
       <p:ext uri="{BB962C8B-B14F-4D97-AF65-F5344CB8AC3E}">
-        <p14:creationId xmlns:p14="http://schemas.microsoft.com/office/powerpoint/2010/main" val="2387764372"/>
+        <p14:creationId xmlns:p14="http://schemas.microsoft.com/office/powerpoint/2010/main" val="3150961179"/>
       </p:ext>
     </p:extLst>
   </p:cSld>
@@ -2883,7 +2884,7 @@
     </p:spTree>
     <p:extLst>
       <p:ext uri="{BB962C8B-B14F-4D97-AF65-F5344CB8AC3E}">
-        <p14:creationId xmlns:p14="http://schemas.microsoft.com/office/powerpoint/2010/main" val="82640397"/>
+        <p14:creationId xmlns:p14="http://schemas.microsoft.com/office/powerpoint/2010/main" val="2387764372"/>
       </p:ext>
     </p:extLst>
   </p:cSld>
@@ -2968,7 +2969,7 @@
     </p:spTree>
     <p:extLst>
       <p:ext uri="{BB962C8B-B14F-4D97-AF65-F5344CB8AC3E}">
-        <p14:creationId xmlns:p14="http://schemas.microsoft.com/office/powerpoint/2010/main" val="512913062"/>
+        <p14:creationId xmlns:p14="http://schemas.microsoft.com/office/powerpoint/2010/main" val="82640397"/>
       </p:ext>
     </p:extLst>
   </p:cSld>
@@ -3045,6 +3046,91 @@
               <a:rPr lang="en-US" smtClean="0"/>
               <a:pPr/>
               <a:t>49</a:t>
+            </a:fld>
+            <a:endParaRPr lang="en-US"/>
+          </a:p>
+        </p:txBody>
+      </p:sp>
+    </p:spTree>
+    <p:extLst>
+      <p:ext uri="{BB962C8B-B14F-4D97-AF65-F5344CB8AC3E}">
+        <p14:creationId xmlns:p14="http://schemas.microsoft.com/office/powerpoint/2010/main" val="512913062"/>
+      </p:ext>
+    </p:extLst>
+  </p:cSld>
+  <p:clrMapOvr>
+    <a:masterClrMapping/>
+  </p:clrMapOvr>
+</p:notes>
+</file>
+
+<file path=ppt/notesSlides/notesSlide37.xml><?xml version="1.0" encoding="utf-8"?>
+<p:notes xmlns:a="http://schemas.openxmlformats.org/drawingml/2006/main" xmlns:r="http://schemas.openxmlformats.org/officeDocument/2006/relationships" xmlns:p="http://schemas.openxmlformats.org/presentationml/2006/main">
+  <p:cSld>
+    <p:spTree>
+      <p:nvGrpSpPr>
+        <p:cNvPr id="1" name=""/>
+        <p:cNvGrpSpPr/>
+        <p:nvPr/>
+      </p:nvGrpSpPr>
+      <p:grpSpPr>
+        <a:xfrm>
+          <a:off x="0" y="0"/>
+          <a:ext cx="0" cy="0"/>
+          <a:chOff x="0" y="0"/>
+          <a:chExt cx="0" cy="0"/>
+        </a:xfrm>
+      </p:grpSpPr>
+      <p:sp>
+        <p:nvSpPr>
+          <p:cNvPr id="2" name="Slide Image Placeholder 1"/>
+          <p:cNvSpPr>
+            <a:spLocks noGrp="1" noRot="1" noChangeAspect="1"/>
+          </p:cNvSpPr>
+          <p:nvPr>
+            <p:ph type="sldImg"/>
+          </p:nvPr>
+        </p:nvSpPr>
+        <p:spPr/>
+      </p:sp>
+      <p:sp>
+        <p:nvSpPr>
+          <p:cNvPr id="3" name="Notes Placeholder 2"/>
+          <p:cNvSpPr>
+            <a:spLocks noGrp="1"/>
+          </p:cNvSpPr>
+          <p:nvPr>
+            <p:ph type="body" idx="1"/>
+          </p:nvPr>
+        </p:nvSpPr>
+        <p:spPr/>
+        <p:txBody>
+          <a:bodyPr/>
+          <a:lstStyle/>
+          <a:p>
+            <a:endParaRPr lang="en-US" dirty="0"/>
+          </a:p>
+        </p:txBody>
+      </p:sp>
+      <p:sp>
+        <p:nvSpPr>
+          <p:cNvPr id="4" name="Slide Number Placeholder 3"/>
+          <p:cNvSpPr>
+            <a:spLocks noGrp="1"/>
+          </p:cNvSpPr>
+          <p:nvPr>
+            <p:ph type="sldNum" sz="quarter" idx="10"/>
+          </p:nvPr>
+        </p:nvSpPr>
+        <p:spPr/>
+        <p:txBody>
+          <a:bodyPr/>
+          <a:lstStyle/>
+          <a:p>
+            <a:fld id="{4CFD207A-07DF-40AD-A916-9872E089CE7A}" type="slidenum">
+              <a:rPr lang="en-US" smtClean="0"/>
+              <a:pPr/>
+              <a:t>50</a:t>
             </a:fld>
             <a:endParaRPr lang="en-US"/>
           </a:p>
@@ -3138,7 +3224,7 @@
     </p:spTree>
     <p:extLst>
       <p:ext uri="{BB962C8B-B14F-4D97-AF65-F5344CB8AC3E}">
-        <p14:creationId xmlns:p14="http://schemas.microsoft.com/office/powerpoint/2010/main" val="1284694674"/>
+        <p14:creationId xmlns:p14="http://schemas.microsoft.com/office/powerpoint/2010/main" val="2230216842"/>
       </p:ext>
     </p:extLst>
   </p:cSld>
@@ -3214,7 +3300,7 @@
             <a:fld id="{4CFD207A-07DF-40AD-A916-9872E089CE7A}" type="slidenum">
               <a:rPr lang="en-US" smtClean="0"/>
               <a:pPr/>
-              <a:t>8</a:t>
+              <a:t>7</a:t>
             </a:fld>
             <a:endParaRPr lang="en-US"/>
           </a:p>
@@ -3223,7 +3309,7 @@
     </p:spTree>
     <p:extLst>
       <p:ext uri="{BB962C8B-B14F-4D97-AF65-F5344CB8AC3E}">
-        <p14:creationId xmlns:p14="http://schemas.microsoft.com/office/powerpoint/2010/main" val="1233190252"/>
+        <p14:creationId xmlns:p14="http://schemas.microsoft.com/office/powerpoint/2010/main" val="1284694674"/>
       </p:ext>
     </p:extLst>
   </p:cSld>
@@ -3308,7 +3394,7 @@
     </p:spTree>
     <p:extLst>
       <p:ext uri="{BB962C8B-B14F-4D97-AF65-F5344CB8AC3E}">
-        <p14:creationId xmlns:p14="http://schemas.microsoft.com/office/powerpoint/2010/main" val="3731718061"/>
+        <p14:creationId xmlns:p14="http://schemas.microsoft.com/office/powerpoint/2010/main" val="1233190252"/>
       </p:ext>
     </p:extLst>
   </p:cSld>
@@ -3393,7 +3479,7 @@
     </p:spTree>
     <p:extLst>
       <p:ext uri="{BB962C8B-B14F-4D97-AF65-F5344CB8AC3E}">
-        <p14:creationId xmlns:p14="http://schemas.microsoft.com/office/powerpoint/2010/main" val="1781883727"/>
+        <p14:creationId xmlns:p14="http://schemas.microsoft.com/office/powerpoint/2010/main" val="3731718061"/>
       </p:ext>
     </p:extLst>
   </p:cSld>
@@ -3478,7 +3564,7 @@
     </p:spTree>
     <p:extLst>
       <p:ext uri="{BB962C8B-B14F-4D97-AF65-F5344CB8AC3E}">
-        <p14:creationId xmlns:p14="http://schemas.microsoft.com/office/powerpoint/2010/main" val="3631150544"/>
+        <p14:creationId xmlns:p14="http://schemas.microsoft.com/office/powerpoint/2010/main" val="1781883727"/>
       </p:ext>
     </p:extLst>
   </p:cSld>
@@ -3563,7 +3649,7 @@
     </p:spTree>
     <p:extLst>
       <p:ext uri="{BB962C8B-B14F-4D97-AF65-F5344CB8AC3E}">
-        <p14:creationId xmlns:p14="http://schemas.microsoft.com/office/powerpoint/2010/main" val="139523512"/>
+        <p14:creationId xmlns:p14="http://schemas.microsoft.com/office/powerpoint/2010/main" val="3631150544"/>
       </p:ext>
     </p:extLst>
   </p:cSld>
@@ -3720,7 +3806,7 @@
           <a:p>
             <a:fld id="{C62B3463-61C8-4819-BC9A-C94FD847F060}" type="datetimeFigureOut">
               <a:rPr lang="en-US" smtClean="0"/>
-              <a:t>3/30/2024</a:t>
+              <a:t>4/2/2024</a:t>
             </a:fld>
             <a:endParaRPr lang="en-US"/>
           </a:p>
@@ -3918,7 +4004,7 @@
           <a:p>
             <a:fld id="{C62B3463-61C8-4819-BC9A-C94FD847F060}" type="datetimeFigureOut">
               <a:rPr lang="en-US" smtClean="0"/>
-              <a:t>3/30/2024</a:t>
+              <a:t>4/2/2024</a:t>
             </a:fld>
             <a:endParaRPr lang="en-US"/>
           </a:p>
@@ -4126,7 +4212,7 @@
           <a:p>
             <a:fld id="{C62B3463-61C8-4819-BC9A-C94FD847F060}" type="datetimeFigureOut">
               <a:rPr lang="en-US" smtClean="0"/>
-              <a:t>3/30/2024</a:t>
+              <a:t>4/2/2024</a:t>
             </a:fld>
             <a:endParaRPr lang="en-US"/>
           </a:p>
@@ -5546,7 +5632,7 @@
           <a:p>
             <a:fld id="{C62B3463-61C8-4819-BC9A-C94FD847F060}" type="datetimeFigureOut">
               <a:rPr lang="en-US" smtClean="0"/>
-              <a:t>3/30/2024</a:t>
+              <a:t>4/2/2024</a:t>
             </a:fld>
             <a:endParaRPr lang="en-US"/>
           </a:p>
@@ -5987,7 +6073,7 @@
           <a:p>
             <a:fld id="{4ACD6B4E-9726-48B7-95FC-86DC5068328F}" type="datetimeFigureOut">
               <a:rPr lang="en-US" smtClean="0"/>
-              <a:t>3/30/2024</a:t>
+              <a:t>4/2/2024</a:t>
             </a:fld>
             <a:endParaRPr lang="en-US"/>
           </a:p>
@@ -6262,7 +6348,7 @@
           <a:p>
             <a:fld id="{C62B3463-61C8-4819-BC9A-C94FD847F060}" type="datetimeFigureOut">
               <a:rPr lang="en-US" smtClean="0"/>
-              <a:t>3/30/2024</a:t>
+              <a:t>4/2/2024</a:t>
             </a:fld>
             <a:endParaRPr lang="en-US"/>
           </a:p>
@@ -6527,7 +6613,7 @@
           <a:p>
             <a:fld id="{C62B3463-61C8-4819-BC9A-C94FD847F060}" type="datetimeFigureOut">
               <a:rPr lang="en-US" smtClean="0"/>
-              <a:t>3/30/2024</a:t>
+              <a:t>4/2/2024</a:t>
             </a:fld>
             <a:endParaRPr lang="en-US"/>
           </a:p>
@@ -6939,7 +7025,7 @@
           <a:p>
             <a:fld id="{C62B3463-61C8-4819-BC9A-C94FD847F060}" type="datetimeFigureOut">
               <a:rPr lang="en-US" smtClean="0"/>
-              <a:t>3/30/2024</a:t>
+              <a:t>4/2/2024</a:t>
             </a:fld>
             <a:endParaRPr lang="en-US"/>
           </a:p>
@@ -7080,7 +7166,7 @@
           <a:p>
             <a:fld id="{C62B3463-61C8-4819-BC9A-C94FD847F060}" type="datetimeFigureOut">
               <a:rPr lang="en-US" smtClean="0"/>
-              <a:t>3/30/2024</a:t>
+              <a:t>4/2/2024</a:t>
             </a:fld>
             <a:endParaRPr lang="en-US"/>
           </a:p>
@@ -7193,7 +7279,7 @@
           <a:p>
             <a:fld id="{C62B3463-61C8-4819-BC9A-C94FD847F060}" type="datetimeFigureOut">
               <a:rPr lang="en-US" smtClean="0"/>
-              <a:t>3/30/2024</a:t>
+              <a:t>4/2/2024</a:t>
             </a:fld>
             <a:endParaRPr lang="en-US"/>
           </a:p>
@@ -7504,7 +7590,7 @@
           <a:p>
             <a:fld id="{C62B3463-61C8-4819-BC9A-C94FD847F060}" type="datetimeFigureOut">
               <a:rPr lang="en-US" smtClean="0"/>
-              <a:t>3/30/2024</a:t>
+              <a:t>4/2/2024</a:t>
             </a:fld>
             <a:endParaRPr lang="en-US"/>
           </a:p>
@@ -7792,7 +7878,7 @@
           <a:p>
             <a:fld id="{C62B3463-61C8-4819-BC9A-C94FD847F060}" type="datetimeFigureOut">
               <a:rPr lang="en-US" smtClean="0"/>
-              <a:t>3/30/2024</a:t>
+              <a:t>4/2/2024</a:t>
             </a:fld>
             <a:endParaRPr lang="en-US"/>
           </a:p>
@@ -8033,7 +8119,7 @@
           <a:p>
             <a:fld id="{C62B3463-61C8-4819-BC9A-C94FD847F060}" type="datetimeFigureOut">
               <a:rPr lang="en-US" smtClean="0"/>
-              <a:t>3/30/2024</a:t>
+              <a:t>4/2/2024</a:t>
             </a:fld>
             <a:endParaRPr lang="en-US"/>
           </a:p>
@@ -9212,6 +9298,503 @@
           </a:p>
         </p:txBody>
       </p:sp>
+      <mc:AlternateContent xmlns:mc="http://schemas.openxmlformats.org/markup-compatibility/2006" xmlns:a14="http://schemas.microsoft.com/office/drawing/2010/main">
+        <mc:Choice Requires="a14">
+          <p:sp>
+            <p:nvSpPr>
+              <p:cNvPr id="3" name="Content Placeholder 2"/>
+              <p:cNvSpPr>
+                <a:spLocks noGrp="1"/>
+              </p:cNvSpPr>
+              <p:nvPr>
+                <p:ph sz="quarter" idx="10"/>
+              </p:nvPr>
+            </p:nvSpPr>
+            <p:spPr>
+              <a:xfrm>
+                <a:off x="333375" y="896078"/>
+                <a:ext cx="11525250" cy="5523771"/>
+              </a:xfrm>
+            </p:spPr>
+            <p:txBody>
+              <a:bodyPr>
+                <a:normAutofit/>
+              </a:bodyPr>
+              <a:lstStyle/>
+              <a:p>
+                <a:pPr marL="0" indent="0">
+                  <a:buNone/>
+                </a:pPr>
+                <a:r>
+                  <a:rPr lang="en-US" dirty="0">
+                    <a:latin typeface="+mn-lt"/>
+                  </a:rPr>
+                  <a:t>A dissimilarity matrix contains the differences between each case </a:t>
+                </a:r>
+                <a:r>
+                  <a:rPr lang="en-US" i="1" dirty="0">
+                    <a:latin typeface="+mn-lt"/>
+                  </a:rPr>
+                  <a:t>x</a:t>
+                </a:r>
+                <a:r>
+                  <a:rPr lang="en-US" i="1" baseline="-25000" dirty="0">
+                    <a:latin typeface="+mn-lt"/>
+                  </a:rPr>
+                  <a:t>i</a:t>
+                </a:r>
+                <a:r>
+                  <a:rPr lang="en-US" dirty="0">
+                    <a:latin typeface="+mn-lt"/>
+                  </a:rPr>
+                  <a:t> and every other case </a:t>
+                </a:r>
+                <a:r>
+                  <a:rPr lang="en-US" i="1" dirty="0" err="1">
+                    <a:latin typeface="+mn-lt"/>
+                  </a:rPr>
+                  <a:t>x’</a:t>
+                </a:r>
+                <a:r>
+                  <a:rPr lang="en-US" i="1" baseline="-25000" dirty="0" err="1">
+                    <a:latin typeface="+mn-lt"/>
+                  </a:rPr>
+                  <a:t>i</a:t>
+                </a:r>
+                <a:r>
+                  <a:rPr lang="en-US" dirty="0">
+                    <a:latin typeface="+mn-lt"/>
+                  </a:rPr>
+                  <a:t>,</a:t>
+                </a:r>
+                <a:r>
+                  <a:rPr lang="en-US" i="1" dirty="0">
+                    <a:latin typeface="+mn-lt"/>
+                  </a:rPr>
+                  <a:t> d(x</a:t>
+                </a:r>
+                <a:r>
+                  <a:rPr lang="en-US" i="1" baseline="-25000" dirty="0">
+                    <a:latin typeface="+mn-lt"/>
+                  </a:rPr>
+                  <a:t>i</a:t>
+                </a:r>
+                <a:r>
+                  <a:rPr lang="en-US" i="1" dirty="0">
+                    <a:latin typeface="+mn-lt"/>
+                  </a:rPr>
+                  <a:t>, </a:t>
+                </a:r>
+                <a:r>
+                  <a:rPr lang="en-US" i="1" dirty="0" err="1">
+                    <a:latin typeface="+mn-lt"/>
+                  </a:rPr>
+                  <a:t>x’</a:t>
+                </a:r>
+                <a:r>
+                  <a:rPr lang="en-US" i="1" baseline="-25000" dirty="0" err="1">
+                    <a:latin typeface="+mn-lt"/>
+                  </a:rPr>
+                  <a:t>i</a:t>
+                </a:r>
+                <a:r>
+                  <a:rPr lang="en-US" i="1" dirty="0">
+                    <a:latin typeface="+mn-lt"/>
+                  </a:rPr>
+                  <a:t>)</a:t>
+                </a:r>
+                <a:endParaRPr lang="en-US" sz="2800" i="1" baseline="-25000" dirty="0">
+                  <a:latin typeface="+mn-lt"/>
+                </a:endParaRPr>
+              </a:p>
+              <a:p>
+                <a:r>
+                  <a:rPr lang="en-US" dirty="0">
+                    <a:latin typeface="+mn-lt"/>
+                  </a:rPr>
+                  <a:t>a dense </a:t>
+                </a:r>
+                <a:r>
+                  <a:rPr lang="en-US" b="1" dirty="0">
+                    <a:latin typeface="+mn-lt"/>
+                  </a:rPr>
+                  <a:t>computationally intensive </a:t>
+                </a:r>
+                <a:r>
+                  <a:rPr lang="en-US" dirty="0">
+                    <a:latin typeface="+mn-lt"/>
+                  </a:rPr>
+                  <a:t>and </a:t>
+                </a:r>
+                <a:r>
+                  <a:rPr lang="en-US" b="1" dirty="0">
+                    <a:latin typeface="+mn-lt"/>
+                  </a:rPr>
+                  <a:t>memory intensive representation:</a:t>
+                </a:r>
+                <a:r>
+                  <a:rPr lang="en-US" dirty="0">
+                    <a:latin typeface="+mn-lt"/>
+                  </a:rPr>
+                  <a:t> </a:t>
+                </a:r>
+                <a14:m>
+                  <m:oMath xmlns:m="http://schemas.openxmlformats.org/officeDocument/2006/math">
+                    <m:r>
+                      <a:rPr lang="en-US" b="1" i="1">
+                        <a:latin typeface="Cambria Math" panose="02040503050406030204" pitchFamily="18" charset="0"/>
+                      </a:rPr>
+                      <m:t>𝑶</m:t>
+                    </m:r>
+                    <m:d>
+                      <m:dPr>
+                        <m:ctrlPr>
+                          <a:rPr lang="en-US" b="1" i="1">
+                            <a:latin typeface="Cambria Math" panose="02040503050406030204" pitchFamily="18" charset="0"/>
+                          </a:rPr>
+                        </m:ctrlPr>
+                      </m:dPr>
+                      <m:e>
+                        <m:f>
+                          <m:fPr>
+                            <m:ctrlPr>
+                              <a:rPr lang="en-US" b="1" i="1">
+                                <a:latin typeface="Cambria Math" panose="02040503050406030204" pitchFamily="18" charset="0"/>
+                              </a:rPr>
+                            </m:ctrlPr>
+                          </m:fPr>
+                          <m:num>
+                            <m:sSup>
+                              <m:sSupPr>
+                                <m:ctrlPr>
+                                  <a:rPr lang="en-US" b="1" i="1">
+                                    <a:latin typeface="Cambria Math" panose="02040503050406030204" pitchFamily="18" charset="0"/>
+                                  </a:rPr>
+                                </m:ctrlPr>
+                              </m:sSupPr>
+                              <m:e>
+                                <m:r>
+                                  <a:rPr lang="en-US" b="1" i="1">
+                                    <a:latin typeface="Cambria Math" panose="02040503050406030204" pitchFamily="18" charset="0"/>
+                                  </a:rPr>
+                                  <m:t>𝒏</m:t>
+                                </m:r>
+                                <m:r>
+                                  <a:rPr lang="en-US" b="1" i="1">
+                                    <a:latin typeface="Cambria Math" panose="02040503050406030204" pitchFamily="18" charset="0"/>
+                                  </a:rPr>
+                                  <m:t>(</m:t>
+                                </m:r>
+                                <m:r>
+                                  <a:rPr lang="en-US" b="1" i="1">
+                                    <a:latin typeface="Cambria Math" panose="02040503050406030204" pitchFamily="18" charset="0"/>
+                                  </a:rPr>
+                                  <m:t>𝒏</m:t>
+                                </m:r>
+                              </m:e>
+                              <m:sup>
+                                <m:r>
+                                  <a:rPr lang="en-US" b="1" i="1">
+                                    <a:latin typeface="Cambria Math" panose="02040503050406030204" pitchFamily="18" charset="0"/>
+                                  </a:rPr>
+                                  <m:t> </m:t>
+                                </m:r>
+                              </m:sup>
+                            </m:sSup>
+                            <m:r>
+                              <a:rPr lang="en-US" b="1" i="1">
+                                <a:latin typeface="Cambria Math" panose="02040503050406030204" pitchFamily="18" charset="0"/>
+                              </a:rPr>
+                              <m:t>−</m:t>
+                            </m:r>
+                            <m:r>
+                              <a:rPr lang="en-US" b="1" i="1">
+                                <a:latin typeface="Cambria Math" panose="02040503050406030204" pitchFamily="18" charset="0"/>
+                              </a:rPr>
+                              <m:t>𝟏</m:t>
+                            </m:r>
+                            <m:r>
+                              <a:rPr lang="en-US" b="1" i="1">
+                                <a:latin typeface="Cambria Math" panose="02040503050406030204" pitchFamily="18" charset="0"/>
+                              </a:rPr>
+                              <m:t>)</m:t>
+                            </m:r>
+                          </m:num>
+                          <m:den>
+                            <m:r>
+                              <a:rPr lang="en-US" b="1" i="1">
+                                <a:latin typeface="Cambria Math" panose="02040503050406030204" pitchFamily="18" charset="0"/>
+                              </a:rPr>
+                              <m:t>𝟐</m:t>
+                            </m:r>
+                          </m:den>
+                        </m:f>
+                      </m:e>
+                    </m:d>
+                    <m:r>
+                      <a:rPr lang="en-US" b="1" i="1">
+                        <a:latin typeface="Cambria Math" panose="02040503050406030204" pitchFamily="18" charset="0"/>
+                      </a:rPr>
+                      <m:t> </m:t>
+                    </m:r>
+                  </m:oMath>
+                </a14:m>
+                <a:endParaRPr lang="en-US" dirty="0">
+                  <a:latin typeface="+mn-lt"/>
+                </a:endParaRPr>
+              </a:p>
+              <a:p>
+                <a:r>
+                  <a:rPr lang="en-US" dirty="0">
+                    <a:latin typeface="+mn-lt"/>
+                  </a:rPr>
+                  <a:t>How can we do better?    </a:t>
+                </a:r>
+              </a:p>
+              <a:p>
+                <a:r>
+                  <a:rPr lang="en-US" b="1" dirty="0">
+                    <a:latin typeface="+mn-lt"/>
+                  </a:rPr>
+                  <a:t>Use a sparse graph representation!</a:t>
+                </a:r>
+              </a:p>
+              <a:p>
+                <a:pPr marL="0" indent="0">
+                  <a:buNone/>
+                </a:pPr>
+                <a:endParaRPr lang="en-US" b="1" dirty="0">
+                  <a:latin typeface="+mn-lt"/>
+                </a:endParaRPr>
+              </a:p>
+            </p:txBody>
+          </p:sp>
+        </mc:Choice>
+        <mc:Fallback xmlns="">
+          <p:sp>
+            <p:nvSpPr>
+              <p:cNvPr id="3" name="Content Placeholder 2"/>
+              <p:cNvSpPr>
+                <a:spLocks noGrp="1" noRot="1" noChangeAspect="1" noMove="1" noResize="1" noEditPoints="1" noAdjustHandles="1" noChangeArrowheads="1" noChangeShapeType="1" noTextEdit="1"/>
+              </p:cNvSpPr>
+              <p:nvPr>
+                <p:ph sz="quarter" idx="10"/>
+              </p:nvPr>
+            </p:nvSpPr>
+            <p:spPr>
+              <a:xfrm>
+                <a:off x="333375" y="896078"/>
+                <a:ext cx="11525250" cy="5523771"/>
+              </a:xfrm>
+              <a:blipFill>
+                <a:blip r:embed="rId3"/>
+                <a:stretch>
+                  <a:fillRect l="-1111" t="-1876" r="-370"/>
+                </a:stretch>
+              </a:blipFill>
+            </p:spPr>
+            <p:txBody>
+              <a:bodyPr/>
+              <a:lstStyle/>
+              <a:p>
+                <a:r>
+                  <a:rPr lang="en-US">
+                    <a:noFill/>
+                  </a:rPr>
+                  <a:t> </a:t>
+                </a:r>
+              </a:p>
+            </p:txBody>
+          </p:sp>
+        </mc:Fallback>
+      </mc:AlternateContent>
+    </p:spTree>
+    <p:extLst>
+      <p:ext uri="{BB962C8B-B14F-4D97-AF65-F5344CB8AC3E}">
+        <p14:creationId xmlns:p14="http://schemas.microsoft.com/office/powerpoint/2010/main" val="3538216436"/>
+      </p:ext>
+    </p:extLst>
+  </p:cSld>
+  <p:clrMapOvr>
+    <a:masterClrMapping/>
+  </p:clrMapOvr>
+  <p:timing>
+    <p:tnLst>
+      <p:par>
+        <p:cTn id="1" dur="indefinite" restart="never" nodeType="tmRoot">
+          <p:childTnLst>
+            <p:seq concurrent="1" nextAc="seek">
+              <p:cTn id="2" dur="indefinite" nodeType="mainSeq">
+                <p:childTnLst>
+                  <p:par>
+                    <p:cTn id="3" fill="hold">
+                      <p:stCondLst>
+                        <p:cond delay="indefinite"/>
+                      </p:stCondLst>
+                      <p:childTnLst>
+                        <p:par>
+                          <p:cTn id="4" fill="hold">
+                            <p:stCondLst>
+                              <p:cond delay="0"/>
+                            </p:stCondLst>
+                            <p:childTnLst>
+                              <p:par>
+                                <p:cTn id="5" presetID="1" presetClass="entr" presetSubtype="0" fill="hold" nodeType="clickEffect">
+                                  <p:stCondLst>
+                                    <p:cond delay="0"/>
+                                  </p:stCondLst>
+                                  <p:childTnLst>
+                                    <p:set>
+                                      <p:cBhvr>
+                                        <p:cTn id="6" dur="1" fill="hold">
+                                          <p:stCondLst>
+                                            <p:cond delay="0"/>
+                                          </p:stCondLst>
+                                        </p:cTn>
+                                        <p:tgtEl>
+                                          <p:spTgt spid="3">
+                                            <p:txEl>
+                                              <p:pRg st="2" end="2"/>
+                                            </p:txEl>
+                                          </p:spTgt>
+                                        </p:tgtEl>
+                                        <p:attrNameLst>
+                                          <p:attrName>style.visibility</p:attrName>
+                                        </p:attrNameLst>
+                                      </p:cBhvr>
+                                      <p:to>
+                                        <p:strVal val="visible"/>
+                                      </p:to>
+                                    </p:set>
+                                  </p:childTnLst>
+                                </p:cTn>
+                              </p:par>
+                            </p:childTnLst>
+                          </p:cTn>
+                        </p:par>
+                      </p:childTnLst>
+                    </p:cTn>
+                  </p:par>
+                  <p:par>
+                    <p:cTn id="7" fill="hold">
+                      <p:stCondLst>
+                        <p:cond delay="indefinite"/>
+                      </p:stCondLst>
+                      <p:childTnLst>
+                        <p:par>
+                          <p:cTn id="8" fill="hold">
+                            <p:stCondLst>
+                              <p:cond delay="0"/>
+                            </p:stCondLst>
+                            <p:childTnLst>
+                              <p:par>
+                                <p:cTn id="9" presetID="1" presetClass="entr" presetSubtype="0" fill="hold" nodeType="clickEffect">
+                                  <p:stCondLst>
+                                    <p:cond delay="0"/>
+                                  </p:stCondLst>
+                                  <p:childTnLst>
+                                    <p:set>
+                                      <p:cBhvr>
+                                        <p:cTn id="10" dur="1" fill="hold">
+                                          <p:stCondLst>
+                                            <p:cond delay="0"/>
+                                          </p:stCondLst>
+                                        </p:cTn>
+                                        <p:tgtEl>
+                                          <p:spTgt spid="3">
+                                            <p:txEl>
+                                              <p:pRg st="3" end="3"/>
+                                            </p:txEl>
+                                          </p:spTgt>
+                                        </p:tgtEl>
+                                        <p:attrNameLst>
+                                          <p:attrName>style.visibility</p:attrName>
+                                        </p:attrNameLst>
+                                      </p:cBhvr>
+                                      <p:to>
+                                        <p:strVal val="visible"/>
+                                      </p:to>
+                                    </p:set>
+                                  </p:childTnLst>
+                                </p:cTn>
+                              </p:par>
+                            </p:childTnLst>
+                          </p:cTn>
+                        </p:par>
+                      </p:childTnLst>
+                    </p:cTn>
+                  </p:par>
+                </p:childTnLst>
+              </p:cTn>
+              <p:prevCondLst>
+                <p:cond evt="onPrev" delay="0">
+                  <p:tgtEl>
+                    <p:sldTgt/>
+                  </p:tgtEl>
+                </p:cond>
+              </p:prevCondLst>
+              <p:nextCondLst>
+                <p:cond evt="onNext" delay="0">
+                  <p:tgtEl>
+                    <p:sldTgt/>
+                  </p:tgtEl>
+                </p:cond>
+              </p:nextCondLst>
+            </p:seq>
+          </p:childTnLst>
+        </p:cTn>
+      </p:par>
+    </p:tnLst>
+  </p:timing>
+</p:sld>
+</file>
+
+<file path=ppt/slides/slide11.xml><?xml version="1.0" encoding="utf-8"?>
+<p:sld xmlns:a="http://schemas.openxmlformats.org/drawingml/2006/main" xmlns:r="http://schemas.openxmlformats.org/officeDocument/2006/relationships" xmlns:p="http://schemas.openxmlformats.org/presentationml/2006/main">
+  <p:cSld>
+    <p:spTree>
+      <p:nvGrpSpPr>
+        <p:cNvPr id="1" name=""/>
+        <p:cNvGrpSpPr/>
+        <p:nvPr/>
+      </p:nvGrpSpPr>
+      <p:grpSpPr>
+        <a:xfrm>
+          <a:off x="0" y="0"/>
+          <a:ext cx="0" cy="0"/>
+          <a:chOff x="0" y="0"/>
+          <a:chExt cx="0" cy="0"/>
+        </a:xfrm>
+      </p:grpSpPr>
+      <p:sp>
+        <p:nvSpPr>
+          <p:cNvPr id="2" name="Title 1"/>
+          <p:cNvSpPr>
+            <a:spLocks noGrp="1"/>
+          </p:cNvSpPr>
+          <p:nvPr>
+            <p:ph type="title"/>
+          </p:nvPr>
+        </p:nvSpPr>
+        <p:spPr>
+          <a:xfrm>
+            <a:off x="584200" y="221992"/>
+            <a:ext cx="10515600" cy="530954"/>
+          </a:xfrm>
+        </p:spPr>
+        <p:txBody>
+          <a:bodyPr>
+            <a:normAutofit fontScale="90000"/>
+          </a:bodyPr>
+          <a:lstStyle/>
+          <a:p>
+            <a:r>
+              <a:rPr lang="en-US" dirty="0"/>
+              <a:t>Scaling distance and similarity measures</a:t>
+            </a:r>
+          </a:p>
+        </p:txBody>
+      </p:sp>
       <p:sp>
         <p:nvSpPr>
           <p:cNvPr id="3" name="Content Placeholder 2"/>
@@ -9733,7 +10316,7 @@
 </p:sld>
 </file>
 
-<file path=ppt/slides/slide11.xml><?xml version="1.0" encoding="utf-8"?>
+<file path=ppt/slides/slide12.xml><?xml version="1.0" encoding="utf-8"?>
 <p:sld xmlns:a="http://schemas.openxmlformats.org/drawingml/2006/main" xmlns:r="http://schemas.openxmlformats.org/officeDocument/2006/relationships" xmlns:p="http://schemas.openxmlformats.org/presentationml/2006/main">
   <p:cSld>
     <p:spTree>
@@ -10582,7 +11165,7 @@
 </p:sld>
 </file>
 
-<file path=ppt/slides/slide12.xml><?xml version="1.0" encoding="utf-8"?>
+<file path=ppt/slides/slide13.xml><?xml version="1.0" encoding="utf-8"?>
 <p:sld xmlns:a="http://schemas.openxmlformats.org/drawingml/2006/main" xmlns:r="http://schemas.openxmlformats.org/officeDocument/2006/relationships" xmlns:p="http://schemas.openxmlformats.org/presentationml/2006/main">
   <p:cSld>
     <p:spTree>
@@ -11412,7 +11995,7 @@
 </p:sld>
 </file>
 
-<file path=ppt/slides/slide13.xml><?xml version="1.0" encoding="utf-8"?>
+<file path=ppt/slides/slide14.xml><?xml version="1.0" encoding="utf-8"?>
 <p:sld xmlns:a="http://schemas.openxmlformats.org/drawingml/2006/main" xmlns:r="http://schemas.openxmlformats.org/officeDocument/2006/relationships" xmlns:p="http://schemas.openxmlformats.org/presentationml/2006/main">
   <p:cSld>
     <p:spTree>
@@ -11476,7 +12059,7 @@
 </p:sld>
 </file>
 
-<file path=ppt/slides/slide14.xml><?xml version="1.0" encoding="utf-8"?>
+<file path=ppt/slides/slide15.xml><?xml version="1.0" encoding="utf-8"?>
 <p:sld xmlns:a="http://schemas.openxmlformats.org/drawingml/2006/main" xmlns:r="http://schemas.openxmlformats.org/officeDocument/2006/relationships" xmlns:p="http://schemas.openxmlformats.org/presentationml/2006/main">
   <p:cSld>
     <p:spTree>
@@ -11966,7 +12549,7 @@
 </p:sld>
 </file>
 
-<file path=ppt/slides/slide15.xml><?xml version="1.0" encoding="utf-8"?>
+<file path=ppt/slides/slide16.xml><?xml version="1.0" encoding="utf-8"?>
 <p:sld xmlns:a="http://schemas.openxmlformats.org/drawingml/2006/main" xmlns:r="http://schemas.openxmlformats.org/officeDocument/2006/relationships" xmlns:p="http://schemas.openxmlformats.org/presentationml/2006/main">
   <p:cSld>
     <p:spTree>
@@ -12630,7 +13213,7 @@
 </p:sld>
 </file>
 
-<file path=ppt/slides/slide16.xml><?xml version="1.0" encoding="utf-8"?>
+<file path=ppt/slides/slide17.xml><?xml version="1.0" encoding="utf-8"?>
 <p:sld xmlns:a="http://schemas.openxmlformats.org/drawingml/2006/main" xmlns:r="http://schemas.openxmlformats.org/officeDocument/2006/relationships" xmlns:p="http://schemas.openxmlformats.org/presentationml/2006/main">
   <p:cSld>
     <p:spTree>
@@ -13614,7 +14197,7 @@
 </p:sld>
 </file>
 
-<file path=ppt/slides/slide17.xml><?xml version="1.0" encoding="utf-8"?>
+<file path=ppt/slides/slide18.xml><?xml version="1.0" encoding="utf-8"?>
 <p:sld xmlns:a="http://schemas.openxmlformats.org/drawingml/2006/main" xmlns:r="http://schemas.openxmlformats.org/officeDocument/2006/relationships" xmlns:p="http://schemas.openxmlformats.org/presentationml/2006/main">
   <p:cSld>
     <p:spTree>
@@ -13705,7 +14288,7 @@
               <a:rPr lang="en-US" dirty="0">
                 <a:latin typeface="+mn-lt"/>
               </a:rPr>
-              <a:t>Can define clusters as Voronoi regions</a:t>
+              <a:t>Clusters area Voronoi regions</a:t>
             </a:r>
           </a:p>
           <a:p>
@@ -14078,7 +14661,7 @@
 </p:sld>
 </file>
 
-<file path=ppt/slides/slide18.xml><?xml version="1.0" encoding="utf-8"?>
+<file path=ppt/slides/slide19.xml><?xml version="1.0" encoding="utf-8"?>
 <p:sld xmlns:a="http://schemas.openxmlformats.org/drawingml/2006/main" xmlns:r="http://schemas.openxmlformats.org/officeDocument/2006/relationships" xmlns:p="http://schemas.openxmlformats.org/presentationml/2006/main">
   <p:cSld>
     <p:spTree>
@@ -14138,7 +14721,77 @@
 </p:sld>
 </file>
 
-<file path=ppt/slides/slide19.xml><?xml version="1.0" encoding="utf-8"?>
+<file path=ppt/slides/slide2.xml><?xml version="1.0" encoding="utf-8"?>
+<p:sld xmlns:a="http://schemas.openxmlformats.org/drawingml/2006/main" xmlns:r="http://schemas.openxmlformats.org/officeDocument/2006/relationships" xmlns:p="http://schemas.openxmlformats.org/presentationml/2006/main">
+  <p:cSld>
+    <p:spTree>
+      <p:nvGrpSpPr>
+        <p:cNvPr id="1" name=""/>
+        <p:cNvGrpSpPr/>
+        <p:nvPr/>
+      </p:nvGrpSpPr>
+      <p:grpSpPr>
+        <a:xfrm>
+          <a:off x="0" y="0"/>
+          <a:ext cx="0" cy="0"/>
+          <a:chOff x="0" y="0"/>
+          <a:chExt cx="0" cy="0"/>
+        </a:xfrm>
+      </p:grpSpPr>
+      <p:sp>
+        <p:nvSpPr>
+          <p:cNvPr id="2" name="Title 1">
+            <a:extLst>
+              <a:ext uri="{FF2B5EF4-FFF2-40B4-BE49-F238E27FC236}">
+                <a16:creationId xmlns:a16="http://schemas.microsoft.com/office/drawing/2014/main" id="{F8A33362-6456-0F5B-5570-FA2A30C5C24B}"/>
+              </a:ext>
+            </a:extLst>
+          </p:cNvPr>
+          <p:cNvSpPr>
+            <a:spLocks noGrp="1"/>
+          </p:cNvSpPr>
+          <p:nvPr>
+            <p:ph type="ctrTitle"/>
+          </p:nvPr>
+        </p:nvSpPr>
+        <p:spPr/>
+        <p:txBody>
+          <a:bodyPr>
+            <a:normAutofit/>
+          </a:bodyPr>
+          <a:lstStyle/>
+          <a:p>
+            <a:r>
+              <a:rPr lang="en-US" sz="4400" dirty="0"/>
+              <a:t>Clustering in High Dimensions and</a:t>
+            </a:r>
+            <a:br>
+              <a:rPr lang="en-US" sz="4400" dirty="0"/>
+            </a:br>
+            <a:r>
+              <a:rPr lang="en-US" sz="4400" dirty="0">
+                <a:latin typeface="Script MT Bold" panose="03040602040607080904" pitchFamily="66" charset="0"/>
+              </a:rPr>
+              <a:t>The Curse of Dimensionality!</a:t>
+            </a:r>
+            <a:endParaRPr lang="en-US" sz="4400" dirty="0"/>
+          </a:p>
+        </p:txBody>
+      </p:sp>
+    </p:spTree>
+    <p:extLst>
+      <p:ext uri="{BB962C8B-B14F-4D97-AF65-F5344CB8AC3E}">
+        <p14:creationId xmlns:p14="http://schemas.microsoft.com/office/powerpoint/2010/main" val="3139310227"/>
+      </p:ext>
+    </p:extLst>
+  </p:cSld>
+  <p:clrMapOvr>
+    <a:masterClrMapping/>
+  </p:clrMapOvr>
+</p:sld>
+</file>
+
+<file path=ppt/slides/slide20.xml><?xml version="1.0" encoding="utf-8"?>
 <p:sld xmlns:a="http://schemas.openxmlformats.org/drawingml/2006/main" xmlns:r="http://schemas.openxmlformats.org/officeDocument/2006/relationships" xmlns:p="http://schemas.openxmlformats.org/presentationml/2006/main">
   <p:cSld>
     <p:spTree>
@@ -14704,77 +15357,7 @@
 </p:sld>
 </file>
 
-<file path=ppt/slides/slide2.xml><?xml version="1.0" encoding="utf-8"?>
-<p:sld xmlns:a="http://schemas.openxmlformats.org/drawingml/2006/main" xmlns:r="http://schemas.openxmlformats.org/officeDocument/2006/relationships" xmlns:p="http://schemas.openxmlformats.org/presentationml/2006/main">
-  <p:cSld>
-    <p:spTree>
-      <p:nvGrpSpPr>
-        <p:cNvPr id="1" name=""/>
-        <p:cNvGrpSpPr/>
-        <p:nvPr/>
-      </p:nvGrpSpPr>
-      <p:grpSpPr>
-        <a:xfrm>
-          <a:off x="0" y="0"/>
-          <a:ext cx="0" cy="0"/>
-          <a:chOff x="0" y="0"/>
-          <a:chExt cx="0" cy="0"/>
-        </a:xfrm>
-      </p:grpSpPr>
-      <p:sp>
-        <p:nvSpPr>
-          <p:cNvPr id="2" name="Title 1">
-            <a:extLst>
-              <a:ext uri="{FF2B5EF4-FFF2-40B4-BE49-F238E27FC236}">
-                <a16:creationId xmlns:a16="http://schemas.microsoft.com/office/drawing/2014/main" id="{F8A33362-6456-0F5B-5570-FA2A30C5C24B}"/>
-              </a:ext>
-            </a:extLst>
-          </p:cNvPr>
-          <p:cNvSpPr>
-            <a:spLocks noGrp="1"/>
-          </p:cNvSpPr>
-          <p:nvPr>
-            <p:ph type="ctrTitle"/>
-          </p:nvPr>
-        </p:nvSpPr>
-        <p:spPr/>
-        <p:txBody>
-          <a:bodyPr>
-            <a:normAutofit/>
-          </a:bodyPr>
-          <a:lstStyle/>
-          <a:p>
-            <a:r>
-              <a:rPr lang="en-US" sz="4400" dirty="0"/>
-              <a:t>Clustering in High Dimensions and</a:t>
-            </a:r>
-            <a:br>
-              <a:rPr lang="en-US" sz="4400" dirty="0"/>
-            </a:br>
-            <a:r>
-              <a:rPr lang="en-US" sz="4400" dirty="0">
-                <a:latin typeface="Script MT Bold" panose="03040602040607080904" pitchFamily="66" charset="0"/>
-              </a:rPr>
-              <a:t>The Curse of Dimensionality!</a:t>
-            </a:r>
-            <a:endParaRPr lang="en-US" sz="4400" dirty="0"/>
-          </a:p>
-        </p:txBody>
-      </p:sp>
-    </p:spTree>
-    <p:extLst>
-      <p:ext uri="{BB962C8B-B14F-4D97-AF65-F5344CB8AC3E}">
-        <p14:creationId xmlns:p14="http://schemas.microsoft.com/office/powerpoint/2010/main" val="3139310227"/>
-      </p:ext>
-    </p:extLst>
-  </p:cSld>
-  <p:clrMapOvr>
-    <a:masterClrMapping/>
-  </p:clrMapOvr>
-</p:sld>
-</file>
-
-<file path=ppt/slides/slide20.xml><?xml version="1.0" encoding="utf-8"?>
+<file path=ppt/slides/slide21.xml><?xml version="1.0" encoding="utf-8"?>
 <p:sld xmlns:a="http://schemas.openxmlformats.org/drawingml/2006/main" xmlns:r="http://schemas.openxmlformats.org/officeDocument/2006/relationships" xmlns:p="http://schemas.openxmlformats.org/presentationml/2006/main">
   <p:cSld>
     <p:spTree>
@@ -14855,7 +15438,7 @@
               <a:rPr lang="en-US" dirty="0">
                 <a:latin typeface="+mn-lt"/>
               </a:rPr>
-              <a:t> is the first (1996) large-scale density-based clustering algorithm</a:t>
+              <a:t> was the first (1996) large-scale density-based clustering algorithm</a:t>
             </a:r>
           </a:p>
           <a:p>
@@ -15145,7 +15728,7 @@
 </p:sld>
 </file>
 
-<file path=ppt/slides/slide21.xml><?xml version="1.0" encoding="utf-8"?>
+<file path=ppt/slides/slide22.xml><?xml version="1.0" encoding="utf-8"?>
 <p:sld xmlns:a="http://schemas.openxmlformats.org/drawingml/2006/main" xmlns:r="http://schemas.openxmlformats.org/officeDocument/2006/relationships" xmlns:p="http://schemas.openxmlformats.org/presentationml/2006/main">
   <p:cSld>
     <p:spTree>
@@ -15220,13 +15803,13 @@
               <a:rPr lang="en-US" dirty="0">
                 <a:latin typeface="+mn-lt"/>
               </a:rPr>
-              <a:t>DBSCAN finds a </a:t>
+              <a:t>DBSCAN finds a</a:t>
             </a:r>
             <a:r>
               <a:rPr lang="en-US" b="1" dirty="0">
                 <a:latin typeface="+mn-lt"/>
               </a:rPr>
-              <a:t>graph of nearest neighbors</a:t>
+              <a:t> directed graph of nearest neighbors</a:t>
             </a:r>
           </a:p>
           <a:p>
@@ -15609,7 +16192,7 @@
 </p:sld>
 </file>
 
-<file path=ppt/slides/slide22.xml><?xml version="1.0" encoding="utf-8"?>
+<file path=ppt/slides/slide23.xml><?xml version="1.0" encoding="utf-8"?>
 <p:sld xmlns:a="http://schemas.openxmlformats.org/drawingml/2006/main" xmlns:r="http://schemas.openxmlformats.org/officeDocument/2006/relationships" xmlns:p="http://schemas.openxmlformats.org/presentationml/2006/main">
   <p:cSld>
     <p:spTree>
@@ -16056,7 +16639,7 @@
 </p:sld>
 </file>
 
-<file path=ppt/slides/slide23.xml><?xml version="1.0" encoding="utf-8"?>
+<file path=ppt/slides/slide24.xml><?xml version="1.0" encoding="utf-8"?>
 <p:sld xmlns:a="http://schemas.openxmlformats.org/drawingml/2006/main" xmlns:r="http://schemas.openxmlformats.org/officeDocument/2006/relationships" xmlns:p="http://schemas.openxmlformats.org/presentationml/2006/main">
   <p:cSld>
     <p:spTree>
@@ -16102,197 +16685,350 @@
           </a:p>
         </p:txBody>
       </p:sp>
-      <p:sp>
-        <p:nvSpPr>
-          <p:cNvPr id="3" name="Content Placeholder 2"/>
-          <p:cNvSpPr>
-            <a:spLocks noGrp="1"/>
-          </p:cNvSpPr>
-          <p:nvPr>
-            <p:ph sz="quarter" idx="10"/>
-          </p:nvPr>
-        </p:nvSpPr>
-        <p:spPr>
-          <a:xfrm>
-            <a:off x="537275" y="896079"/>
-            <a:ext cx="11321349" cy="5602877"/>
-          </a:xfrm>
-        </p:spPr>
-        <p:txBody>
-          <a:bodyPr>
-            <a:normAutofit/>
-          </a:bodyPr>
-          <a:lstStyle/>
-          <a:p>
-            <a:pPr marL="0" indent="0">
-              <a:buNone/>
-            </a:pPr>
-            <a:r>
-              <a:rPr lang="en-US" dirty="0">
-                <a:latin typeface="+mn-lt"/>
-              </a:rPr>
-              <a:t>How do we define </a:t>
-            </a:r>
-            <a:r>
-              <a:rPr lang="en-US" b="1" dirty="0">
-                <a:latin typeface="+mn-lt"/>
-              </a:rPr>
-              <a:t>reachability?</a:t>
-            </a:r>
-          </a:p>
-          <a:p>
-            <a:r>
-              <a:rPr lang="en-US" dirty="0">
-                <a:latin typeface="+mn-lt"/>
-              </a:rPr>
-              <a:t>Must have a </a:t>
-            </a:r>
-            <a:r>
-              <a:rPr lang="en-US" b="1" dirty="0">
-                <a:latin typeface="+mn-lt"/>
-              </a:rPr>
-              <a:t>path</a:t>
-            </a:r>
-            <a:r>
-              <a:rPr lang="en-US" dirty="0">
-                <a:latin typeface="+mn-lt"/>
-              </a:rPr>
-              <a:t> on the graph between points </a:t>
-            </a:r>
-            <a:r>
-              <a:rPr lang="en-US" i="1" dirty="0">
-                <a:latin typeface="+mn-lt"/>
-              </a:rPr>
-              <a:t>p</a:t>
-            </a:r>
-            <a:r>
-              <a:rPr lang="en-US" i="1" baseline="-25000" dirty="0">
-                <a:latin typeface="+mn-lt"/>
-              </a:rPr>
-              <a:t>1</a:t>
-            </a:r>
-            <a:r>
-              <a:rPr lang="en-US" dirty="0">
-                <a:latin typeface="+mn-lt"/>
-              </a:rPr>
-              <a:t> and </a:t>
-            </a:r>
-            <a:r>
-              <a:rPr lang="en-US" i="1" dirty="0" err="1">
-                <a:latin typeface="+mn-lt"/>
-              </a:rPr>
-              <a:t>p</a:t>
-            </a:r>
-            <a:r>
-              <a:rPr lang="en-US" i="1" baseline="-25000" dirty="0" err="1">
-                <a:latin typeface="+mn-lt"/>
-              </a:rPr>
-              <a:t>n</a:t>
-            </a:r>
-            <a:endParaRPr lang="en-US" i="1" baseline="-25000" dirty="0">
-              <a:latin typeface="+mn-lt"/>
-            </a:endParaRPr>
-          </a:p>
-          <a:p>
-            <a:r>
-              <a:rPr lang="en-US" dirty="0">
-                <a:latin typeface="+mn-lt"/>
-              </a:rPr>
-              <a:t>The path can pass through other points, {</a:t>
-            </a:r>
-            <a:r>
-              <a:rPr lang="en-US" i="1" dirty="0">
-                <a:latin typeface="+mn-lt"/>
-              </a:rPr>
-              <a:t>p</a:t>
-            </a:r>
-            <a:r>
-              <a:rPr lang="en-US" i="1" baseline="-25000" dirty="0">
-                <a:latin typeface="+mn-lt"/>
-              </a:rPr>
-              <a:t>1</a:t>
-            </a:r>
-            <a:r>
-              <a:rPr lang="en-US" i="1" dirty="0">
-                <a:latin typeface="+mn-lt"/>
-              </a:rPr>
-              <a:t>,p</a:t>
-            </a:r>
-            <a:r>
-              <a:rPr lang="en-US" i="1" baseline="-25000" dirty="0">
-                <a:latin typeface="+mn-lt"/>
-              </a:rPr>
-              <a:t>2</a:t>
-            </a:r>
-            <a:r>
-              <a:rPr lang="en-US" i="1" dirty="0">
-                <a:latin typeface="+mn-lt"/>
-              </a:rPr>
-              <a:t>,…,</a:t>
-            </a:r>
-            <a:r>
-              <a:rPr lang="en-US" i="1" dirty="0" err="1">
-                <a:latin typeface="+mn-lt"/>
-              </a:rPr>
-              <a:t>p</a:t>
-            </a:r>
-            <a:r>
-              <a:rPr lang="en-US" i="1" baseline="-25000" dirty="0" err="1">
-                <a:latin typeface="+mn-lt"/>
-              </a:rPr>
-              <a:t>n</a:t>
-            </a:r>
-            <a:r>
-              <a:rPr lang="en-US" dirty="0">
-                <a:latin typeface="+mn-lt"/>
-              </a:rPr>
-              <a:t>}</a:t>
-            </a:r>
-          </a:p>
-          <a:p>
-            <a:r>
-              <a:rPr lang="en-US" dirty="0">
-                <a:latin typeface="+mn-lt"/>
-              </a:rPr>
-              <a:t>Distance to neighbors must be less than </a:t>
-            </a:r>
-            <a:r>
-              <a:rPr lang="en-US" dirty="0">
-                <a:latin typeface="Symbol" panose="05050102010706020507" pitchFamily="18" charset="2"/>
-              </a:rPr>
-              <a:t>e</a:t>
-            </a:r>
-          </a:p>
-          <a:p>
-            <a:r>
-              <a:rPr lang="en-US" dirty="0">
-                <a:latin typeface="+mn-lt"/>
-              </a:rPr>
-              <a:t>Points not reachable from any other point are </a:t>
-            </a:r>
-            <a:r>
-              <a:rPr lang="en-US" b="1" dirty="0">
-                <a:latin typeface="+mn-lt"/>
-              </a:rPr>
-              <a:t>non-reachable</a:t>
-            </a:r>
-          </a:p>
-          <a:p>
-            <a:pPr lvl="1"/>
-            <a:endParaRPr lang="en-US" dirty="0">
-              <a:latin typeface="+mn-lt"/>
-            </a:endParaRPr>
-          </a:p>
-          <a:p>
-            <a:pPr marL="0" indent="0">
-              <a:buNone/>
-            </a:pPr>
-            <a:endParaRPr lang="en-US" dirty="0">
-              <a:latin typeface="+mn-lt"/>
-            </a:endParaRPr>
-          </a:p>
-        </p:txBody>
-      </p:sp>
+      <mc:AlternateContent xmlns:mc="http://schemas.openxmlformats.org/markup-compatibility/2006" xmlns:a14="http://schemas.microsoft.com/office/drawing/2010/main">
+        <mc:Choice Requires="a14">
+          <p:sp>
+            <p:nvSpPr>
+              <p:cNvPr id="3" name="Content Placeholder 2"/>
+              <p:cNvSpPr>
+                <a:spLocks noGrp="1"/>
+              </p:cNvSpPr>
+              <p:nvPr>
+                <p:ph sz="quarter" idx="10"/>
+              </p:nvPr>
+            </p:nvSpPr>
+            <p:spPr>
+              <a:xfrm>
+                <a:off x="537275" y="896079"/>
+                <a:ext cx="11321349" cy="5602877"/>
+              </a:xfrm>
+            </p:spPr>
+            <p:txBody>
+              <a:bodyPr>
+                <a:normAutofit/>
+              </a:bodyPr>
+              <a:lstStyle/>
+              <a:p>
+                <a:pPr marL="0" indent="0">
+                  <a:buNone/>
+                </a:pPr>
+                <a:r>
+                  <a:rPr lang="en-US" dirty="0">
+                    <a:latin typeface="+mn-lt"/>
+                  </a:rPr>
+                  <a:t>How do we define </a:t>
+                </a:r>
+                <a:r>
+                  <a:rPr lang="en-US" b="1" dirty="0">
+                    <a:latin typeface="+mn-lt"/>
+                  </a:rPr>
+                  <a:t>reachability?</a:t>
+                </a:r>
+              </a:p>
+              <a:p>
+                <a:r>
+                  <a:rPr lang="en-US" dirty="0">
+                    <a:latin typeface="+mn-lt"/>
+                  </a:rPr>
+                  <a:t>Must have a </a:t>
+                </a:r>
+                <a:r>
+                  <a:rPr lang="en-US" b="1" dirty="0">
+                    <a:latin typeface="+mn-lt"/>
+                  </a:rPr>
+                  <a:t>path</a:t>
+                </a:r>
+                <a:r>
+                  <a:rPr lang="en-US" dirty="0">
+                    <a:latin typeface="+mn-lt"/>
+                  </a:rPr>
+                  <a:t> on the graph between points </a:t>
+                </a:r>
+                <a:r>
+                  <a:rPr lang="en-US" i="1" dirty="0">
+                    <a:latin typeface="+mn-lt"/>
+                  </a:rPr>
+                  <a:t>p</a:t>
+                </a:r>
+                <a:r>
+                  <a:rPr lang="en-US" i="1" baseline="-25000" dirty="0">
+                    <a:latin typeface="+mn-lt"/>
+                  </a:rPr>
+                  <a:t>1</a:t>
+                </a:r>
+                <a:r>
+                  <a:rPr lang="en-US" dirty="0">
+                    <a:latin typeface="+mn-lt"/>
+                  </a:rPr>
+                  <a:t> and </a:t>
+                </a:r>
+                <a:r>
+                  <a:rPr lang="en-US" i="1" dirty="0" err="1">
+                    <a:latin typeface="+mn-lt"/>
+                  </a:rPr>
+                  <a:t>p</a:t>
+                </a:r>
+                <a:r>
+                  <a:rPr lang="en-US" i="1" baseline="-25000" dirty="0" err="1">
+                    <a:latin typeface="+mn-lt"/>
+                  </a:rPr>
+                  <a:t>n</a:t>
+                </a:r>
+                <a:endParaRPr lang="en-US" i="1" baseline="-25000" dirty="0">
+                  <a:latin typeface="+mn-lt"/>
+                </a:endParaRPr>
+              </a:p>
+              <a:p>
+                <a:r>
+                  <a:rPr lang="en-US" dirty="0">
+                    <a:latin typeface="+mn-lt"/>
+                  </a:rPr>
+                  <a:t>The path can pass through other points, {</a:t>
+                </a:r>
+                <a:r>
+                  <a:rPr lang="en-US" i="1" dirty="0">
+                    <a:latin typeface="+mn-lt"/>
+                  </a:rPr>
+                  <a:t>p</a:t>
+                </a:r>
+                <a:r>
+                  <a:rPr lang="en-US" i="1" baseline="-25000" dirty="0">
+                    <a:latin typeface="+mn-lt"/>
+                  </a:rPr>
+                  <a:t>1</a:t>
+                </a:r>
+                <a:r>
+                  <a:rPr lang="en-US" i="1" dirty="0">
+                    <a:latin typeface="+mn-lt"/>
+                  </a:rPr>
+                  <a:t>,p</a:t>
+                </a:r>
+                <a:r>
+                  <a:rPr lang="en-US" i="1" baseline="-25000" dirty="0">
+                    <a:latin typeface="+mn-lt"/>
+                  </a:rPr>
+                  <a:t>2</a:t>
+                </a:r>
+                <a:r>
+                  <a:rPr lang="en-US" i="1" dirty="0">
+                    <a:latin typeface="+mn-lt"/>
+                  </a:rPr>
+                  <a:t>,…,</a:t>
+                </a:r>
+                <a:r>
+                  <a:rPr lang="en-US" i="1" dirty="0" err="1">
+                    <a:latin typeface="+mn-lt"/>
+                  </a:rPr>
+                  <a:t>p</a:t>
+                </a:r>
+                <a:r>
+                  <a:rPr lang="en-US" i="1" baseline="-25000" dirty="0" err="1">
+                    <a:latin typeface="+mn-lt"/>
+                  </a:rPr>
+                  <a:t>n</a:t>
+                </a:r>
+                <a:r>
+                  <a:rPr lang="en-US" dirty="0">
+                    <a:latin typeface="+mn-lt"/>
+                  </a:rPr>
+                  <a:t>}</a:t>
+                </a:r>
+              </a:p>
+              <a:p>
+                <a:r>
+                  <a:rPr lang="en-US" dirty="0">
+                    <a:latin typeface="+mn-lt"/>
+                  </a:rPr>
+                  <a:t>Distance to neighbors must be less than </a:t>
+                </a:r>
+                <a:r>
+                  <a:rPr lang="en-US" dirty="0">
+                    <a:latin typeface="Symbol" panose="05050102010706020507" pitchFamily="18" charset="2"/>
+                  </a:rPr>
+                  <a:t>e</a:t>
+                </a:r>
+              </a:p>
+              <a:p>
+                <a:r>
+                  <a:rPr lang="en-US" dirty="0">
+                    <a:latin typeface="+mn-lt"/>
+                  </a:rPr>
+                  <a:t>Points, </a:t>
+                </a:r>
+                <a14:m>
+                  <m:oMath xmlns:m="http://schemas.openxmlformats.org/officeDocument/2006/math">
+                    <m:r>
+                      <a:rPr lang="en-US" b="0" i="1" smtClean="0">
+                        <a:latin typeface="Cambria Math" panose="02040503050406030204" pitchFamily="18" charset="0"/>
+                      </a:rPr>
+                      <m:t>𝑖</m:t>
+                    </m:r>
+                  </m:oMath>
+                </a14:m>
+                <a:r>
+                  <a:rPr lang="en-US" dirty="0">
+                    <a:latin typeface="+mn-lt"/>
+                  </a:rPr>
+                  <a:t>, not reachable from any other point, </a:t>
+                </a:r>
+                <a14:m>
+                  <m:oMath xmlns:m="http://schemas.openxmlformats.org/officeDocument/2006/math">
+                    <m:r>
+                      <a:rPr lang="en-US" b="0" i="1" smtClean="0">
+                        <a:latin typeface="Cambria Math" panose="02040503050406030204" pitchFamily="18" charset="0"/>
+                      </a:rPr>
+                      <m:t>𝑗</m:t>
+                    </m:r>
+                  </m:oMath>
+                </a14:m>
+                <a:r>
+                  <a:rPr lang="en-US" dirty="0">
+                    <a:latin typeface="+mn-lt"/>
+                  </a:rPr>
+                  <a:t>, are </a:t>
+                </a:r>
+                <a:r>
+                  <a:rPr lang="en-US" b="1" dirty="0">
+                    <a:latin typeface="+mn-lt"/>
+                  </a:rPr>
+                  <a:t>non-reachable</a:t>
+                </a:r>
+              </a:p>
+              <a:p>
+                <a:pPr marL="0" indent="0">
+                  <a:buNone/>
+                </a:pPr>
+                <a14:m>
+                  <m:oMathPara xmlns:m="http://schemas.openxmlformats.org/officeDocument/2006/math">
+                    <m:oMathParaPr>
+                      <m:jc m:val="centerGroup"/>
+                    </m:oMathParaPr>
+                    <m:oMath xmlns:m="http://schemas.openxmlformats.org/officeDocument/2006/math">
+                      <m:r>
+                        <a:rPr lang="en-US" i="1">
+                          <a:latin typeface="Cambria Math" panose="02040503050406030204" pitchFamily="18" charset="0"/>
+                        </a:rPr>
+                        <m:t>𝑑</m:t>
+                      </m:r>
+                      <m:d>
+                        <m:dPr>
+                          <m:ctrlPr>
+                            <a:rPr lang="en-US" i="1">
+                              <a:latin typeface="Cambria Math" panose="02040503050406030204" pitchFamily="18" charset="0"/>
+                            </a:rPr>
+                          </m:ctrlPr>
+                        </m:dPr>
+                        <m:e>
+                          <m:r>
+                            <a:rPr lang="en-US" i="1">
+                              <a:latin typeface="Cambria Math" panose="02040503050406030204" pitchFamily="18" charset="0"/>
+                            </a:rPr>
+                            <m:t>𝑖</m:t>
+                          </m:r>
+                          <m:r>
+                            <a:rPr lang="en-US" i="1">
+                              <a:latin typeface="Cambria Math" panose="02040503050406030204" pitchFamily="18" charset="0"/>
+                            </a:rPr>
+                            <m:t>,</m:t>
+                          </m:r>
+                          <m:r>
+                            <a:rPr lang="en-US" i="1">
+                              <a:latin typeface="Cambria Math" panose="02040503050406030204" pitchFamily="18" charset="0"/>
+                            </a:rPr>
+                            <m:t>𝑗</m:t>
+                          </m:r>
+                        </m:e>
+                      </m:d>
+                      <m:r>
+                        <a:rPr lang="en-US" i="1">
+                          <a:latin typeface="Cambria Math" panose="02040503050406030204" pitchFamily="18" charset="0"/>
+                          <a:ea typeface="Cambria Math" panose="02040503050406030204" pitchFamily="18" charset="0"/>
+                        </a:rPr>
+                        <m:t>&gt;</m:t>
+                      </m:r>
+                      <m:r>
+                        <a:rPr lang="en-US" i="1">
+                          <a:latin typeface="Cambria Math" panose="02040503050406030204" pitchFamily="18" charset="0"/>
+                          <a:ea typeface="Cambria Math" panose="02040503050406030204" pitchFamily="18" charset="0"/>
+                        </a:rPr>
+                        <m:t>𝜀</m:t>
+                      </m:r>
+                      <m:r>
+                        <a:rPr lang="en-US" i="1">
+                          <a:latin typeface="Cambria Math" panose="02040503050406030204" pitchFamily="18" charset="0"/>
+                          <a:ea typeface="Cambria Math" panose="02040503050406030204" pitchFamily="18" charset="0"/>
+                        </a:rPr>
+                        <m:t>, ∀</m:t>
+                      </m:r>
+                      <m:r>
+                        <a:rPr lang="en-US" i="1">
+                          <a:latin typeface="Cambria Math" panose="02040503050406030204" pitchFamily="18" charset="0"/>
+                          <a:ea typeface="Cambria Math" panose="02040503050406030204" pitchFamily="18" charset="0"/>
+                        </a:rPr>
+                        <m:t>𝑗</m:t>
+                      </m:r>
+                    </m:oMath>
+                  </m:oMathPara>
+                </a14:m>
+                <a:endParaRPr lang="en-US" b="1" dirty="0">
+                  <a:latin typeface="+mn-lt"/>
+                </a:endParaRPr>
+              </a:p>
+              <a:p>
+                <a:pPr lvl="1"/>
+                <a:endParaRPr lang="en-US" dirty="0">
+                  <a:latin typeface="+mn-lt"/>
+                </a:endParaRPr>
+              </a:p>
+              <a:p>
+                <a:pPr marL="0" indent="0">
+                  <a:buNone/>
+                </a:pPr>
+                <a:endParaRPr lang="en-US" dirty="0">
+                  <a:latin typeface="+mn-lt"/>
+                </a:endParaRPr>
+              </a:p>
+            </p:txBody>
+          </p:sp>
+        </mc:Choice>
+        <mc:Fallback xmlns="">
+          <p:sp>
+            <p:nvSpPr>
+              <p:cNvPr id="3" name="Content Placeholder 2"/>
+              <p:cNvSpPr>
+                <a:spLocks noGrp="1" noRot="1" noChangeAspect="1" noMove="1" noResize="1" noEditPoints="1" noAdjustHandles="1" noChangeArrowheads="1" noChangeShapeType="1" noTextEdit="1"/>
+              </p:cNvSpPr>
+              <p:nvPr>
+                <p:ph sz="quarter" idx="10"/>
+              </p:nvPr>
+            </p:nvSpPr>
+            <p:spPr>
+              <a:xfrm>
+                <a:off x="537275" y="896079"/>
+                <a:ext cx="11321349" cy="5602877"/>
+              </a:xfrm>
+              <a:blipFill>
+                <a:blip r:embed="rId3"/>
+                <a:stretch>
+                  <a:fillRect l="-1077" t="-1850"/>
+                </a:stretch>
+              </a:blipFill>
+            </p:spPr>
+            <p:txBody>
+              <a:bodyPr/>
+              <a:lstStyle/>
+              <a:p>
+                <a:r>
+                  <a:rPr lang="en-US">
+                    <a:noFill/>
+                  </a:rPr>
+                  <a:t> </a:t>
+                </a:r>
+              </a:p>
+            </p:txBody>
+          </p:sp>
+        </mc:Fallback>
+      </mc:AlternateContent>
     </p:spTree>
     <p:extLst>
       <p:ext uri="{BB962C8B-B14F-4D97-AF65-F5344CB8AC3E}">
@@ -16303,236 +17039,10 @@
   <p:clrMapOvr>
     <a:masterClrMapping/>
   </p:clrMapOvr>
-  <p:timing>
-    <p:tnLst>
-      <p:par>
-        <p:cTn id="1" dur="indefinite" restart="never" nodeType="tmRoot">
-          <p:childTnLst>
-            <p:seq concurrent="1" nextAc="seek">
-              <p:cTn id="2" dur="indefinite" nodeType="mainSeq">
-                <p:childTnLst>
-                  <p:par>
-                    <p:cTn id="3" fill="hold">
-                      <p:stCondLst>
-                        <p:cond delay="indefinite"/>
-                      </p:stCondLst>
-                      <p:childTnLst>
-                        <p:par>
-                          <p:cTn id="4" fill="hold">
-                            <p:stCondLst>
-                              <p:cond delay="0"/>
-                            </p:stCondLst>
-                            <p:childTnLst>
-                              <p:par>
-                                <p:cTn id="5" presetID="1" presetClass="entr" presetSubtype="0" fill="hold" nodeType="clickEffect">
-                                  <p:stCondLst>
-                                    <p:cond delay="0"/>
-                                  </p:stCondLst>
-                                  <p:childTnLst>
-                                    <p:set>
-                                      <p:cBhvr>
-                                        <p:cTn id="6" dur="1" fill="hold">
-                                          <p:stCondLst>
-                                            <p:cond delay="0"/>
-                                          </p:stCondLst>
-                                        </p:cTn>
-                                        <p:tgtEl>
-                                          <p:spTgt spid="3">
-                                            <p:txEl>
-                                              <p:pRg st="1" end="1"/>
-                                            </p:txEl>
-                                          </p:spTgt>
-                                        </p:tgtEl>
-                                        <p:attrNameLst>
-                                          <p:attrName>style.visibility</p:attrName>
-                                        </p:attrNameLst>
-                                      </p:cBhvr>
-                                      <p:to>
-                                        <p:strVal val="visible"/>
-                                      </p:to>
-                                    </p:set>
-                                  </p:childTnLst>
-                                </p:cTn>
-                              </p:par>
-                            </p:childTnLst>
-                          </p:cTn>
-                        </p:par>
-                      </p:childTnLst>
-                    </p:cTn>
-                  </p:par>
-                  <p:par>
-                    <p:cTn id="7" fill="hold">
-                      <p:stCondLst>
-                        <p:cond delay="indefinite"/>
-                      </p:stCondLst>
-                      <p:childTnLst>
-                        <p:par>
-                          <p:cTn id="8" fill="hold">
-                            <p:stCondLst>
-                              <p:cond delay="0"/>
-                            </p:stCondLst>
-                            <p:childTnLst>
-                              <p:par>
-                                <p:cTn id="9" presetID="1" presetClass="entr" presetSubtype="0" fill="hold" nodeType="clickEffect">
-                                  <p:stCondLst>
-                                    <p:cond delay="0"/>
-                                  </p:stCondLst>
-                                  <p:childTnLst>
-                                    <p:set>
-                                      <p:cBhvr>
-                                        <p:cTn id="10" dur="1" fill="hold">
-                                          <p:stCondLst>
-                                            <p:cond delay="0"/>
-                                          </p:stCondLst>
-                                        </p:cTn>
-                                        <p:tgtEl>
-                                          <p:spTgt spid="3">
-                                            <p:txEl>
-                                              <p:pRg st="2" end="2"/>
-                                            </p:txEl>
-                                          </p:spTgt>
-                                        </p:tgtEl>
-                                        <p:attrNameLst>
-                                          <p:attrName>style.visibility</p:attrName>
-                                        </p:attrNameLst>
-                                      </p:cBhvr>
-                                      <p:to>
-                                        <p:strVal val="visible"/>
-                                      </p:to>
-                                    </p:set>
-                                  </p:childTnLst>
-                                </p:cTn>
-                              </p:par>
-                            </p:childTnLst>
-                          </p:cTn>
-                        </p:par>
-                      </p:childTnLst>
-                    </p:cTn>
-                  </p:par>
-                  <p:par>
-                    <p:cTn id="11" fill="hold">
-                      <p:stCondLst>
-                        <p:cond delay="indefinite"/>
-                      </p:stCondLst>
-                      <p:childTnLst>
-                        <p:par>
-                          <p:cTn id="12" fill="hold">
-                            <p:stCondLst>
-                              <p:cond delay="0"/>
-                            </p:stCondLst>
-                            <p:childTnLst>
-                              <p:par>
-                                <p:cTn id="13" presetID="1" presetClass="entr" presetSubtype="0" fill="hold" nodeType="clickEffect">
-                                  <p:stCondLst>
-                                    <p:cond delay="0"/>
-                                  </p:stCondLst>
-                                  <p:childTnLst>
-                                    <p:set>
-                                      <p:cBhvr>
-                                        <p:cTn id="14" dur="1" fill="hold">
-                                          <p:stCondLst>
-                                            <p:cond delay="0"/>
-                                          </p:stCondLst>
-                                        </p:cTn>
-                                        <p:tgtEl>
-                                          <p:spTgt spid="3">
-                                            <p:txEl>
-                                              <p:pRg st="3" end="3"/>
-                                            </p:txEl>
-                                          </p:spTgt>
-                                        </p:tgtEl>
-                                        <p:attrNameLst>
-                                          <p:attrName>style.visibility</p:attrName>
-                                        </p:attrNameLst>
-                                      </p:cBhvr>
-                                      <p:to>
-                                        <p:strVal val="visible"/>
-                                      </p:to>
-                                    </p:set>
-                                  </p:childTnLst>
-                                </p:cTn>
-                              </p:par>
-                            </p:childTnLst>
-                          </p:cTn>
-                        </p:par>
-                      </p:childTnLst>
-                    </p:cTn>
-                  </p:par>
-                  <p:par>
-                    <p:cTn id="15" fill="hold">
-                      <p:stCondLst>
-                        <p:cond delay="indefinite"/>
-                      </p:stCondLst>
-                      <p:childTnLst>
-                        <p:par>
-                          <p:cTn id="16" fill="hold">
-                            <p:stCondLst>
-                              <p:cond delay="0"/>
-                            </p:stCondLst>
-                            <p:childTnLst>
-                              <p:par>
-                                <p:cTn id="17" presetID="1" presetClass="entr" presetSubtype="0" fill="hold" nodeType="clickEffect">
-                                  <p:stCondLst>
-                                    <p:cond delay="0"/>
-                                  </p:stCondLst>
-                                  <p:childTnLst>
-                                    <p:set>
-                                      <p:cBhvr>
-                                        <p:cTn id="18" dur="1" fill="hold">
-                                          <p:stCondLst>
-                                            <p:cond delay="0"/>
-                                          </p:stCondLst>
-                                        </p:cTn>
-                                        <p:tgtEl>
-                                          <p:spTgt spid="3">
-                                            <p:txEl>
-                                              <p:pRg st="4" end="4"/>
-                                            </p:txEl>
-                                          </p:spTgt>
-                                        </p:tgtEl>
-                                        <p:attrNameLst>
-                                          <p:attrName>style.visibility</p:attrName>
-                                        </p:attrNameLst>
-                                      </p:cBhvr>
-                                      <p:to>
-                                        <p:strVal val="visible"/>
-                                      </p:to>
-                                    </p:set>
-                                  </p:childTnLst>
-                                </p:cTn>
-                              </p:par>
-                            </p:childTnLst>
-                          </p:cTn>
-                        </p:par>
-                      </p:childTnLst>
-                    </p:cTn>
-                  </p:par>
-                </p:childTnLst>
-              </p:cTn>
-              <p:prevCondLst>
-                <p:cond evt="onPrev" delay="0">
-                  <p:tgtEl>
-                    <p:sldTgt/>
-                  </p:tgtEl>
-                </p:cond>
-              </p:prevCondLst>
-              <p:nextCondLst>
-                <p:cond evt="onNext" delay="0">
-                  <p:tgtEl>
-                    <p:sldTgt/>
-                  </p:tgtEl>
-                </p:cond>
-              </p:nextCondLst>
-            </p:seq>
-          </p:childTnLst>
-        </p:cTn>
-      </p:par>
-    </p:tnLst>
-  </p:timing>
 </p:sld>
 </file>
 
-<file path=ppt/slides/slide24.xml><?xml version="1.0" encoding="utf-8"?>
+<file path=ppt/slides/slide25.xml><?xml version="1.0" encoding="utf-8"?>
 <p:sld xmlns:a="http://schemas.openxmlformats.org/drawingml/2006/main" xmlns:r="http://schemas.openxmlformats.org/officeDocument/2006/relationships" xmlns:p="http://schemas.openxmlformats.org/presentationml/2006/main">
   <p:cSld>
     <p:spTree>
@@ -19154,7 +19664,7 @@
 </p:sld>
 </file>
 
-<file path=ppt/slides/slide25.xml><?xml version="1.0" encoding="utf-8"?>
+<file path=ppt/slides/slide26.xml><?xml version="1.0" encoding="utf-8"?>
 <p:sld xmlns:a="http://schemas.openxmlformats.org/drawingml/2006/main" xmlns:r="http://schemas.openxmlformats.org/officeDocument/2006/relationships" xmlns:p="http://schemas.openxmlformats.org/presentationml/2006/main">
   <p:cSld>
     <p:spTree>
@@ -19823,7 +20333,7 @@
 </p:sld>
 </file>
 
-<file path=ppt/slides/slide26.xml><?xml version="1.0" encoding="utf-8"?>
+<file path=ppt/slides/slide27.xml><?xml version="1.0" encoding="utf-8"?>
 <p:sld xmlns:a="http://schemas.openxmlformats.org/drawingml/2006/main" xmlns:r="http://schemas.openxmlformats.org/officeDocument/2006/relationships" xmlns:p="http://schemas.openxmlformats.org/presentationml/2006/main">
   <p:cSld>
     <p:spTree>
@@ -20284,7 +20794,7 @@
 </p:sld>
 </file>
 
-<file path=ppt/slides/slide27.xml><?xml version="1.0" encoding="utf-8"?>
+<file path=ppt/slides/slide28.xml><?xml version="1.0" encoding="utf-8"?>
 <p:sld xmlns:a="http://schemas.openxmlformats.org/drawingml/2006/main" xmlns:r="http://schemas.openxmlformats.org/officeDocument/2006/relationships" xmlns:p="http://schemas.openxmlformats.org/presentationml/2006/main">
   <p:cSld>
     <p:spTree>
@@ -20330,8 +20840,8 @@
           </a:p>
         </p:txBody>
       </p:sp>
-      <mc:AlternateContent xmlns:mc="http://schemas.openxmlformats.org/markup-compatibility/2006" xmlns:a14="http://schemas.microsoft.com/office/drawing/2010/main">
-        <mc:Choice Requires="a14">
+      <mc:AlternateContent xmlns:mc="http://schemas.openxmlformats.org/markup-compatibility/2006">
+        <mc:Choice xmlns:a14="http://schemas.microsoft.com/office/drawing/2010/main" Requires="a14">
           <p:sp>
             <p:nvSpPr>
               <p:cNvPr id="3" name="Content Placeholder 2"/>
@@ -20350,7 +20860,7 @@
             </p:spPr>
             <p:txBody>
               <a:bodyPr>
-                <a:normAutofit fontScale="92500"/>
+                <a:normAutofit/>
               </a:bodyPr>
               <a:lstStyle/>
               <a:p>
@@ -21183,7 +21693,7 @@
                   <a:rPr lang="en-US" dirty="0">
                     <a:latin typeface="+mn-lt"/>
                   </a:rPr>
-                  <a:t> a nearest neighbors, then </a:t>
+                  <a:t> nearest neighbors, then </a:t>
                 </a:r>
                 <a:r>
                   <a:rPr lang="en-US" dirty="0">
@@ -21302,7 +21812,7 @@
             </p:txBody>
           </p:sp>
         </mc:Choice>
-        <mc:Fallback xmlns="">
+        <mc:Fallback>
           <p:sp>
             <p:nvSpPr>
               <p:cNvPr id="3" name="Content Placeholder 2"/>
@@ -21321,7 +21831,7 @@
               <a:blipFill>
                 <a:blip r:embed="rId3"/>
                 <a:stretch>
-                  <a:fillRect l="-969" t="-1632"/>
+                  <a:fillRect l="-1077" t="-1850" r="-323" b="-2612"/>
                 </a:stretch>
               </a:blipFill>
             </p:spPr>
@@ -21350,298 +21860,10 @@
   <p:clrMapOvr>
     <a:masterClrMapping/>
   </p:clrMapOvr>
-  <p:timing>
-    <p:tnLst>
-      <p:par>
-        <p:cTn id="1" dur="indefinite" restart="never" nodeType="tmRoot">
-          <p:childTnLst>
-            <p:seq concurrent="1" nextAc="seek">
-              <p:cTn id="2" dur="indefinite" nodeType="mainSeq">
-                <p:childTnLst>
-                  <p:par>
-                    <p:cTn id="3" fill="hold">
-                      <p:stCondLst>
-                        <p:cond delay="indefinite"/>
-                      </p:stCondLst>
-                      <p:childTnLst>
-                        <p:par>
-                          <p:cTn id="4" fill="hold">
-                            <p:stCondLst>
-                              <p:cond delay="0"/>
-                            </p:stCondLst>
-                            <p:childTnLst>
-                              <p:par>
-                                <p:cTn id="5" presetID="1" presetClass="entr" presetSubtype="0" fill="hold" nodeType="clickEffect">
-                                  <p:stCondLst>
-                                    <p:cond delay="0"/>
-                                  </p:stCondLst>
-                                  <p:childTnLst>
-                                    <p:set>
-                                      <p:cBhvr>
-                                        <p:cTn id="6" dur="1" fill="hold">
-                                          <p:stCondLst>
-                                            <p:cond delay="0"/>
-                                          </p:stCondLst>
-                                        </p:cTn>
-                                        <p:tgtEl>
-                                          <p:spTgt spid="3">
-                                            <p:txEl>
-                                              <p:pRg st="1" end="1"/>
-                                            </p:txEl>
-                                          </p:spTgt>
-                                        </p:tgtEl>
-                                        <p:attrNameLst>
-                                          <p:attrName>style.visibility</p:attrName>
-                                        </p:attrNameLst>
-                                      </p:cBhvr>
-                                      <p:to>
-                                        <p:strVal val="visible"/>
-                                      </p:to>
-                                    </p:set>
-                                  </p:childTnLst>
-                                </p:cTn>
-                              </p:par>
-                              <p:par>
-                                <p:cTn id="7" presetID="1" presetClass="entr" presetSubtype="0" fill="hold" nodeType="withEffect">
-                                  <p:stCondLst>
-                                    <p:cond delay="0"/>
-                                  </p:stCondLst>
-                                  <p:childTnLst>
-                                    <p:set>
-                                      <p:cBhvr>
-                                        <p:cTn id="8" dur="1" fill="hold">
-                                          <p:stCondLst>
-                                            <p:cond delay="0"/>
-                                          </p:stCondLst>
-                                        </p:cTn>
-                                        <p:tgtEl>
-                                          <p:spTgt spid="3">
-                                            <p:txEl>
-                                              <p:pRg st="2" end="2"/>
-                                            </p:txEl>
-                                          </p:spTgt>
-                                        </p:tgtEl>
-                                        <p:attrNameLst>
-                                          <p:attrName>style.visibility</p:attrName>
-                                        </p:attrNameLst>
-                                      </p:cBhvr>
-                                      <p:to>
-                                        <p:strVal val="visible"/>
-                                      </p:to>
-                                    </p:set>
-                                  </p:childTnLst>
-                                </p:cTn>
-                              </p:par>
-                            </p:childTnLst>
-                          </p:cTn>
-                        </p:par>
-                      </p:childTnLst>
-                    </p:cTn>
-                  </p:par>
-                  <p:par>
-                    <p:cTn id="9" fill="hold">
-                      <p:stCondLst>
-                        <p:cond delay="indefinite"/>
-                      </p:stCondLst>
-                      <p:childTnLst>
-                        <p:par>
-                          <p:cTn id="10" fill="hold">
-                            <p:stCondLst>
-                              <p:cond delay="0"/>
-                            </p:stCondLst>
-                            <p:childTnLst>
-                              <p:par>
-                                <p:cTn id="11" presetID="1" presetClass="entr" presetSubtype="0" fill="hold" nodeType="clickEffect">
-                                  <p:stCondLst>
-                                    <p:cond delay="0"/>
-                                  </p:stCondLst>
-                                  <p:childTnLst>
-                                    <p:set>
-                                      <p:cBhvr>
-                                        <p:cTn id="12" dur="1" fill="hold">
-                                          <p:stCondLst>
-                                            <p:cond delay="0"/>
-                                          </p:stCondLst>
-                                        </p:cTn>
-                                        <p:tgtEl>
-                                          <p:spTgt spid="3">
-                                            <p:txEl>
-                                              <p:pRg st="3" end="3"/>
-                                            </p:txEl>
-                                          </p:spTgt>
-                                        </p:tgtEl>
-                                        <p:attrNameLst>
-                                          <p:attrName>style.visibility</p:attrName>
-                                        </p:attrNameLst>
-                                      </p:cBhvr>
-                                      <p:to>
-                                        <p:strVal val="visible"/>
-                                      </p:to>
-                                    </p:set>
-                                  </p:childTnLst>
-                                </p:cTn>
-                              </p:par>
-                              <p:par>
-                                <p:cTn id="13" presetID="1" presetClass="entr" presetSubtype="0" fill="hold" nodeType="withEffect">
-                                  <p:stCondLst>
-                                    <p:cond delay="0"/>
-                                  </p:stCondLst>
-                                  <p:childTnLst>
-                                    <p:set>
-                                      <p:cBhvr>
-                                        <p:cTn id="14" dur="1" fill="hold">
-                                          <p:stCondLst>
-                                            <p:cond delay="0"/>
-                                          </p:stCondLst>
-                                        </p:cTn>
-                                        <p:tgtEl>
-                                          <p:spTgt spid="3">
-                                            <p:txEl>
-                                              <p:pRg st="4" end="4"/>
-                                            </p:txEl>
-                                          </p:spTgt>
-                                        </p:tgtEl>
-                                        <p:attrNameLst>
-                                          <p:attrName>style.visibility</p:attrName>
-                                        </p:attrNameLst>
-                                      </p:cBhvr>
-                                      <p:to>
-                                        <p:strVal val="visible"/>
-                                      </p:to>
-                                    </p:set>
-                                  </p:childTnLst>
-                                </p:cTn>
-                              </p:par>
-                            </p:childTnLst>
-                          </p:cTn>
-                        </p:par>
-                      </p:childTnLst>
-                    </p:cTn>
-                  </p:par>
-                  <p:par>
-                    <p:cTn id="15" fill="hold">
-                      <p:stCondLst>
-                        <p:cond delay="indefinite"/>
-                      </p:stCondLst>
-                      <p:childTnLst>
-                        <p:par>
-                          <p:cTn id="16" fill="hold">
-                            <p:stCondLst>
-                              <p:cond delay="0"/>
-                            </p:stCondLst>
-                            <p:childTnLst>
-                              <p:par>
-                                <p:cTn id="17" presetID="1" presetClass="entr" presetSubtype="0" fill="hold" nodeType="clickEffect">
-                                  <p:stCondLst>
-                                    <p:cond delay="0"/>
-                                  </p:stCondLst>
-                                  <p:childTnLst>
-                                    <p:set>
-                                      <p:cBhvr>
-                                        <p:cTn id="18" dur="1" fill="hold">
-                                          <p:stCondLst>
-                                            <p:cond delay="0"/>
-                                          </p:stCondLst>
-                                        </p:cTn>
-                                        <p:tgtEl>
-                                          <p:spTgt spid="3">
-                                            <p:txEl>
-                                              <p:pRg st="5" end="5"/>
-                                            </p:txEl>
-                                          </p:spTgt>
-                                        </p:tgtEl>
-                                        <p:attrNameLst>
-                                          <p:attrName>style.visibility</p:attrName>
-                                        </p:attrNameLst>
-                                      </p:cBhvr>
-                                      <p:to>
-                                        <p:strVal val="visible"/>
-                                      </p:to>
-                                    </p:set>
-                                  </p:childTnLst>
-                                </p:cTn>
-                              </p:par>
-                            </p:childTnLst>
-                          </p:cTn>
-                        </p:par>
-                      </p:childTnLst>
-                    </p:cTn>
-                  </p:par>
-                  <p:par>
-                    <p:cTn id="19" fill="hold">
-                      <p:stCondLst>
-                        <p:cond delay="indefinite"/>
-                      </p:stCondLst>
-                      <p:childTnLst>
-                        <p:par>
-                          <p:cTn id="20" fill="hold">
-                            <p:stCondLst>
-                              <p:cond delay="0"/>
-                            </p:stCondLst>
-                            <p:childTnLst>
-                              <p:par>
-                                <p:cTn id="21" presetID="1" presetClass="entr" presetSubtype="0" fill="hold" nodeType="clickEffect">
-                                  <p:stCondLst>
-                                    <p:cond delay="0"/>
-                                  </p:stCondLst>
-                                  <p:childTnLst>
-                                    <p:set>
-                                      <p:cBhvr>
-                                        <p:cTn id="22" dur="1" fill="hold">
-                                          <p:stCondLst>
-                                            <p:cond delay="0"/>
-                                          </p:stCondLst>
-                                        </p:cTn>
-                                        <p:tgtEl>
-                                          <p:spTgt spid="3">
-                                            <p:txEl>
-                                              <p:pRg st="6" end="6"/>
-                                            </p:txEl>
-                                          </p:spTgt>
-                                        </p:tgtEl>
-                                        <p:attrNameLst>
-                                          <p:attrName>style.visibility</p:attrName>
-                                        </p:attrNameLst>
-                                      </p:cBhvr>
-                                      <p:to>
-                                        <p:strVal val="visible"/>
-                                      </p:to>
-                                    </p:set>
-                                  </p:childTnLst>
-                                </p:cTn>
-                              </p:par>
-                            </p:childTnLst>
-                          </p:cTn>
-                        </p:par>
-                      </p:childTnLst>
-                    </p:cTn>
-                  </p:par>
-                </p:childTnLst>
-              </p:cTn>
-              <p:prevCondLst>
-                <p:cond evt="onPrev" delay="0">
-                  <p:tgtEl>
-                    <p:sldTgt/>
-                  </p:tgtEl>
-                </p:cond>
-              </p:prevCondLst>
-              <p:nextCondLst>
-                <p:cond evt="onNext" delay="0">
-                  <p:tgtEl>
-                    <p:sldTgt/>
-                  </p:tgtEl>
-                </p:cond>
-              </p:nextCondLst>
-            </p:seq>
-          </p:childTnLst>
-        </p:cTn>
-      </p:par>
-    </p:tnLst>
-  </p:timing>
 </p:sld>
 </file>
 
-<file path=ppt/slides/slide28.xml><?xml version="1.0" encoding="utf-8"?>
+<file path=ppt/slides/slide29.xml><?xml version="1.0" encoding="utf-8"?>
 <p:sld xmlns:a="http://schemas.openxmlformats.org/drawingml/2006/main" xmlns:r="http://schemas.openxmlformats.org/officeDocument/2006/relationships" xmlns:p="http://schemas.openxmlformats.org/presentationml/2006/main">
   <p:cSld>
     <p:spTree>
@@ -23633,522 +23855,6 @@
 </p:sld>
 </file>
 
-<file path=ppt/slides/slide29.xml><?xml version="1.0" encoding="utf-8"?>
-<p:sld xmlns:a="http://schemas.openxmlformats.org/drawingml/2006/main" xmlns:r="http://schemas.openxmlformats.org/officeDocument/2006/relationships" xmlns:p="http://schemas.openxmlformats.org/presentationml/2006/main">
-  <p:cSld>
-    <p:spTree>
-      <p:nvGrpSpPr>
-        <p:cNvPr id="1" name=""/>
-        <p:cNvGrpSpPr/>
-        <p:nvPr/>
-      </p:nvGrpSpPr>
-      <p:grpSpPr>
-        <a:xfrm>
-          <a:off x="0" y="0"/>
-          <a:ext cx="0" cy="0"/>
-          <a:chOff x="0" y="0"/>
-          <a:chExt cx="0" cy="0"/>
-        </a:xfrm>
-      </p:grpSpPr>
-      <p:sp>
-        <p:nvSpPr>
-          <p:cNvPr id="2" name="Title 1"/>
-          <p:cNvSpPr>
-            <a:spLocks noGrp="1"/>
-          </p:cNvSpPr>
-          <p:nvPr>
-            <p:ph type="title"/>
-          </p:nvPr>
-        </p:nvSpPr>
-        <p:spPr>
-          <a:xfrm>
-            <a:off x="584200" y="221992"/>
-            <a:ext cx="10515600" cy="530954"/>
-          </a:xfrm>
-        </p:spPr>
-        <p:txBody>
-          <a:bodyPr>
-            <a:normAutofit fontScale="90000"/>
-          </a:bodyPr>
-          <a:lstStyle/>
-          <a:p>
-            <a:r>
-              <a:rPr lang="en-US" dirty="0"/>
-              <a:t>Density Clustering </a:t>
-            </a:r>
-          </a:p>
-        </p:txBody>
-      </p:sp>
-      <p:sp>
-        <p:nvSpPr>
-          <p:cNvPr id="3" name="Content Placeholder 2"/>
-          <p:cNvSpPr>
-            <a:spLocks noGrp="1"/>
-          </p:cNvSpPr>
-          <p:nvPr>
-            <p:ph sz="quarter" idx="10"/>
-          </p:nvPr>
-        </p:nvSpPr>
-        <p:spPr>
-          <a:xfrm>
-            <a:off x="8072846" y="739851"/>
-            <a:ext cx="3908407" cy="5629566"/>
-          </a:xfrm>
-        </p:spPr>
-        <p:txBody>
-          <a:bodyPr>
-            <a:normAutofit lnSpcReduction="10000"/>
-          </a:bodyPr>
-          <a:lstStyle/>
-          <a:p>
-            <a:pPr marL="0" indent="0">
-              <a:buNone/>
-            </a:pPr>
-            <a:r>
-              <a:rPr lang="en-US" dirty="0">
-                <a:latin typeface="+mn-lt"/>
-              </a:rPr>
-              <a:t>What are some properties of OPTICS?</a:t>
-            </a:r>
-          </a:p>
-          <a:p>
-            <a:r>
-              <a:rPr lang="en-US" dirty="0">
-                <a:latin typeface="+mn-lt"/>
-              </a:rPr>
-              <a:t>OPTICS builds a graph with the distances determining clusters</a:t>
-            </a:r>
-          </a:p>
-          <a:p>
-            <a:r>
-              <a:rPr lang="en-US" dirty="0">
-                <a:latin typeface="+mn-lt"/>
-              </a:rPr>
-              <a:t>The graph defines a dendrogram</a:t>
-            </a:r>
-          </a:p>
-          <a:p>
-            <a:r>
-              <a:rPr lang="en-US" dirty="0">
-                <a:latin typeface="+mn-lt"/>
-              </a:rPr>
-              <a:t>The reachability plot (bottom) shows the path distances in the dendrogram</a:t>
-            </a:r>
-          </a:p>
-          <a:p>
-            <a:r>
-              <a:rPr lang="en-US" dirty="0">
-                <a:latin typeface="+mn-lt"/>
-              </a:rPr>
-              <a:t>A cutoff on the reachability plot defines the clusters </a:t>
-            </a:r>
-          </a:p>
-          <a:p>
-            <a:pPr marL="0" indent="0">
-              <a:buNone/>
-            </a:pPr>
-            <a:endParaRPr lang="en-US" dirty="0">
-              <a:latin typeface="+mn-lt"/>
-            </a:endParaRPr>
-          </a:p>
-        </p:txBody>
-      </p:sp>
-      <p:pic>
-        <p:nvPicPr>
-          <p:cNvPr id="2052" name="Picture 4">
-            <a:extLst>
-              <a:ext uri="{FF2B5EF4-FFF2-40B4-BE49-F238E27FC236}">
-                <a16:creationId xmlns:a16="http://schemas.microsoft.com/office/drawing/2014/main" id="{9F7BAACE-949E-4FAF-BDD0-5975A7B85B9D}"/>
-              </a:ext>
-            </a:extLst>
-          </p:cNvPr>
-          <p:cNvPicPr>
-            <a:picLocks noChangeAspect="1" noChangeArrowheads="1"/>
-          </p:cNvPicPr>
-          <p:nvPr/>
-        </p:nvPicPr>
-        <p:blipFill>
-          <a:blip r:embed="rId3">
-            <a:extLst>
-              <a:ext uri="{28A0092B-C50C-407E-A947-70E740481C1C}">
-                <a14:useLocalDpi xmlns:a14="http://schemas.microsoft.com/office/drawing/2010/main" val="0"/>
-              </a:ext>
-            </a:extLst>
-          </a:blip>
-          <a:srcRect/>
-          <a:stretch>
-            <a:fillRect/>
-          </a:stretch>
-        </p:blipFill>
-        <p:spPr bwMode="auto">
-          <a:xfrm>
-            <a:off x="116024" y="798388"/>
-            <a:ext cx="7899345" cy="5402972"/>
-          </a:xfrm>
-          <a:prstGeom prst="rect">
-            <a:avLst/>
-          </a:prstGeom>
-          <a:noFill/>
-          <a:extLst>
-            <a:ext uri="{909E8E84-426E-40DD-AFC4-6F175D3DCCD1}">
-              <a14:hiddenFill xmlns:a14="http://schemas.microsoft.com/office/drawing/2010/main">
-                <a:solidFill>
-                  <a:srgbClr val="FFFFFF"/>
-                </a:solidFill>
-              </a14:hiddenFill>
-            </a:ext>
-          </a:extLst>
-        </p:spPr>
-      </p:pic>
-      <p:sp>
-        <p:nvSpPr>
-          <p:cNvPr id="8" name="TextBox 7">
-            <a:extLst>
-              <a:ext uri="{FF2B5EF4-FFF2-40B4-BE49-F238E27FC236}">
-                <a16:creationId xmlns:a16="http://schemas.microsoft.com/office/drawing/2014/main" id="{18E489A7-DC97-4F52-9730-950C592E8B3F}"/>
-              </a:ext>
-            </a:extLst>
-          </p:cNvPr>
-          <p:cNvSpPr txBox="1"/>
-          <p:nvPr/>
-        </p:nvSpPr>
-        <p:spPr>
-          <a:xfrm>
-            <a:off x="2185903" y="6213552"/>
-            <a:ext cx="2919062" cy="369332"/>
-          </a:xfrm>
-          <a:prstGeom prst="rect">
-            <a:avLst/>
-          </a:prstGeom>
-          <a:noFill/>
-        </p:spPr>
-        <p:txBody>
-          <a:bodyPr wrap="square" rtlCol="0">
-            <a:spAutoFit/>
-          </a:bodyPr>
-          <a:lstStyle/>
-          <a:p>
-            <a:r>
-              <a:rPr lang="en-US" dirty="0"/>
-              <a:t>Credit: Wikipedia commons</a:t>
-            </a:r>
-          </a:p>
-        </p:txBody>
-      </p:sp>
-    </p:spTree>
-    <p:extLst>
-      <p:ext uri="{BB962C8B-B14F-4D97-AF65-F5344CB8AC3E}">
-        <p14:creationId xmlns:p14="http://schemas.microsoft.com/office/powerpoint/2010/main" val="3050269310"/>
-      </p:ext>
-    </p:extLst>
-  </p:cSld>
-  <p:clrMapOvr>
-    <a:masterClrMapping/>
-  </p:clrMapOvr>
-  <p:timing>
-    <p:tnLst>
-      <p:par>
-        <p:cTn id="1" dur="indefinite" restart="never" nodeType="tmRoot">
-          <p:childTnLst>
-            <p:seq concurrent="1" nextAc="seek">
-              <p:cTn id="2" dur="indefinite" nodeType="mainSeq">
-                <p:childTnLst>
-                  <p:par>
-                    <p:cTn id="3" fill="hold">
-                      <p:stCondLst>
-                        <p:cond delay="indefinite"/>
-                      </p:stCondLst>
-                      <p:childTnLst>
-                        <p:par>
-                          <p:cTn id="4" fill="hold">
-                            <p:stCondLst>
-                              <p:cond delay="0"/>
-                            </p:stCondLst>
-                            <p:childTnLst>
-                              <p:par>
-                                <p:cTn id="5" presetID="1" presetClass="entr" presetSubtype="0" fill="hold" nodeType="clickEffect">
-                                  <p:stCondLst>
-                                    <p:cond delay="0"/>
-                                  </p:stCondLst>
-                                  <p:childTnLst>
-                                    <p:set>
-                                      <p:cBhvr>
-                                        <p:cTn id="6" dur="1" fill="hold">
-                                          <p:stCondLst>
-                                            <p:cond delay="0"/>
-                                          </p:stCondLst>
-                                        </p:cTn>
-                                        <p:tgtEl>
-                                          <p:spTgt spid="3">
-                                            <p:txEl>
-                                              <p:pRg st="1" end="1"/>
-                                            </p:txEl>
-                                          </p:spTgt>
-                                        </p:tgtEl>
-                                        <p:attrNameLst>
-                                          <p:attrName>style.visibility</p:attrName>
-                                        </p:attrNameLst>
-                                      </p:cBhvr>
-                                      <p:to>
-                                        <p:strVal val="visible"/>
-                                      </p:to>
-                                    </p:set>
-                                  </p:childTnLst>
-                                </p:cTn>
-                              </p:par>
-                            </p:childTnLst>
-                          </p:cTn>
-                        </p:par>
-                      </p:childTnLst>
-                    </p:cTn>
-                  </p:par>
-                  <p:par>
-                    <p:cTn id="7" fill="hold">
-                      <p:stCondLst>
-                        <p:cond delay="indefinite"/>
-                      </p:stCondLst>
-                      <p:childTnLst>
-                        <p:par>
-                          <p:cTn id="8" fill="hold">
-                            <p:stCondLst>
-                              <p:cond delay="0"/>
-                            </p:stCondLst>
-                            <p:childTnLst>
-                              <p:par>
-                                <p:cTn id="9" presetID="1" presetClass="entr" presetSubtype="0" fill="hold" nodeType="clickEffect">
-                                  <p:stCondLst>
-                                    <p:cond delay="0"/>
-                                  </p:stCondLst>
-                                  <p:childTnLst>
-                                    <p:set>
-                                      <p:cBhvr>
-                                        <p:cTn id="10" dur="1" fill="hold">
-                                          <p:stCondLst>
-                                            <p:cond delay="0"/>
-                                          </p:stCondLst>
-                                        </p:cTn>
-                                        <p:tgtEl>
-                                          <p:spTgt spid="2052"/>
-                                        </p:tgtEl>
-                                        <p:attrNameLst>
-                                          <p:attrName>style.visibility</p:attrName>
-                                        </p:attrNameLst>
-                                      </p:cBhvr>
-                                      <p:to>
-                                        <p:strVal val="visible"/>
-                                      </p:to>
-                                    </p:set>
-                                  </p:childTnLst>
-                                </p:cTn>
-                              </p:par>
-                              <p:par>
-                                <p:cTn id="11" presetID="1" presetClass="entr" presetSubtype="0" fill="hold" grpId="0" nodeType="withEffect">
-                                  <p:stCondLst>
-                                    <p:cond delay="0"/>
-                                  </p:stCondLst>
-                                  <p:childTnLst>
-                                    <p:set>
-                                      <p:cBhvr>
-                                        <p:cTn id="12" dur="1" fill="hold">
-                                          <p:stCondLst>
-                                            <p:cond delay="0"/>
-                                          </p:stCondLst>
-                                        </p:cTn>
-                                        <p:tgtEl>
-                                          <p:spTgt spid="8"/>
-                                        </p:tgtEl>
-                                        <p:attrNameLst>
-                                          <p:attrName>style.visibility</p:attrName>
-                                        </p:attrNameLst>
-                                      </p:cBhvr>
-                                      <p:to>
-                                        <p:strVal val="visible"/>
-                                      </p:to>
-                                    </p:set>
-                                  </p:childTnLst>
-                                </p:cTn>
-                              </p:par>
-                            </p:childTnLst>
-                          </p:cTn>
-                        </p:par>
-                      </p:childTnLst>
-                    </p:cTn>
-                  </p:par>
-                  <p:par>
-                    <p:cTn id="13" fill="hold">
-                      <p:stCondLst>
-                        <p:cond delay="indefinite"/>
-                      </p:stCondLst>
-                      <p:childTnLst>
-                        <p:par>
-                          <p:cTn id="14" fill="hold">
-                            <p:stCondLst>
-                              <p:cond delay="0"/>
-                            </p:stCondLst>
-                            <p:childTnLst>
-                              <p:par>
-                                <p:cTn id="15" presetID="1" presetClass="entr" presetSubtype="0" fill="hold" nodeType="clickEffect">
-                                  <p:stCondLst>
-                                    <p:cond delay="0"/>
-                                  </p:stCondLst>
-                                  <p:childTnLst>
-                                    <p:set>
-                                      <p:cBhvr>
-                                        <p:cTn id="16" dur="1" fill="hold">
-                                          <p:stCondLst>
-                                            <p:cond delay="0"/>
-                                          </p:stCondLst>
-                                        </p:cTn>
-                                        <p:tgtEl>
-                                          <p:spTgt spid="3">
-                                            <p:txEl>
-                                              <p:pRg st="2" end="2"/>
-                                            </p:txEl>
-                                          </p:spTgt>
-                                        </p:tgtEl>
-                                        <p:attrNameLst>
-                                          <p:attrName>style.visibility</p:attrName>
-                                        </p:attrNameLst>
-                                      </p:cBhvr>
-                                      <p:to>
-                                        <p:strVal val="visible"/>
-                                      </p:to>
-                                    </p:set>
-                                  </p:childTnLst>
-                                </p:cTn>
-                              </p:par>
-                            </p:childTnLst>
-                          </p:cTn>
-                        </p:par>
-                      </p:childTnLst>
-                    </p:cTn>
-                  </p:par>
-                  <p:par>
-                    <p:cTn id="17" fill="hold">
-                      <p:stCondLst>
-                        <p:cond delay="indefinite"/>
-                      </p:stCondLst>
-                      <p:childTnLst>
-                        <p:par>
-                          <p:cTn id="18" fill="hold">
-                            <p:stCondLst>
-                              <p:cond delay="0"/>
-                            </p:stCondLst>
-                            <p:childTnLst>
-                              <p:par>
-                                <p:cTn id="19" presetID="1" presetClass="entr" presetSubtype="0" fill="hold" nodeType="clickEffect">
-                                  <p:stCondLst>
-                                    <p:cond delay="0"/>
-                                  </p:stCondLst>
-                                  <p:childTnLst>
-                                    <p:set>
-                                      <p:cBhvr>
-                                        <p:cTn id="20" dur="1" fill="hold">
-                                          <p:stCondLst>
-                                            <p:cond delay="0"/>
-                                          </p:stCondLst>
-                                        </p:cTn>
-                                        <p:tgtEl>
-                                          <p:spTgt spid="3">
-                                            <p:txEl>
-                                              <p:pRg st="3" end="3"/>
-                                            </p:txEl>
-                                          </p:spTgt>
-                                        </p:tgtEl>
-                                        <p:attrNameLst>
-                                          <p:attrName>style.visibility</p:attrName>
-                                        </p:attrNameLst>
-                                      </p:cBhvr>
-                                      <p:to>
-                                        <p:strVal val="visible"/>
-                                      </p:to>
-                                    </p:set>
-                                  </p:childTnLst>
-                                </p:cTn>
-                              </p:par>
-                            </p:childTnLst>
-                          </p:cTn>
-                        </p:par>
-                      </p:childTnLst>
-                    </p:cTn>
-                  </p:par>
-                  <p:par>
-                    <p:cTn id="21" fill="hold">
-                      <p:stCondLst>
-                        <p:cond delay="indefinite"/>
-                      </p:stCondLst>
-                      <p:childTnLst>
-                        <p:par>
-                          <p:cTn id="22" fill="hold">
-                            <p:stCondLst>
-                              <p:cond delay="0"/>
-                            </p:stCondLst>
-                            <p:childTnLst>
-                              <p:par>
-                                <p:cTn id="23" presetID="1" presetClass="entr" presetSubtype="0" fill="hold" nodeType="clickEffect">
-                                  <p:stCondLst>
-                                    <p:cond delay="0"/>
-                                  </p:stCondLst>
-                                  <p:childTnLst>
-                                    <p:set>
-                                      <p:cBhvr>
-                                        <p:cTn id="24" dur="1" fill="hold">
-                                          <p:stCondLst>
-                                            <p:cond delay="0"/>
-                                          </p:stCondLst>
-                                        </p:cTn>
-                                        <p:tgtEl>
-                                          <p:spTgt spid="3">
-                                            <p:txEl>
-                                              <p:pRg st="4" end="4"/>
-                                            </p:txEl>
-                                          </p:spTgt>
-                                        </p:tgtEl>
-                                        <p:attrNameLst>
-                                          <p:attrName>style.visibility</p:attrName>
-                                        </p:attrNameLst>
-                                      </p:cBhvr>
-                                      <p:to>
-                                        <p:strVal val="visible"/>
-                                      </p:to>
-                                    </p:set>
-                                  </p:childTnLst>
-                                </p:cTn>
-                              </p:par>
-                            </p:childTnLst>
-                          </p:cTn>
-                        </p:par>
-                      </p:childTnLst>
-                    </p:cTn>
-                  </p:par>
-                </p:childTnLst>
-              </p:cTn>
-              <p:prevCondLst>
-                <p:cond evt="onPrev" delay="0">
-                  <p:tgtEl>
-                    <p:sldTgt/>
-                  </p:tgtEl>
-                </p:cond>
-              </p:prevCondLst>
-              <p:nextCondLst>
-                <p:cond evt="onNext" delay="0">
-                  <p:tgtEl>
-                    <p:sldTgt/>
-                  </p:tgtEl>
-                </p:cond>
-              </p:nextCondLst>
-            </p:seq>
-          </p:childTnLst>
-        </p:cTn>
-      </p:par>
-    </p:tnLst>
-    <p:bldLst>
-      <p:bldP spid="8" grpId="0"/>
-    </p:bldLst>
-  </p:timing>
-</p:sld>
-</file>
-
 <file path=ppt/slides/slide3.xml><?xml version="1.0" encoding="utf-8"?>
 <p:sld xmlns:a="http://schemas.openxmlformats.org/drawingml/2006/main" xmlns:r="http://schemas.openxmlformats.org/officeDocument/2006/relationships" xmlns:p="http://schemas.openxmlformats.org/presentationml/2006/main">
   <p:cSld>
@@ -24839,6 +24545,522 @@
         </p:spPr>
         <p:txBody>
           <a:bodyPr>
+            <a:normAutofit lnSpcReduction="10000"/>
+          </a:bodyPr>
+          <a:lstStyle/>
+          <a:p>
+            <a:pPr marL="0" indent="0">
+              <a:buNone/>
+            </a:pPr>
+            <a:r>
+              <a:rPr lang="en-US" dirty="0">
+                <a:latin typeface="+mn-lt"/>
+              </a:rPr>
+              <a:t>What are some properties of OPTICS?</a:t>
+            </a:r>
+          </a:p>
+          <a:p>
+            <a:r>
+              <a:rPr lang="en-US" dirty="0">
+                <a:latin typeface="+mn-lt"/>
+              </a:rPr>
+              <a:t>OPTICS builds a graph with the distances determining clusters</a:t>
+            </a:r>
+          </a:p>
+          <a:p>
+            <a:r>
+              <a:rPr lang="en-US" dirty="0">
+                <a:latin typeface="+mn-lt"/>
+              </a:rPr>
+              <a:t>The graph defines a dendrogram</a:t>
+            </a:r>
+          </a:p>
+          <a:p>
+            <a:r>
+              <a:rPr lang="en-US" dirty="0">
+                <a:latin typeface="+mn-lt"/>
+              </a:rPr>
+              <a:t>The reachability plot (bottom) shows the path distances in the dendrogram</a:t>
+            </a:r>
+          </a:p>
+          <a:p>
+            <a:r>
+              <a:rPr lang="en-US" dirty="0">
+                <a:latin typeface="+mn-lt"/>
+              </a:rPr>
+              <a:t>A cutoff on the reachability plot defines the clusters </a:t>
+            </a:r>
+          </a:p>
+          <a:p>
+            <a:pPr marL="0" indent="0">
+              <a:buNone/>
+            </a:pPr>
+            <a:endParaRPr lang="en-US" dirty="0">
+              <a:latin typeface="+mn-lt"/>
+            </a:endParaRPr>
+          </a:p>
+        </p:txBody>
+      </p:sp>
+      <p:pic>
+        <p:nvPicPr>
+          <p:cNvPr id="2052" name="Picture 4">
+            <a:extLst>
+              <a:ext uri="{FF2B5EF4-FFF2-40B4-BE49-F238E27FC236}">
+                <a16:creationId xmlns:a16="http://schemas.microsoft.com/office/drawing/2014/main" id="{9F7BAACE-949E-4FAF-BDD0-5975A7B85B9D}"/>
+              </a:ext>
+            </a:extLst>
+          </p:cNvPr>
+          <p:cNvPicPr>
+            <a:picLocks noChangeAspect="1" noChangeArrowheads="1"/>
+          </p:cNvPicPr>
+          <p:nvPr/>
+        </p:nvPicPr>
+        <p:blipFill>
+          <a:blip r:embed="rId3">
+            <a:extLst>
+              <a:ext uri="{28A0092B-C50C-407E-A947-70E740481C1C}">
+                <a14:useLocalDpi xmlns:a14="http://schemas.microsoft.com/office/drawing/2010/main" val="0"/>
+              </a:ext>
+            </a:extLst>
+          </a:blip>
+          <a:srcRect/>
+          <a:stretch>
+            <a:fillRect/>
+          </a:stretch>
+        </p:blipFill>
+        <p:spPr bwMode="auto">
+          <a:xfrm>
+            <a:off x="116024" y="798388"/>
+            <a:ext cx="7899345" cy="5402972"/>
+          </a:xfrm>
+          <a:prstGeom prst="rect">
+            <a:avLst/>
+          </a:prstGeom>
+          <a:noFill/>
+          <a:extLst>
+            <a:ext uri="{909E8E84-426E-40DD-AFC4-6F175D3DCCD1}">
+              <a14:hiddenFill xmlns:a14="http://schemas.microsoft.com/office/drawing/2010/main">
+                <a:solidFill>
+                  <a:srgbClr val="FFFFFF"/>
+                </a:solidFill>
+              </a14:hiddenFill>
+            </a:ext>
+          </a:extLst>
+        </p:spPr>
+      </p:pic>
+      <p:sp>
+        <p:nvSpPr>
+          <p:cNvPr id="8" name="TextBox 7">
+            <a:extLst>
+              <a:ext uri="{FF2B5EF4-FFF2-40B4-BE49-F238E27FC236}">
+                <a16:creationId xmlns:a16="http://schemas.microsoft.com/office/drawing/2014/main" id="{18E489A7-DC97-4F52-9730-950C592E8B3F}"/>
+              </a:ext>
+            </a:extLst>
+          </p:cNvPr>
+          <p:cNvSpPr txBox="1"/>
+          <p:nvPr/>
+        </p:nvSpPr>
+        <p:spPr>
+          <a:xfrm>
+            <a:off x="2185903" y="6213552"/>
+            <a:ext cx="2919062" cy="369332"/>
+          </a:xfrm>
+          <a:prstGeom prst="rect">
+            <a:avLst/>
+          </a:prstGeom>
+          <a:noFill/>
+        </p:spPr>
+        <p:txBody>
+          <a:bodyPr wrap="square" rtlCol="0">
+            <a:spAutoFit/>
+          </a:bodyPr>
+          <a:lstStyle/>
+          <a:p>
+            <a:r>
+              <a:rPr lang="en-US" dirty="0"/>
+              <a:t>Credit: Wikipedia commons</a:t>
+            </a:r>
+          </a:p>
+        </p:txBody>
+      </p:sp>
+    </p:spTree>
+    <p:extLst>
+      <p:ext uri="{BB962C8B-B14F-4D97-AF65-F5344CB8AC3E}">
+        <p14:creationId xmlns:p14="http://schemas.microsoft.com/office/powerpoint/2010/main" val="3050269310"/>
+      </p:ext>
+    </p:extLst>
+  </p:cSld>
+  <p:clrMapOvr>
+    <a:masterClrMapping/>
+  </p:clrMapOvr>
+  <p:timing>
+    <p:tnLst>
+      <p:par>
+        <p:cTn id="1" dur="indefinite" restart="never" nodeType="tmRoot">
+          <p:childTnLst>
+            <p:seq concurrent="1" nextAc="seek">
+              <p:cTn id="2" dur="indefinite" nodeType="mainSeq">
+                <p:childTnLst>
+                  <p:par>
+                    <p:cTn id="3" fill="hold">
+                      <p:stCondLst>
+                        <p:cond delay="indefinite"/>
+                      </p:stCondLst>
+                      <p:childTnLst>
+                        <p:par>
+                          <p:cTn id="4" fill="hold">
+                            <p:stCondLst>
+                              <p:cond delay="0"/>
+                            </p:stCondLst>
+                            <p:childTnLst>
+                              <p:par>
+                                <p:cTn id="5" presetID="1" presetClass="entr" presetSubtype="0" fill="hold" nodeType="clickEffect">
+                                  <p:stCondLst>
+                                    <p:cond delay="0"/>
+                                  </p:stCondLst>
+                                  <p:childTnLst>
+                                    <p:set>
+                                      <p:cBhvr>
+                                        <p:cTn id="6" dur="1" fill="hold">
+                                          <p:stCondLst>
+                                            <p:cond delay="0"/>
+                                          </p:stCondLst>
+                                        </p:cTn>
+                                        <p:tgtEl>
+                                          <p:spTgt spid="3">
+                                            <p:txEl>
+                                              <p:pRg st="1" end="1"/>
+                                            </p:txEl>
+                                          </p:spTgt>
+                                        </p:tgtEl>
+                                        <p:attrNameLst>
+                                          <p:attrName>style.visibility</p:attrName>
+                                        </p:attrNameLst>
+                                      </p:cBhvr>
+                                      <p:to>
+                                        <p:strVal val="visible"/>
+                                      </p:to>
+                                    </p:set>
+                                  </p:childTnLst>
+                                </p:cTn>
+                              </p:par>
+                            </p:childTnLst>
+                          </p:cTn>
+                        </p:par>
+                      </p:childTnLst>
+                    </p:cTn>
+                  </p:par>
+                  <p:par>
+                    <p:cTn id="7" fill="hold">
+                      <p:stCondLst>
+                        <p:cond delay="indefinite"/>
+                      </p:stCondLst>
+                      <p:childTnLst>
+                        <p:par>
+                          <p:cTn id="8" fill="hold">
+                            <p:stCondLst>
+                              <p:cond delay="0"/>
+                            </p:stCondLst>
+                            <p:childTnLst>
+                              <p:par>
+                                <p:cTn id="9" presetID="1" presetClass="entr" presetSubtype="0" fill="hold" nodeType="clickEffect">
+                                  <p:stCondLst>
+                                    <p:cond delay="0"/>
+                                  </p:stCondLst>
+                                  <p:childTnLst>
+                                    <p:set>
+                                      <p:cBhvr>
+                                        <p:cTn id="10" dur="1" fill="hold">
+                                          <p:stCondLst>
+                                            <p:cond delay="0"/>
+                                          </p:stCondLst>
+                                        </p:cTn>
+                                        <p:tgtEl>
+                                          <p:spTgt spid="2052"/>
+                                        </p:tgtEl>
+                                        <p:attrNameLst>
+                                          <p:attrName>style.visibility</p:attrName>
+                                        </p:attrNameLst>
+                                      </p:cBhvr>
+                                      <p:to>
+                                        <p:strVal val="visible"/>
+                                      </p:to>
+                                    </p:set>
+                                  </p:childTnLst>
+                                </p:cTn>
+                              </p:par>
+                              <p:par>
+                                <p:cTn id="11" presetID="1" presetClass="entr" presetSubtype="0" fill="hold" grpId="0" nodeType="withEffect">
+                                  <p:stCondLst>
+                                    <p:cond delay="0"/>
+                                  </p:stCondLst>
+                                  <p:childTnLst>
+                                    <p:set>
+                                      <p:cBhvr>
+                                        <p:cTn id="12" dur="1" fill="hold">
+                                          <p:stCondLst>
+                                            <p:cond delay="0"/>
+                                          </p:stCondLst>
+                                        </p:cTn>
+                                        <p:tgtEl>
+                                          <p:spTgt spid="8"/>
+                                        </p:tgtEl>
+                                        <p:attrNameLst>
+                                          <p:attrName>style.visibility</p:attrName>
+                                        </p:attrNameLst>
+                                      </p:cBhvr>
+                                      <p:to>
+                                        <p:strVal val="visible"/>
+                                      </p:to>
+                                    </p:set>
+                                  </p:childTnLst>
+                                </p:cTn>
+                              </p:par>
+                            </p:childTnLst>
+                          </p:cTn>
+                        </p:par>
+                      </p:childTnLst>
+                    </p:cTn>
+                  </p:par>
+                  <p:par>
+                    <p:cTn id="13" fill="hold">
+                      <p:stCondLst>
+                        <p:cond delay="indefinite"/>
+                      </p:stCondLst>
+                      <p:childTnLst>
+                        <p:par>
+                          <p:cTn id="14" fill="hold">
+                            <p:stCondLst>
+                              <p:cond delay="0"/>
+                            </p:stCondLst>
+                            <p:childTnLst>
+                              <p:par>
+                                <p:cTn id="15" presetID="1" presetClass="entr" presetSubtype="0" fill="hold" nodeType="clickEffect">
+                                  <p:stCondLst>
+                                    <p:cond delay="0"/>
+                                  </p:stCondLst>
+                                  <p:childTnLst>
+                                    <p:set>
+                                      <p:cBhvr>
+                                        <p:cTn id="16" dur="1" fill="hold">
+                                          <p:stCondLst>
+                                            <p:cond delay="0"/>
+                                          </p:stCondLst>
+                                        </p:cTn>
+                                        <p:tgtEl>
+                                          <p:spTgt spid="3">
+                                            <p:txEl>
+                                              <p:pRg st="2" end="2"/>
+                                            </p:txEl>
+                                          </p:spTgt>
+                                        </p:tgtEl>
+                                        <p:attrNameLst>
+                                          <p:attrName>style.visibility</p:attrName>
+                                        </p:attrNameLst>
+                                      </p:cBhvr>
+                                      <p:to>
+                                        <p:strVal val="visible"/>
+                                      </p:to>
+                                    </p:set>
+                                  </p:childTnLst>
+                                </p:cTn>
+                              </p:par>
+                            </p:childTnLst>
+                          </p:cTn>
+                        </p:par>
+                      </p:childTnLst>
+                    </p:cTn>
+                  </p:par>
+                  <p:par>
+                    <p:cTn id="17" fill="hold">
+                      <p:stCondLst>
+                        <p:cond delay="indefinite"/>
+                      </p:stCondLst>
+                      <p:childTnLst>
+                        <p:par>
+                          <p:cTn id="18" fill="hold">
+                            <p:stCondLst>
+                              <p:cond delay="0"/>
+                            </p:stCondLst>
+                            <p:childTnLst>
+                              <p:par>
+                                <p:cTn id="19" presetID="1" presetClass="entr" presetSubtype="0" fill="hold" nodeType="clickEffect">
+                                  <p:stCondLst>
+                                    <p:cond delay="0"/>
+                                  </p:stCondLst>
+                                  <p:childTnLst>
+                                    <p:set>
+                                      <p:cBhvr>
+                                        <p:cTn id="20" dur="1" fill="hold">
+                                          <p:stCondLst>
+                                            <p:cond delay="0"/>
+                                          </p:stCondLst>
+                                        </p:cTn>
+                                        <p:tgtEl>
+                                          <p:spTgt spid="3">
+                                            <p:txEl>
+                                              <p:pRg st="3" end="3"/>
+                                            </p:txEl>
+                                          </p:spTgt>
+                                        </p:tgtEl>
+                                        <p:attrNameLst>
+                                          <p:attrName>style.visibility</p:attrName>
+                                        </p:attrNameLst>
+                                      </p:cBhvr>
+                                      <p:to>
+                                        <p:strVal val="visible"/>
+                                      </p:to>
+                                    </p:set>
+                                  </p:childTnLst>
+                                </p:cTn>
+                              </p:par>
+                            </p:childTnLst>
+                          </p:cTn>
+                        </p:par>
+                      </p:childTnLst>
+                    </p:cTn>
+                  </p:par>
+                  <p:par>
+                    <p:cTn id="21" fill="hold">
+                      <p:stCondLst>
+                        <p:cond delay="indefinite"/>
+                      </p:stCondLst>
+                      <p:childTnLst>
+                        <p:par>
+                          <p:cTn id="22" fill="hold">
+                            <p:stCondLst>
+                              <p:cond delay="0"/>
+                            </p:stCondLst>
+                            <p:childTnLst>
+                              <p:par>
+                                <p:cTn id="23" presetID="1" presetClass="entr" presetSubtype="0" fill="hold" nodeType="clickEffect">
+                                  <p:stCondLst>
+                                    <p:cond delay="0"/>
+                                  </p:stCondLst>
+                                  <p:childTnLst>
+                                    <p:set>
+                                      <p:cBhvr>
+                                        <p:cTn id="24" dur="1" fill="hold">
+                                          <p:stCondLst>
+                                            <p:cond delay="0"/>
+                                          </p:stCondLst>
+                                        </p:cTn>
+                                        <p:tgtEl>
+                                          <p:spTgt spid="3">
+                                            <p:txEl>
+                                              <p:pRg st="4" end="4"/>
+                                            </p:txEl>
+                                          </p:spTgt>
+                                        </p:tgtEl>
+                                        <p:attrNameLst>
+                                          <p:attrName>style.visibility</p:attrName>
+                                        </p:attrNameLst>
+                                      </p:cBhvr>
+                                      <p:to>
+                                        <p:strVal val="visible"/>
+                                      </p:to>
+                                    </p:set>
+                                  </p:childTnLst>
+                                </p:cTn>
+                              </p:par>
+                            </p:childTnLst>
+                          </p:cTn>
+                        </p:par>
+                      </p:childTnLst>
+                    </p:cTn>
+                  </p:par>
+                </p:childTnLst>
+              </p:cTn>
+              <p:prevCondLst>
+                <p:cond evt="onPrev" delay="0">
+                  <p:tgtEl>
+                    <p:sldTgt/>
+                  </p:tgtEl>
+                </p:cond>
+              </p:prevCondLst>
+              <p:nextCondLst>
+                <p:cond evt="onNext" delay="0">
+                  <p:tgtEl>
+                    <p:sldTgt/>
+                  </p:tgtEl>
+                </p:cond>
+              </p:nextCondLst>
+            </p:seq>
+          </p:childTnLst>
+        </p:cTn>
+      </p:par>
+    </p:tnLst>
+    <p:bldLst>
+      <p:bldP spid="8" grpId="0"/>
+    </p:bldLst>
+  </p:timing>
+</p:sld>
+</file>
+
+<file path=ppt/slides/slide31.xml><?xml version="1.0" encoding="utf-8"?>
+<p:sld xmlns:a="http://schemas.openxmlformats.org/drawingml/2006/main" xmlns:r="http://schemas.openxmlformats.org/officeDocument/2006/relationships" xmlns:p="http://schemas.openxmlformats.org/presentationml/2006/main">
+  <p:cSld>
+    <p:spTree>
+      <p:nvGrpSpPr>
+        <p:cNvPr id="1" name=""/>
+        <p:cNvGrpSpPr/>
+        <p:nvPr/>
+      </p:nvGrpSpPr>
+      <p:grpSpPr>
+        <a:xfrm>
+          <a:off x="0" y="0"/>
+          <a:ext cx="0" cy="0"/>
+          <a:chOff x="0" y="0"/>
+          <a:chExt cx="0" cy="0"/>
+        </a:xfrm>
+      </p:grpSpPr>
+      <p:sp>
+        <p:nvSpPr>
+          <p:cNvPr id="2" name="Title 1"/>
+          <p:cNvSpPr>
+            <a:spLocks noGrp="1"/>
+          </p:cNvSpPr>
+          <p:nvPr>
+            <p:ph type="title"/>
+          </p:nvPr>
+        </p:nvSpPr>
+        <p:spPr>
+          <a:xfrm>
+            <a:off x="584200" y="221992"/>
+            <a:ext cx="10515600" cy="530954"/>
+          </a:xfrm>
+        </p:spPr>
+        <p:txBody>
+          <a:bodyPr>
+            <a:normAutofit fontScale="90000"/>
+          </a:bodyPr>
+          <a:lstStyle/>
+          <a:p>
+            <a:r>
+              <a:rPr lang="en-US" dirty="0"/>
+              <a:t>Density Clustering </a:t>
+            </a:r>
+          </a:p>
+        </p:txBody>
+      </p:sp>
+      <p:sp>
+        <p:nvSpPr>
+          <p:cNvPr id="3" name="Content Placeholder 2"/>
+          <p:cNvSpPr>
+            <a:spLocks noGrp="1"/>
+          </p:cNvSpPr>
+          <p:nvPr>
+            <p:ph sz="quarter" idx="10"/>
+          </p:nvPr>
+        </p:nvSpPr>
+        <p:spPr>
+          <a:xfrm>
+            <a:off x="8072846" y="739851"/>
+            <a:ext cx="3908407" cy="5629566"/>
+          </a:xfrm>
+        </p:spPr>
+        <p:txBody>
+          <a:bodyPr>
             <a:normAutofit/>
           </a:bodyPr>
           <a:lstStyle/>
@@ -25111,7 +25333,7 @@
 </p:sld>
 </file>
 
-<file path=ppt/slides/slide31.xml><?xml version="1.0" encoding="utf-8"?>
+<file path=ppt/slides/slide32.xml><?xml version="1.0" encoding="utf-8"?>
 <p:sld xmlns:a="http://schemas.openxmlformats.org/drawingml/2006/main" xmlns:r="http://schemas.openxmlformats.org/officeDocument/2006/relationships" xmlns:p="http://schemas.openxmlformats.org/presentationml/2006/main">
   <p:cSld>
     <p:spTree>
@@ -25171,7 +25393,7 @@
 </p:sld>
 </file>
 
-<file path=ppt/slides/slide32.xml><?xml version="1.0" encoding="utf-8"?>
+<file path=ppt/slides/slide33.xml><?xml version="1.0" encoding="utf-8"?>
 <p:sld xmlns:a="http://schemas.openxmlformats.org/drawingml/2006/main" xmlns:r="http://schemas.openxmlformats.org/officeDocument/2006/relationships" xmlns:p="http://schemas.openxmlformats.org/presentationml/2006/main" show="0">
   <p:cSld>
     <p:spTree>
@@ -26091,7 +26313,7 @@
 </p:sld>
 </file>
 
-<file path=ppt/slides/slide33.xml><?xml version="1.0" encoding="utf-8"?>
+<file path=ppt/slides/slide34.xml><?xml version="1.0" encoding="utf-8"?>
 <p:sld xmlns:a="http://schemas.openxmlformats.org/drawingml/2006/main" xmlns:r="http://schemas.openxmlformats.org/officeDocument/2006/relationships" xmlns:p="http://schemas.openxmlformats.org/presentationml/2006/main" show="0">
   <p:cSld>
     <p:spTree>
@@ -26608,7 +26830,7 @@
 </p:sld>
 </file>
 
-<file path=ppt/slides/slide34.xml><?xml version="1.0" encoding="utf-8"?>
+<file path=ppt/slides/slide35.xml><?xml version="1.0" encoding="utf-8"?>
 <p:sld xmlns:a="http://schemas.openxmlformats.org/drawingml/2006/main" xmlns:r="http://schemas.openxmlformats.org/officeDocument/2006/relationships" xmlns:p="http://schemas.openxmlformats.org/presentationml/2006/main" show="0">
   <p:cSld>
     <p:spTree>
@@ -27187,7 +27409,7 @@
 </p:sld>
 </file>
 
-<file path=ppt/slides/slide35.xml><?xml version="1.0" encoding="utf-8"?>
+<file path=ppt/slides/slide36.xml><?xml version="1.0" encoding="utf-8"?>
 <p:sld xmlns:a="http://schemas.openxmlformats.org/drawingml/2006/main" xmlns:r="http://schemas.openxmlformats.org/officeDocument/2006/relationships" xmlns:p="http://schemas.openxmlformats.org/presentationml/2006/main" show="0">
   <p:cSld>
     <p:spTree>
@@ -27780,7 +28002,7 @@
 </p:sld>
 </file>
 
-<file path=ppt/slides/slide36.xml><?xml version="1.0" encoding="utf-8"?>
+<file path=ppt/slides/slide37.xml><?xml version="1.0" encoding="utf-8"?>
 <p:sld xmlns:a="http://schemas.openxmlformats.org/drawingml/2006/main" xmlns:r="http://schemas.openxmlformats.org/officeDocument/2006/relationships" xmlns:p="http://schemas.openxmlformats.org/presentationml/2006/main" show="0">
   <p:cSld>
     <p:spTree>
@@ -28254,7 +28476,7 @@
 </p:sld>
 </file>
 
-<file path=ppt/slides/slide37.xml><?xml version="1.0" encoding="utf-8"?>
+<file path=ppt/slides/slide38.xml><?xml version="1.0" encoding="utf-8"?>
 <p:sld xmlns:a="http://schemas.openxmlformats.org/drawingml/2006/main" xmlns:r="http://schemas.openxmlformats.org/officeDocument/2006/relationships" xmlns:p="http://schemas.openxmlformats.org/presentationml/2006/main" show="0">
   <p:cSld>
     <p:spTree>
@@ -28755,7 +28977,7 @@
 </p:sld>
 </file>
 
-<file path=ppt/slides/slide38.xml><?xml version="1.0" encoding="utf-8"?>
+<file path=ppt/slides/slide39.xml><?xml version="1.0" encoding="utf-8"?>
 <p:sld xmlns:a="http://schemas.openxmlformats.org/drawingml/2006/main" xmlns:r="http://schemas.openxmlformats.org/officeDocument/2006/relationships" xmlns:p="http://schemas.openxmlformats.org/presentationml/2006/main" show="0">
   <p:cSld>
     <p:spTree>
@@ -29323,638 +29545,6 @@
                                         </p:cTn>
                                         <p:tgtEl>
                                           <p:spTgt spid="5"/>
-                                        </p:tgtEl>
-                                        <p:attrNameLst>
-                                          <p:attrName>style.visibility</p:attrName>
-                                        </p:attrNameLst>
-                                      </p:cBhvr>
-                                      <p:to>
-                                        <p:strVal val="visible"/>
-                                      </p:to>
-                                    </p:set>
-                                  </p:childTnLst>
-                                </p:cTn>
-                              </p:par>
-                            </p:childTnLst>
-                          </p:cTn>
-                        </p:par>
-                      </p:childTnLst>
-                    </p:cTn>
-                  </p:par>
-                </p:childTnLst>
-              </p:cTn>
-              <p:prevCondLst>
-                <p:cond evt="onPrev" delay="0">
-                  <p:tgtEl>
-                    <p:sldTgt/>
-                  </p:tgtEl>
-                </p:cond>
-              </p:prevCondLst>
-              <p:nextCondLst>
-                <p:cond evt="onNext" delay="0">
-                  <p:tgtEl>
-                    <p:sldTgt/>
-                  </p:tgtEl>
-                </p:cond>
-              </p:nextCondLst>
-            </p:seq>
-          </p:childTnLst>
-        </p:cTn>
-      </p:par>
-    </p:tnLst>
-  </p:timing>
-</p:sld>
-</file>
-
-<file path=ppt/slides/slide39.xml><?xml version="1.0" encoding="utf-8"?>
-<p:sld xmlns:a="http://schemas.openxmlformats.org/drawingml/2006/main" xmlns:r="http://schemas.openxmlformats.org/officeDocument/2006/relationships" xmlns:p="http://schemas.openxmlformats.org/presentationml/2006/main">
-  <p:cSld>
-    <p:spTree>
-      <p:nvGrpSpPr>
-        <p:cNvPr id="1" name=""/>
-        <p:cNvGrpSpPr/>
-        <p:nvPr/>
-      </p:nvGrpSpPr>
-      <p:grpSpPr>
-        <a:xfrm>
-          <a:off x="0" y="0"/>
-          <a:ext cx="0" cy="0"/>
-          <a:chOff x="0" y="0"/>
-          <a:chExt cx="0" cy="0"/>
-        </a:xfrm>
-      </p:grpSpPr>
-      <p:sp>
-        <p:nvSpPr>
-          <p:cNvPr id="2" name="Title 1"/>
-          <p:cNvSpPr>
-            <a:spLocks noGrp="1"/>
-          </p:cNvSpPr>
-          <p:nvPr>
-            <p:ph type="title"/>
-          </p:nvPr>
-        </p:nvSpPr>
-        <p:spPr>
-          <a:xfrm>
-            <a:off x="584200" y="221992"/>
-            <a:ext cx="10515600" cy="530954"/>
-          </a:xfrm>
-        </p:spPr>
-        <p:txBody>
-          <a:bodyPr>
-            <a:normAutofit fontScale="90000"/>
-          </a:bodyPr>
-          <a:lstStyle/>
-          <a:p>
-            <a:r>
-              <a:rPr lang="en-US" dirty="0"/>
-              <a:t>Spectral Clustering </a:t>
-            </a:r>
-          </a:p>
-        </p:txBody>
-      </p:sp>
-      <p:sp>
-        <p:nvSpPr>
-          <p:cNvPr id="3" name="Content Placeholder 2"/>
-          <p:cNvSpPr>
-            <a:spLocks noGrp="1"/>
-          </p:cNvSpPr>
-          <p:nvPr>
-            <p:ph sz="quarter" idx="10"/>
-          </p:nvPr>
-        </p:nvSpPr>
-        <p:spPr>
-          <a:xfrm>
-            <a:off x="537275" y="896079"/>
-            <a:ext cx="11321349" cy="5602877"/>
-          </a:xfrm>
-        </p:spPr>
-        <p:txBody>
-          <a:bodyPr>
-            <a:normAutofit/>
-          </a:bodyPr>
-          <a:lstStyle/>
-          <a:p>
-            <a:pPr marL="0" indent="0">
-              <a:buNone/>
-            </a:pPr>
-            <a:r>
-              <a:rPr lang="en-US" dirty="0">
-                <a:latin typeface="+mn-lt"/>
-              </a:rPr>
-              <a:t>Steps of spectral clustering algorithm </a:t>
-            </a:r>
-          </a:p>
-          <a:p>
-            <a:r>
-              <a:rPr lang="en-US" dirty="0">
-                <a:latin typeface="+mn-lt"/>
-              </a:rPr>
-              <a:t>Construct the </a:t>
-            </a:r>
-            <a:r>
-              <a:rPr lang="en-US" b="1" dirty="0">
-                <a:latin typeface="+mn-lt"/>
-              </a:rPr>
-              <a:t>graph of the samples</a:t>
-            </a:r>
-          </a:p>
-          <a:p>
-            <a:pPr lvl="1"/>
-            <a:r>
-              <a:rPr lang="en-US" dirty="0">
-                <a:latin typeface="+mn-lt"/>
-              </a:rPr>
-              <a:t>Fully connected graph </a:t>
-            </a:r>
-          </a:p>
-          <a:p>
-            <a:pPr lvl="1"/>
-            <a:r>
-              <a:rPr lang="en-US" dirty="0">
-                <a:latin typeface="+mn-lt"/>
-              </a:rPr>
-              <a:t>K-nearest-neighbor graph </a:t>
-            </a:r>
-          </a:p>
-          <a:p>
-            <a:pPr lvl="1"/>
-            <a:r>
-              <a:rPr lang="en-US" dirty="0">
-                <a:latin typeface="+mn-lt"/>
-              </a:rPr>
-              <a:t>For node </a:t>
-            </a:r>
-            <a:r>
-              <a:rPr lang="en-US" dirty="0" err="1">
-                <a:latin typeface="+mn-lt"/>
-              </a:rPr>
-              <a:t>i</a:t>
-            </a:r>
-            <a:r>
-              <a:rPr lang="en-US" dirty="0">
-                <a:latin typeface="+mn-lt"/>
-              </a:rPr>
-              <a:t>, node j can be a nearest neighbor, but the reverse need not be true  </a:t>
-            </a:r>
-          </a:p>
-          <a:p>
-            <a:pPr lvl="1"/>
-            <a:r>
-              <a:rPr lang="en-US" dirty="0">
-                <a:latin typeface="+mn-lt"/>
-              </a:rPr>
-              <a:t>Generally use symmetric nearest neighbors  </a:t>
-            </a:r>
-          </a:p>
-          <a:p>
-            <a:r>
-              <a:rPr lang="en-US" dirty="0">
-                <a:latin typeface="+mn-lt"/>
-              </a:rPr>
-              <a:t> The edges are undirected and weighted  </a:t>
-            </a:r>
-          </a:p>
-          <a:p>
-            <a:pPr lvl="1"/>
-            <a:r>
-              <a:rPr lang="en-US" dirty="0">
-                <a:latin typeface="+mn-lt"/>
-              </a:rPr>
-              <a:t>Weights are the similarity of between the samples     </a:t>
-            </a:r>
-          </a:p>
-          <a:p>
-            <a:r>
-              <a:rPr lang="en-US" dirty="0">
-                <a:latin typeface="+mn-lt"/>
-              </a:rPr>
-              <a:t>The weighted association matrix is constructed </a:t>
-            </a:r>
-          </a:p>
-          <a:p>
-            <a:pPr lvl="1"/>
-            <a:r>
-              <a:rPr lang="en-US" dirty="0">
-                <a:latin typeface="+mn-lt"/>
-              </a:rPr>
-              <a:t>Full matrix for fully connected graph </a:t>
-            </a:r>
-          </a:p>
-          <a:p>
-            <a:pPr lvl="1"/>
-            <a:r>
-              <a:rPr lang="en-US" dirty="0">
-                <a:latin typeface="+mn-lt"/>
-              </a:rPr>
-              <a:t>Sparse matrix for nearest-neighbor graph – faster algorithm! </a:t>
-            </a:r>
-          </a:p>
-          <a:p>
-            <a:pPr lvl="1"/>
-            <a:r>
-              <a:rPr lang="en-US" dirty="0">
-                <a:latin typeface="+mn-lt"/>
-              </a:rPr>
-              <a:t>Need not be symmetric  </a:t>
-            </a:r>
-          </a:p>
-        </p:txBody>
-      </p:sp>
-    </p:spTree>
-    <p:extLst>
-      <p:ext uri="{BB962C8B-B14F-4D97-AF65-F5344CB8AC3E}">
-        <p14:creationId xmlns:p14="http://schemas.microsoft.com/office/powerpoint/2010/main" val="3804933063"/>
-      </p:ext>
-    </p:extLst>
-  </p:cSld>
-  <p:clrMapOvr>
-    <a:masterClrMapping/>
-  </p:clrMapOvr>
-  <p:timing>
-    <p:tnLst>
-      <p:par>
-        <p:cTn id="1" dur="indefinite" restart="never" nodeType="tmRoot">
-          <p:childTnLst>
-            <p:seq concurrent="1" nextAc="seek">
-              <p:cTn id="2" dur="indefinite" nodeType="mainSeq">
-                <p:childTnLst>
-                  <p:par>
-                    <p:cTn id="3" fill="hold">
-                      <p:stCondLst>
-                        <p:cond delay="indefinite"/>
-                      </p:stCondLst>
-                      <p:childTnLst>
-                        <p:par>
-                          <p:cTn id="4" fill="hold">
-                            <p:stCondLst>
-                              <p:cond delay="0"/>
-                            </p:stCondLst>
-                            <p:childTnLst>
-                              <p:par>
-                                <p:cTn id="5" presetID="1" presetClass="entr" presetSubtype="0" fill="hold" nodeType="clickEffect">
-                                  <p:stCondLst>
-                                    <p:cond delay="0"/>
-                                  </p:stCondLst>
-                                  <p:childTnLst>
-                                    <p:set>
-                                      <p:cBhvr>
-                                        <p:cTn id="6" dur="1" fill="hold">
-                                          <p:stCondLst>
-                                            <p:cond delay="0"/>
-                                          </p:stCondLst>
-                                        </p:cTn>
-                                        <p:tgtEl>
-                                          <p:spTgt spid="3">
-                                            <p:txEl>
-                                              <p:pRg st="1" end="1"/>
-                                            </p:txEl>
-                                          </p:spTgt>
-                                        </p:tgtEl>
-                                        <p:attrNameLst>
-                                          <p:attrName>style.visibility</p:attrName>
-                                        </p:attrNameLst>
-                                      </p:cBhvr>
-                                      <p:to>
-                                        <p:strVal val="visible"/>
-                                      </p:to>
-                                    </p:set>
-                                  </p:childTnLst>
-                                </p:cTn>
-                              </p:par>
-                              <p:par>
-                                <p:cTn id="7" presetID="1" presetClass="entr" presetSubtype="0" fill="hold" nodeType="withEffect">
-                                  <p:stCondLst>
-                                    <p:cond delay="0"/>
-                                  </p:stCondLst>
-                                  <p:childTnLst>
-                                    <p:set>
-                                      <p:cBhvr>
-                                        <p:cTn id="8" dur="1" fill="hold">
-                                          <p:stCondLst>
-                                            <p:cond delay="0"/>
-                                          </p:stCondLst>
-                                        </p:cTn>
-                                        <p:tgtEl>
-                                          <p:spTgt spid="3">
-                                            <p:txEl>
-                                              <p:pRg st="2" end="2"/>
-                                            </p:txEl>
-                                          </p:spTgt>
-                                        </p:tgtEl>
-                                        <p:attrNameLst>
-                                          <p:attrName>style.visibility</p:attrName>
-                                        </p:attrNameLst>
-                                      </p:cBhvr>
-                                      <p:to>
-                                        <p:strVal val="visible"/>
-                                      </p:to>
-                                    </p:set>
-                                  </p:childTnLst>
-                                </p:cTn>
-                              </p:par>
-                              <p:par>
-                                <p:cTn id="9" presetID="1" presetClass="entr" presetSubtype="0" fill="hold" nodeType="withEffect">
-                                  <p:stCondLst>
-                                    <p:cond delay="0"/>
-                                  </p:stCondLst>
-                                  <p:childTnLst>
-                                    <p:set>
-                                      <p:cBhvr>
-                                        <p:cTn id="10" dur="1" fill="hold">
-                                          <p:stCondLst>
-                                            <p:cond delay="0"/>
-                                          </p:stCondLst>
-                                        </p:cTn>
-                                        <p:tgtEl>
-                                          <p:spTgt spid="3">
-                                            <p:txEl>
-                                              <p:pRg st="3" end="3"/>
-                                            </p:txEl>
-                                          </p:spTgt>
-                                        </p:tgtEl>
-                                        <p:attrNameLst>
-                                          <p:attrName>style.visibility</p:attrName>
-                                        </p:attrNameLst>
-                                      </p:cBhvr>
-                                      <p:to>
-                                        <p:strVal val="visible"/>
-                                      </p:to>
-                                    </p:set>
-                                  </p:childTnLst>
-                                </p:cTn>
-                              </p:par>
-                              <p:par>
-                                <p:cTn id="11" presetID="1" presetClass="entr" presetSubtype="0" fill="hold" nodeType="withEffect">
-                                  <p:stCondLst>
-                                    <p:cond delay="0"/>
-                                  </p:stCondLst>
-                                  <p:childTnLst>
-                                    <p:set>
-                                      <p:cBhvr>
-                                        <p:cTn id="12" dur="1" fill="hold">
-                                          <p:stCondLst>
-                                            <p:cond delay="0"/>
-                                          </p:stCondLst>
-                                        </p:cTn>
-                                        <p:tgtEl>
-                                          <p:spTgt spid="3">
-                                            <p:txEl>
-                                              <p:pRg st="4" end="4"/>
-                                            </p:txEl>
-                                          </p:spTgt>
-                                        </p:tgtEl>
-                                        <p:attrNameLst>
-                                          <p:attrName>style.visibility</p:attrName>
-                                        </p:attrNameLst>
-                                      </p:cBhvr>
-                                      <p:to>
-                                        <p:strVal val="visible"/>
-                                      </p:to>
-                                    </p:set>
-                                  </p:childTnLst>
-                                </p:cTn>
-                              </p:par>
-                              <p:par>
-                                <p:cTn id="13" presetID="1" presetClass="entr" presetSubtype="0" fill="hold" nodeType="withEffect">
-                                  <p:stCondLst>
-                                    <p:cond delay="0"/>
-                                  </p:stCondLst>
-                                  <p:childTnLst>
-                                    <p:set>
-                                      <p:cBhvr>
-                                        <p:cTn id="14" dur="1" fill="hold">
-                                          <p:stCondLst>
-                                            <p:cond delay="0"/>
-                                          </p:stCondLst>
-                                        </p:cTn>
-                                        <p:tgtEl>
-                                          <p:spTgt spid="3">
-                                            <p:txEl>
-                                              <p:pRg st="5" end="5"/>
-                                            </p:txEl>
-                                          </p:spTgt>
-                                        </p:tgtEl>
-                                        <p:attrNameLst>
-                                          <p:attrName>style.visibility</p:attrName>
-                                        </p:attrNameLst>
-                                      </p:cBhvr>
-                                      <p:to>
-                                        <p:strVal val="visible"/>
-                                      </p:to>
-                                    </p:set>
-                                  </p:childTnLst>
-                                </p:cTn>
-                              </p:par>
-                            </p:childTnLst>
-                          </p:cTn>
-                        </p:par>
-                      </p:childTnLst>
-                    </p:cTn>
-                  </p:par>
-                  <p:par>
-                    <p:cTn id="15" fill="hold">
-                      <p:stCondLst>
-                        <p:cond delay="indefinite"/>
-                      </p:stCondLst>
-                      <p:childTnLst>
-                        <p:par>
-                          <p:cTn id="16" fill="hold">
-                            <p:stCondLst>
-                              <p:cond delay="0"/>
-                            </p:stCondLst>
-                            <p:childTnLst>
-                              <p:par>
-                                <p:cTn id="17" presetID="1" presetClass="entr" presetSubtype="0" fill="hold" nodeType="clickEffect">
-                                  <p:stCondLst>
-                                    <p:cond delay="0"/>
-                                  </p:stCondLst>
-                                  <p:childTnLst>
-                                    <p:set>
-                                      <p:cBhvr>
-                                        <p:cTn id="18" dur="1" fill="hold">
-                                          <p:stCondLst>
-                                            <p:cond delay="0"/>
-                                          </p:stCondLst>
-                                        </p:cTn>
-                                        <p:tgtEl>
-                                          <p:spTgt spid="3">
-                                            <p:txEl>
-                                              <p:pRg st="6" end="6"/>
-                                            </p:txEl>
-                                          </p:spTgt>
-                                        </p:tgtEl>
-                                        <p:attrNameLst>
-                                          <p:attrName>style.visibility</p:attrName>
-                                        </p:attrNameLst>
-                                      </p:cBhvr>
-                                      <p:to>
-                                        <p:strVal val="visible"/>
-                                      </p:to>
-                                    </p:set>
-                                  </p:childTnLst>
-                                </p:cTn>
-                              </p:par>
-                              <p:par>
-                                <p:cTn id="19" presetID="1" presetClass="entr" presetSubtype="0" fill="hold" nodeType="withEffect">
-                                  <p:stCondLst>
-                                    <p:cond delay="0"/>
-                                  </p:stCondLst>
-                                  <p:childTnLst>
-                                    <p:set>
-                                      <p:cBhvr>
-                                        <p:cTn id="20" dur="1" fill="hold">
-                                          <p:stCondLst>
-                                            <p:cond delay="0"/>
-                                          </p:stCondLst>
-                                        </p:cTn>
-                                        <p:tgtEl>
-                                          <p:spTgt spid="3">
-                                            <p:txEl>
-                                              <p:pRg st="7" end="7"/>
-                                            </p:txEl>
-                                          </p:spTgt>
-                                        </p:tgtEl>
-                                        <p:attrNameLst>
-                                          <p:attrName>style.visibility</p:attrName>
-                                        </p:attrNameLst>
-                                      </p:cBhvr>
-                                      <p:to>
-                                        <p:strVal val="visible"/>
-                                      </p:to>
-                                    </p:set>
-                                  </p:childTnLst>
-                                </p:cTn>
-                              </p:par>
-                            </p:childTnLst>
-                          </p:cTn>
-                        </p:par>
-                      </p:childTnLst>
-                    </p:cTn>
-                  </p:par>
-                  <p:par>
-                    <p:cTn id="21" fill="hold">
-                      <p:stCondLst>
-                        <p:cond delay="indefinite"/>
-                      </p:stCondLst>
-                      <p:childTnLst>
-                        <p:par>
-                          <p:cTn id="22" fill="hold">
-                            <p:stCondLst>
-                              <p:cond delay="0"/>
-                            </p:stCondLst>
-                            <p:childTnLst>
-                              <p:par>
-                                <p:cTn id="23" presetID="1" presetClass="entr" presetSubtype="0" fill="hold" nodeType="clickEffect">
-                                  <p:stCondLst>
-                                    <p:cond delay="0"/>
-                                  </p:stCondLst>
-                                  <p:childTnLst>
-                                    <p:set>
-                                      <p:cBhvr>
-                                        <p:cTn id="24" dur="1" fill="hold">
-                                          <p:stCondLst>
-                                            <p:cond delay="0"/>
-                                          </p:stCondLst>
-                                        </p:cTn>
-                                        <p:tgtEl>
-                                          <p:spTgt spid="3">
-                                            <p:txEl>
-                                              <p:pRg st="8" end="8"/>
-                                            </p:txEl>
-                                          </p:spTgt>
-                                        </p:tgtEl>
-                                        <p:attrNameLst>
-                                          <p:attrName>style.visibility</p:attrName>
-                                        </p:attrNameLst>
-                                      </p:cBhvr>
-                                      <p:to>
-                                        <p:strVal val="visible"/>
-                                      </p:to>
-                                    </p:set>
-                                  </p:childTnLst>
-                                </p:cTn>
-                              </p:par>
-                              <p:par>
-                                <p:cTn id="25" presetID="1" presetClass="entr" presetSubtype="0" fill="hold" nodeType="withEffect">
-                                  <p:stCondLst>
-                                    <p:cond delay="0"/>
-                                  </p:stCondLst>
-                                  <p:childTnLst>
-                                    <p:set>
-                                      <p:cBhvr>
-                                        <p:cTn id="26" dur="1" fill="hold">
-                                          <p:stCondLst>
-                                            <p:cond delay="0"/>
-                                          </p:stCondLst>
-                                        </p:cTn>
-                                        <p:tgtEl>
-                                          <p:spTgt spid="3">
-                                            <p:txEl>
-                                              <p:pRg st="9" end="9"/>
-                                            </p:txEl>
-                                          </p:spTgt>
-                                        </p:tgtEl>
-                                        <p:attrNameLst>
-                                          <p:attrName>style.visibility</p:attrName>
-                                        </p:attrNameLst>
-                                      </p:cBhvr>
-                                      <p:to>
-                                        <p:strVal val="visible"/>
-                                      </p:to>
-                                    </p:set>
-                                  </p:childTnLst>
-                                </p:cTn>
-                              </p:par>
-                              <p:par>
-                                <p:cTn id="27" presetID="1" presetClass="entr" presetSubtype="0" fill="hold" nodeType="withEffect">
-                                  <p:stCondLst>
-                                    <p:cond delay="0"/>
-                                  </p:stCondLst>
-                                  <p:childTnLst>
-                                    <p:set>
-                                      <p:cBhvr>
-                                        <p:cTn id="28" dur="1" fill="hold">
-                                          <p:stCondLst>
-                                            <p:cond delay="0"/>
-                                          </p:stCondLst>
-                                        </p:cTn>
-                                        <p:tgtEl>
-                                          <p:spTgt spid="3">
-                                            <p:txEl>
-                                              <p:pRg st="10" end="10"/>
-                                            </p:txEl>
-                                          </p:spTgt>
-                                        </p:tgtEl>
-                                        <p:attrNameLst>
-                                          <p:attrName>style.visibility</p:attrName>
-                                        </p:attrNameLst>
-                                      </p:cBhvr>
-                                      <p:to>
-                                        <p:strVal val="visible"/>
-                                      </p:to>
-                                    </p:set>
-                                  </p:childTnLst>
-                                </p:cTn>
-                              </p:par>
-                              <p:par>
-                                <p:cTn id="29" presetID="1" presetClass="entr" presetSubtype="0" fill="hold" nodeType="withEffect">
-                                  <p:stCondLst>
-                                    <p:cond delay="0"/>
-                                  </p:stCondLst>
-                                  <p:childTnLst>
-                                    <p:set>
-                                      <p:cBhvr>
-                                        <p:cTn id="30" dur="1" fill="hold">
-                                          <p:stCondLst>
-                                            <p:cond delay="0"/>
-                                          </p:stCondLst>
-                                        </p:cTn>
-                                        <p:tgtEl>
-                                          <p:spTgt spid="3">
-                                            <p:txEl>
-                                              <p:pRg st="11" end="11"/>
-                                            </p:txEl>
-                                          </p:spTgt>
                                         </p:tgtEl>
                                         <p:attrNameLst>
                                           <p:attrName>style.visibility</p:attrName>
@@ -31028,6 +30618,638 @@
 </file>
 
 <file path=ppt/slides/slide40.xml><?xml version="1.0" encoding="utf-8"?>
+<p:sld xmlns:a="http://schemas.openxmlformats.org/drawingml/2006/main" xmlns:r="http://schemas.openxmlformats.org/officeDocument/2006/relationships" xmlns:p="http://schemas.openxmlformats.org/presentationml/2006/main">
+  <p:cSld>
+    <p:spTree>
+      <p:nvGrpSpPr>
+        <p:cNvPr id="1" name=""/>
+        <p:cNvGrpSpPr/>
+        <p:nvPr/>
+      </p:nvGrpSpPr>
+      <p:grpSpPr>
+        <a:xfrm>
+          <a:off x="0" y="0"/>
+          <a:ext cx="0" cy="0"/>
+          <a:chOff x="0" y="0"/>
+          <a:chExt cx="0" cy="0"/>
+        </a:xfrm>
+      </p:grpSpPr>
+      <p:sp>
+        <p:nvSpPr>
+          <p:cNvPr id="2" name="Title 1"/>
+          <p:cNvSpPr>
+            <a:spLocks noGrp="1"/>
+          </p:cNvSpPr>
+          <p:nvPr>
+            <p:ph type="title"/>
+          </p:nvPr>
+        </p:nvSpPr>
+        <p:spPr>
+          <a:xfrm>
+            <a:off x="584200" y="221992"/>
+            <a:ext cx="10515600" cy="530954"/>
+          </a:xfrm>
+        </p:spPr>
+        <p:txBody>
+          <a:bodyPr>
+            <a:normAutofit fontScale="90000"/>
+          </a:bodyPr>
+          <a:lstStyle/>
+          <a:p>
+            <a:r>
+              <a:rPr lang="en-US" dirty="0"/>
+              <a:t>Spectral Clustering </a:t>
+            </a:r>
+          </a:p>
+        </p:txBody>
+      </p:sp>
+      <p:sp>
+        <p:nvSpPr>
+          <p:cNvPr id="3" name="Content Placeholder 2"/>
+          <p:cNvSpPr>
+            <a:spLocks noGrp="1"/>
+          </p:cNvSpPr>
+          <p:nvPr>
+            <p:ph sz="quarter" idx="10"/>
+          </p:nvPr>
+        </p:nvSpPr>
+        <p:spPr>
+          <a:xfrm>
+            <a:off x="537275" y="896079"/>
+            <a:ext cx="11321349" cy="5602877"/>
+          </a:xfrm>
+        </p:spPr>
+        <p:txBody>
+          <a:bodyPr>
+            <a:normAutofit/>
+          </a:bodyPr>
+          <a:lstStyle/>
+          <a:p>
+            <a:pPr marL="0" indent="0">
+              <a:buNone/>
+            </a:pPr>
+            <a:r>
+              <a:rPr lang="en-US" dirty="0">
+                <a:latin typeface="+mn-lt"/>
+              </a:rPr>
+              <a:t>Steps of spectral clustering algorithm </a:t>
+            </a:r>
+          </a:p>
+          <a:p>
+            <a:r>
+              <a:rPr lang="en-US" dirty="0">
+                <a:latin typeface="+mn-lt"/>
+              </a:rPr>
+              <a:t>Construct the </a:t>
+            </a:r>
+            <a:r>
+              <a:rPr lang="en-US" b="1" dirty="0">
+                <a:latin typeface="+mn-lt"/>
+              </a:rPr>
+              <a:t>graph of the samples</a:t>
+            </a:r>
+          </a:p>
+          <a:p>
+            <a:pPr lvl="1"/>
+            <a:r>
+              <a:rPr lang="en-US" dirty="0">
+                <a:latin typeface="+mn-lt"/>
+              </a:rPr>
+              <a:t>Fully connected graph </a:t>
+            </a:r>
+          </a:p>
+          <a:p>
+            <a:pPr lvl="1"/>
+            <a:r>
+              <a:rPr lang="en-US" dirty="0">
+                <a:latin typeface="+mn-lt"/>
+              </a:rPr>
+              <a:t>K-nearest-neighbor graph </a:t>
+            </a:r>
+          </a:p>
+          <a:p>
+            <a:pPr lvl="1"/>
+            <a:r>
+              <a:rPr lang="en-US" dirty="0">
+                <a:latin typeface="+mn-lt"/>
+              </a:rPr>
+              <a:t>For node </a:t>
+            </a:r>
+            <a:r>
+              <a:rPr lang="en-US" dirty="0" err="1">
+                <a:latin typeface="+mn-lt"/>
+              </a:rPr>
+              <a:t>i</a:t>
+            </a:r>
+            <a:r>
+              <a:rPr lang="en-US" dirty="0">
+                <a:latin typeface="+mn-lt"/>
+              </a:rPr>
+              <a:t>, node j can be a nearest neighbor, but the reverse need not be true  </a:t>
+            </a:r>
+          </a:p>
+          <a:p>
+            <a:pPr lvl="1"/>
+            <a:r>
+              <a:rPr lang="en-US" dirty="0">
+                <a:latin typeface="+mn-lt"/>
+              </a:rPr>
+              <a:t>Generally use symmetric nearest neighbors  </a:t>
+            </a:r>
+          </a:p>
+          <a:p>
+            <a:r>
+              <a:rPr lang="en-US" dirty="0">
+                <a:latin typeface="+mn-lt"/>
+              </a:rPr>
+              <a:t> The edges are undirected and weighted  </a:t>
+            </a:r>
+          </a:p>
+          <a:p>
+            <a:pPr lvl="1"/>
+            <a:r>
+              <a:rPr lang="en-US" dirty="0">
+                <a:latin typeface="+mn-lt"/>
+              </a:rPr>
+              <a:t>Weights are the similarity of between the samples     </a:t>
+            </a:r>
+          </a:p>
+          <a:p>
+            <a:r>
+              <a:rPr lang="en-US" dirty="0">
+                <a:latin typeface="+mn-lt"/>
+              </a:rPr>
+              <a:t>The weighted association matrix is constructed </a:t>
+            </a:r>
+          </a:p>
+          <a:p>
+            <a:pPr lvl="1"/>
+            <a:r>
+              <a:rPr lang="en-US" dirty="0">
+                <a:latin typeface="+mn-lt"/>
+              </a:rPr>
+              <a:t>Full matrix for fully connected graph </a:t>
+            </a:r>
+          </a:p>
+          <a:p>
+            <a:pPr lvl="1"/>
+            <a:r>
+              <a:rPr lang="en-US" dirty="0">
+                <a:latin typeface="+mn-lt"/>
+              </a:rPr>
+              <a:t>Sparse matrix for nearest-neighbor graph – faster algorithm! </a:t>
+            </a:r>
+          </a:p>
+          <a:p>
+            <a:pPr lvl="1"/>
+            <a:r>
+              <a:rPr lang="en-US" dirty="0">
+                <a:latin typeface="+mn-lt"/>
+              </a:rPr>
+              <a:t>Need not be symmetric  </a:t>
+            </a:r>
+          </a:p>
+        </p:txBody>
+      </p:sp>
+    </p:spTree>
+    <p:extLst>
+      <p:ext uri="{BB962C8B-B14F-4D97-AF65-F5344CB8AC3E}">
+        <p14:creationId xmlns:p14="http://schemas.microsoft.com/office/powerpoint/2010/main" val="3804933063"/>
+      </p:ext>
+    </p:extLst>
+  </p:cSld>
+  <p:clrMapOvr>
+    <a:masterClrMapping/>
+  </p:clrMapOvr>
+  <p:timing>
+    <p:tnLst>
+      <p:par>
+        <p:cTn id="1" dur="indefinite" restart="never" nodeType="tmRoot">
+          <p:childTnLst>
+            <p:seq concurrent="1" nextAc="seek">
+              <p:cTn id="2" dur="indefinite" nodeType="mainSeq">
+                <p:childTnLst>
+                  <p:par>
+                    <p:cTn id="3" fill="hold">
+                      <p:stCondLst>
+                        <p:cond delay="indefinite"/>
+                      </p:stCondLst>
+                      <p:childTnLst>
+                        <p:par>
+                          <p:cTn id="4" fill="hold">
+                            <p:stCondLst>
+                              <p:cond delay="0"/>
+                            </p:stCondLst>
+                            <p:childTnLst>
+                              <p:par>
+                                <p:cTn id="5" presetID="1" presetClass="entr" presetSubtype="0" fill="hold" nodeType="clickEffect">
+                                  <p:stCondLst>
+                                    <p:cond delay="0"/>
+                                  </p:stCondLst>
+                                  <p:childTnLst>
+                                    <p:set>
+                                      <p:cBhvr>
+                                        <p:cTn id="6" dur="1" fill="hold">
+                                          <p:stCondLst>
+                                            <p:cond delay="0"/>
+                                          </p:stCondLst>
+                                        </p:cTn>
+                                        <p:tgtEl>
+                                          <p:spTgt spid="3">
+                                            <p:txEl>
+                                              <p:pRg st="1" end="1"/>
+                                            </p:txEl>
+                                          </p:spTgt>
+                                        </p:tgtEl>
+                                        <p:attrNameLst>
+                                          <p:attrName>style.visibility</p:attrName>
+                                        </p:attrNameLst>
+                                      </p:cBhvr>
+                                      <p:to>
+                                        <p:strVal val="visible"/>
+                                      </p:to>
+                                    </p:set>
+                                  </p:childTnLst>
+                                </p:cTn>
+                              </p:par>
+                              <p:par>
+                                <p:cTn id="7" presetID="1" presetClass="entr" presetSubtype="0" fill="hold" nodeType="withEffect">
+                                  <p:stCondLst>
+                                    <p:cond delay="0"/>
+                                  </p:stCondLst>
+                                  <p:childTnLst>
+                                    <p:set>
+                                      <p:cBhvr>
+                                        <p:cTn id="8" dur="1" fill="hold">
+                                          <p:stCondLst>
+                                            <p:cond delay="0"/>
+                                          </p:stCondLst>
+                                        </p:cTn>
+                                        <p:tgtEl>
+                                          <p:spTgt spid="3">
+                                            <p:txEl>
+                                              <p:pRg st="2" end="2"/>
+                                            </p:txEl>
+                                          </p:spTgt>
+                                        </p:tgtEl>
+                                        <p:attrNameLst>
+                                          <p:attrName>style.visibility</p:attrName>
+                                        </p:attrNameLst>
+                                      </p:cBhvr>
+                                      <p:to>
+                                        <p:strVal val="visible"/>
+                                      </p:to>
+                                    </p:set>
+                                  </p:childTnLst>
+                                </p:cTn>
+                              </p:par>
+                              <p:par>
+                                <p:cTn id="9" presetID="1" presetClass="entr" presetSubtype="0" fill="hold" nodeType="withEffect">
+                                  <p:stCondLst>
+                                    <p:cond delay="0"/>
+                                  </p:stCondLst>
+                                  <p:childTnLst>
+                                    <p:set>
+                                      <p:cBhvr>
+                                        <p:cTn id="10" dur="1" fill="hold">
+                                          <p:stCondLst>
+                                            <p:cond delay="0"/>
+                                          </p:stCondLst>
+                                        </p:cTn>
+                                        <p:tgtEl>
+                                          <p:spTgt spid="3">
+                                            <p:txEl>
+                                              <p:pRg st="3" end="3"/>
+                                            </p:txEl>
+                                          </p:spTgt>
+                                        </p:tgtEl>
+                                        <p:attrNameLst>
+                                          <p:attrName>style.visibility</p:attrName>
+                                        </p:attrNameLst>
+                                      </p:cBhvr>
+                                      <p:to>
+                                        <p:strVal val="visible"/>
+                                      </p:to>
+                                    </p:set>
+                                  </p:childTnLst>
+                                </p:cTn>
+                              </p:par>
+                              <p:par>
+                                <p:cTn id="11" presetID="1" presetClass="entr" presetSubtype="0" fill="hold" nodeType="withEffect">
+                                  <p:stCondLst>
+                                    <p:cond delay="0"/>
+                                  </p:stCondLst>
+                                  <p:childTnLst>
+                                    <p:set>
+                                      <p:cBhvr>
+                                        <p:cTn id="12" dur="1" fill="hold">
+                                          <p:stCondLst>
+                                            <p:cond delay="0"/>
+                                          </p:stCondLst>
+                                        </p:cTn>
+                                        <p:tgtEl>
+                                          <p:spTgt spid="3">
+                                            <p:txEl>
+                                              <p:pRg st="4" end="4"/>
+                                            </p:txEl>
+                                          </p:spTgt>
+                                        </p:tgtEl>
+                                        <p:attrNameLst>
+                                          <p:attrName>style.visibility</p:attrName>
+                                        </p:attrNameLst>
+                                      </p:cBhvr>
+                                      <p:to>
+                                        <p:strVal val="visible"/>
+                                      </p:to>
+                                    </p:set>
+                                  </p:childTnLst>
+                                </p:cTn>
+                              </p:par>
+                              <p:par>
+                                <p:cTn id="13" presetID="1" presetClass="entr" presetSubtype="0" fill="hold" nodeType="withEffect">
+                                  <p:stCondLst>
+                                    <p:cond delay="0"/>
+                                  </p:stCondLst>
+                                  <p:childTnLst>
+                                    <p:set>
+                                      <p:cBhvr>
+                                        <p:cTn id="14" dur="1" fill="hold">
+                                          <p:stCondLst>
+                                            <p:cond delay="0"/>
+                                          </p:stCondLst>
+                                        </p:cTn>
+                                        <p:tgtEl>
+                                          <p:spTgt spid="3">
+                                            <p:txEl>
+                                              <p:pRg st="5" end="5"/>
+                                            </p:txEl>
+                                          </p:spTgt>
+                                        </p:tgtEl>
+                                        <p:attrNameLst>
+                                          <p:attrName>style.visibility</p:attrName>
+                                        </p:attrNameLst>
+                                      </p:cBhvr>
+                                      <p:to>
+                                        <p:strVal val="visible"/>
+                                      </p:to>
+                                    </p:set>
+                                  </p:childTnLst>
+                                </p:cTn>
+                              </p:par>
+                            </p:childTnLst>
+                          </p:cTn>
+                        </p:par>
+                      </p:childTnLst>
+                    </p:cTn>
+                  </p:par>
+                  <p:par>
+                    <p:cTn id="15" fill="hold">
+                      <p:stCondLst>
+                        <p:cond delay="indefinite"/>
+                      </p:stCondLst>
+                      <p:childTnLst>
+                        <p:par>
+                          <p:cTn id="16" fill="hold">
+                            <p:stCondLst>
+                              <p:cond delay="0"/>
+                            </p:stCondLst>
+                            <p:childTnLst>
+                              <p:par>
+                                <p:cTn id="17" presetID="1" presetClass="entr" presetSubtype="0" fill="hold" nodeType="clickEffect">
+                                  <p:stCondLst>
+                                    <p:cond delay="0"/>
+                                  </p:stCondLst>
+                                  <p:childTnLst>
+                                    <p:set>
+                                      <p:cBhvr>
+                                        <p:cTn id="18" dur="1" fill="hold">
+                                          <p:stCondLst>
+                                            <p:cond delay="0"/>
+                                          </p:stCondLst>
+                                        </p:cTn>
+                                        <p:tgtEl>
+                                          <p:spTgt spid="3">
+                                            <p:txEl>
+                                              <p:pRg st="6" end="6"/>
+                                            </p:txEl>
+                                          </p:spTgt>
+                                        </p:tgtEl>
+                                        <p:attrNameLst>
+                                          <p:attrName>style.visibility</p:attrName>
+                                        </p:attrNameLst>
+                                      </p:cBhvr>
+                                      <p:to>
+                                        <p:strVal val="visible"/>
+                                      </p:to>
+                                    </p:set>
+                                  </p:childTnLst>
+                                </p:cTn>
+                              </p:par>
+                              <p:par>
+                                <p:cTn id="19" presetID="1" presetClass="entr" presetSubtype="0" fill="hold" nodeType="withEffect">
+                                  <p:stCondLst>
+                                    <p:cond delay="0"/>
+                                  </p:stCondLst>
+                                  <p:childTnLst>
+                                    <p:set>
+                                      <p:cBhvr>
+                                        <p:cTn id="20" dur="1" fill="hold">
+                                          <p:stCondLst>
+                                            <p:cond delay="0"/>
+                                          </p:stCondLst>
+                                        </p:cTn>
+                                        <p:tgtEl>
+                                          <p:spTgt spid="3">
+                                            <p:txEl>
+                                              <p:pRg st="7" end="7"/>
+                                            </p:txEl>
+                                          </p:spTgt>
+                                        </p:tgtEl>
+                                        <p:attrNameLst>
+                                          <p:attrName>style.visibility</p:attrName>
+                                        </p:attrNameLst>
+                                      </p:cBhvr>
+                                      <p:to>
+                                        <p:strVal val="visible"/>
+                                      </p:to>
+                                    </p:set>
+                                  </p:childTnLst>
+                                </p:cTn>
+                              </p:par>
+                            </p:childTnLst>
+                          </p:cTn>
+                        </p:par>
+                      </p:childTnLst>
+                    </p:cTn>
+                  </p:par>
+                  <p:par>
+                    <p:cTn id="21" fill="hold">
+                      <p:stCondLst>
+                        <p:cond delay="indefinite"/>
+                      </p:stCondLst>
+                      <p:childTnLst>
+                        <p:par>
+                          <p:cTn id="22" fill="hold">
+                            <p:stCondLst>
+                              <p:cond delay="0"/>
+                            </p:stCondLst>
+                            <p:childTnLst>
+                              <p:par>
+                                <p:cTn id="23" presetID="1" presetClass="entr" presetSubtype="0" fill="hold" nodeType="clickEffect">
+                                  <p:stCondLst>
+                                    <p:cond delay="0"/>
+                                  </p:stCondLst>
+                                  <p:childTnLst>
+                                    <p:set>
+                                      <p:cBhvr>
+                                        <p:cTn id="24" dur="1" fill="hold">
+                                          <p:stCondLst>
+                                            <p:cond delay="0"/>
+                                          </p:stCondLst>
+                                        </p:cTn>
+                                        <p:tgtEl>
+                                          <p:spTgt spid="3">
+                                            <p:txEl>
+                                              <p:pRg st="8" end="8"/>
+                                            </p:txEl>
+                                          </p:spTgt>
+                                        </p:tgtEl>
+                                        <p:attrNameLst>
+                                          <p:attrName>style.visibility</p:attrName>
+                                        </p:attrNameLst>
+                                      </p:cBhvr>
+                                      <p:to>
+                                        <p:strVal val="visible"/>
+                                      </p:to>
+                                    </p:set>
+                                  </p:childTnLst>
+                                </p:cTn>
+                              </p:par>
+                              <p:par>
+                                <p:cTn id="25" presetID="1" presetClass="entr" presetSubtype="0" fill="hold" nodeType="withEffect">
+                                  <p:stCondLst>
+                                    <p:cond delay="0"/>
+                                  </p:stCondLst>
+                                  <p:childTnLst>
+                                    <p:set>
+                                      <p:cBhvr>
+                                        <p:cTn id="26" dur="1" fill="hold">
+                                          <p:stCondLst>
+                                            <p:cond delay="0"/>
+                                          </p:stCondLst>
+                                        </p:cTn>
+                                        <p:tgtEl>
+                                          <p:spTgt spid="3">
+                                            <p:txEl>
+                                              <p:pRg st="9" end="9"/>
+                                            </p:txEl>
+                                          </p:spTgt>
+                                        </p:tgtEl>
+                                        <p:attrNameLst>
+                                          <p:attrName>style.visibility</p:attrName>
+                                        </p:attrNameLst>
+                                      </p:cBhvr>
+                                      <p:to>
+                                        <p:strVal val="visible"/>
+                                      </p:to>
+                                    </p:set>
+                                  </p:childTnLst>
+                                </p:cTn>
+                              </p:par>
+                              <p:par>
+                                <p:cTn id="27" presetID="1" presetClass="entr" presetSubtype="0" fill="hold" nodeType="withEffect">
+                                  <p:stCondLst>
+                                    <p:cond delay="0"/>
+                                  </p:stCondLst>
+                                  <p:childTnLst>
+                                    <p:set>
+                                      <p:cBhvr>
+                                        <p:cTn id="28" dur="1" fill="hold">
+                                          <p:stCondLst>
+                                            <p:cond delay="0"/>
+                                          </p:stCondLst>
+                                        </p:cTn>
+                                        <p:tgtEl>
+                                          <p:spTgt spid="3">
+                                            <p:txEl>
+                                              <p:pRg st="10" end="10"/>
+                                            </p:txEl>
+                                          </p:spTgt>
+                                        </p:tgtEl>
+                                        <p:attrNameLst>
+                                          <p:attrName>style.visibility</p:attrName>
+                                        </p:attrNameLst>
+                                      </p:cBhvr>
+                                      <p:to>
+                                        <p:strVal val="visible"/>
+                                      </p:to>
+                                    </p:set>
+                                  </p:childTnLst>
+                                </p:cTn>
+                              </p:par>
+                              <p:par>
+                                <p:cTn id="29" presetID="1" presetClass="entr" presetSubtype="0" fill="hold" nodeType="withEffect">
+                                  <p:stCondLst>
+                                    <p:cond delay="0"/>
+                                  </p:stCondLst>
+                                  <p:childTnLst>
+                                    <p:set>
+                                      <p:cBhvr>
+                                        <p:cTn id="30" dur="1" fill="hold">
+                                          <p:stCondLst>
+                                            <p:cond delay="0"/>
+                                          </p:stCondLst>
+                                        </p:cTn>
+                                        <p:tgtEl>
+                                          <p:spTgt spid="3">
+                                            <p:txEl>
+                                              <p:pRg st="11" end="11"/>
+                                            </p:txEl>
+                                          </p:spTgt>
+                                        </p:tgtEl>
+                                        <p:attrNameLst>
+                                          <p:attrName>style.visibility</p:attrName>
+                                        </p:attrNameLst>
+                                      </p:cBhvr>
+                                      <p:to>
+                                        <p:strVal val="visible"/>
+                                      </p:to>
+                                    </p:set>
+                                  </p:childTnLst>
+                                </p:cTn>
+                              </p:par>
+                            </p:childTnLst>
+                          </p:cTn>
+                        </p:par>
+                      </p:childTnLst>
+                    </p:cTn>
+                  </p:par>
+                </p:childTnLst>
+              </p:cTn>
+              <p:prevCondLst>
+                <p:cond evt="onPrev" delay="0">
+                  <p:tgtEl>
+                    <p:sldTgt/>
+                  </p:tgtEl>
+                </p:cond>
+              </p:prevCondLst>
+              <p:nextCondLst>
+                <p:cond evt="onNext" delay="0">
+                  <p:tgtEl>
+                    <p:sldTgt/>
+                  </p:tgtEl>
+                </p:cond>
+              </p:nextCondLst>
+            </p:seq>
+          </p:childTnLst>
+        </p:cTn>
+      </p:par>
+    </p:tnLst>
+  </p:timing>
+</p:sld>
+</file>
+
+<file path=ppt/slides/slide41.xml><?xml version="1.0" encoding="utf-8"?>
 <p:sld xmlns:a="http://schemas.openxmlformats.org/drawingml/2006/main" xmlns:r="http://schemas.openxmlformats.org/officeDocument/2006/relationships" xmlns:p="http://schemas.openxmlformats.org/presentationml/2006/main">
   <p:cSld>
     <p:spTree>
@@ -33792,7 +34014,7 @@
 </p:sld>
 </file>
 
-<file path=ppt/slides/slide41.xml><?xml version="1.0" encoding="utf-8"?>
+<file path=ppt/slides/slide42.xml><?xml version="1.0" encoding="utf-8"?>
 <p:sld xmlns:a="http://schemas.openxmlformats.org/drawingml/2006/main" xmlns:r="http://schemas.openxmlformats.org/officeDocument/2006/relationships" xmlns:p="http://schemas.openxmlformats.org/presentationml/2006/main">
   <p:cSld>
     <p:spTree>
@@ -34769,7 +34991,7 @@
 </p:sld>
 </file>
 
-<file path=ppt/slides/slide42.xml><?xml version="1.0" encoding="utf-8"?>
+<file path=ppt/slides/slide43.xml><?xml version="1.0" encoding="utf-8"?>
 <p:sld xmlns:a="http://schemas.openxmlformats.org/drawingml/2006/main" xmlns:r="http://schemas.openxmlformats.org/officeDocument/2006/relationships" xmlns:p="http://schemas.openxmlformats.org/presentationml/2006/main">
   <p:cSld>
     <p:spTree>
@@ -35247,7 +35469,7 @@
                   <a:rPr lang="en-US" sz="2600" dirty="0">
                     <a:latin typeface="+mn-lt"/>
                   </a:rPr>
-                  <a:t>, the corresponding eigenvector is all 1’, </a:t>
+                  <a:t>, the corresponding eigenvector is all 1s, </a:t>
                 </a:r>
                 <a14:m>
                   <m:oMath xmlns:m="http://schemas.openxmlformats.org/officeDocument/2006/math">
@@ -35734,7 +35956,7 @@
 </p:sld>
 </file>
 
-<file path=ppt/slides/slide43.xml><?xml version="1.0" encoding="utf-8"?>
+<file path=ppt/slides/slide44.xml><?xml version="1.0" encoding="utf-8"?>
 <p:sld xmlns:a="http://schemas.openxmlformats.org/drawingml/2006/main" xmlns:r="http://schemas.openxmlformats.org/officeDocument/2006/relationships" xmlns:p="http://schemas.openxmlformats.org/presentationml/2006/main">
   <p:cSld>
     <p:spTree>
@@ -37013,7 +37235,7 @@
 </p:sld>
 </file>
 
-<file path=ppt/slides/slide44.xml><?xml version="1.0" encoding="utf-8"?>
+<file path=ppt/slides/slide45.xml><?xml version="1.0" encoding="utf-8"?>
 <p:sld xmlns:a="http://schemas.openxmlformats.org/drawingml/2006/main" xmlns:r="http://schemas.openxmlformats.org/officeDocument/2006/relationships" xmlns:p="http://schemas.openxmlformats.org/presentationml/2006/main">
   <p:cSld>
     <p:spTree>
@@ -37059,8 +37281,8 @@
           </a:p>
         </p:txBody>
       </p:sp>
-      <mc:AlternateContent xmlns:mc="http://schemas.openxmlformats.org/markup-compatibility/2006" xmlns:a14="http://schemas.microsoft.com/office/drawing/2010/main">
-        <mc:Choice Requires="a14">
+      <mc:AlternateContent xmlns:mc="http://schemas.openxmlformats.org/markup-compatibility/2006">
+        <mc:Choice xmlns:a14="http://schemas.microsoft.com/office/drawing/2010/main" Requires="a14">
           <p:sp>
             <p:nvSpPr>
               <p:cNvPr id="3" name="Content Placeholder 2"/>
@@ -37389,7 +37611,7 @@
                   <a:rPr lang="en-US" dirty="0">
                     <a:latin typeface="+mn-lt"/>
                   </a:rPr>
-                  <a:t>Apply clustering algorithm to the eigenvectors   </a:t>
+                  <a:t>Apply cut algorithm to the eigenvectors   </a:t>
                 </a:r>
               </a:p>
               <a:p>
@@ -37404,7 +37626,7 @@
             </p:txBody>
           </p:sp>
         </mc:Choice>
-        <mc:Fallback xmlns="">
+        <mc:Fallback>
           <p:sp>
             <p:nvSpPr>
               <p:cNvPr id="3" name="Content Placeholder 2"/>
@@ -37725,219 +37947,6 @@
 </p:sld>
 </file>
 
-<file path=ppt/slides/slide45.xml><?xml version="1.0" encoding="utf-8"?>
-<p:sld xmlns:a="http://schemas.openxmlformats.org/drawingml/2006/main" xmlns:r="http://schemas.openxmlformats.org/officeDocument/2006/relationships" xmlns:p="http://schemas.openxmlformats.org/presentationml/2006/main">
-  <p:cSld>
-    <p:spTree>
-      <p:nvGrpSpPr>
-        <p:cNvPr id="1" name=""/>
-        <p:cNvGrpSpPr/>
-        <p:nvPr/>
-      </p:nvGrpSpPr>
-      <p:grpSpPr>
-        <a:xfrm>
-          <a:off x="0" y="0"/>
-          <a:ext cx="0" cy="0"/>
-          <a:chOff x="0" y="0"/>
-          <a:chExt cx="0" cy="0"/>
-        </a:xfrm>
-      </p:grpSpPr>
-      <p:sp>
-        <p:nvSpPr>
-          <p:cNvPr id="2" name="Title 1"/>
-          <p:cNvSpPr>
-            <a:spLocks noGrp="1"/>
-          </p:cNvSpPr>
-          <p:nvPr>
-            <p:ph type="title"/>
-          </p:nvPr>
-        </p:nvSpPr>
-        <p:spPr>
-          <a:xfrm>
-            <a:off x="584200" y="221992"/>
-            <a:ext cx="10515600" cy="530954"/>
-          </a:xfrm>
-        </p:spPr>
-        <p:txBody>
-          <a:bodyPr>
-            <a:normAutofit fontScale="90000"/>
-          </a:bodyPr>
-          <a:lstStyle/>
-          <a:p>
-            <a:r>
-              <a:rPr lang="en-US" dirty="0"/>
-              <a:t>Spectral Clustering </a:t>
-            </a:r>
-          </a:p>
-        </p:txBody>
-      </p:sp>
-      <p:sp>
-        <p:nvSpPr>
-          <p:cNvPr id="3" name="Content Placeholder 2"/>
-          <p:cNvSpPr>
-            <a:spLocks noGrp="1"/>
-          </p:cNvSpPr>
-          <p:nvPr>
-            <p:ph sz="quarter" idx="10"/>
-          </p:nvPr>
-        </p:nvSpPr>
-        <p:spPr>
-          <a:xfrm>
-            <a:off x="537275" y="896079"/>
-            <a:ext cx="11321349" cy="5602877"/>
-          </a:xfrm>
-        </p:spPr>
-        <p:txBody>
-          <a:bodyPr>
-            <a:normAutofit lnSpcReduction="10000"/>
-          </a:bodyPr>
-          <a:lstStyle/>
-          <a:p>
-            <a:pPr marL="0" indent="0">
-              <a:buNone/>
-            </a:pPr>
-            <a:r>
-              <a:rPr lang="en-US" b="1" dirty="0">
-                <a:latin typeface="+mn-lt"/>
-              </a:rPr>
-              <a:t>Spectral clustering </a:t>
-            </a:r>
-            <a:r>
-              <a:rPr lang="en-US" dirty="0">
-                <a:latin typeface="+mn-lt"/>
-              </a:rPr>
-              <a:t>is a graph-based state of the art clustering method</a:t>
-            </a:r>
-          </a:p>
-          <a:p>
-            <a:r>
-              <a:rPr lang="en-US" dirty="0">
-                <a:latin typeface="+mn-lt"/>
-              </a:rPr>
-              <a:t>Spectral clustering follows these steps:  </a:t>
-            </a:r>
-          </a:p>
-          <a:p>
-            <a:pPr marL="914400" lvl="1" indent="-457200">
-              <a:buFont typeface="+mj-lt"/>
-              <a:buAutoNum type="arabicPeriod"/>
-            </a:pPr>
-            <a:r>
-              <a:rPr lang="en-US" sz="2800" dirty="0">
-                <a:latin typeface="Courier New" panose="02070309020205020404" pitchFamily="49" charset="0"/>
-                <a:cs typeface="Courier New" panose="02070309020205020404" pitchFamily="49" charset="0"/>
-              </a:rPr>
-              <a:t>Construct the association matrix </a:t>
-            </a:r>
-          </a:p>
-          <a:p>
-            <a:pPr marL="914400" lvl="1" indent="-457200">
-              <a:buFont typeface="+mj-lt"/>
-              <a:buAutoNum type="arabicPeriod"/>
-            </a:pPr>
-            <a:r>
-              <a:rPr lang="en-US" sz="2800" dirty="0">
-                <a:latin typeface="Courier New" panose="02070309020205020404" pitchFamily="49" charset="0"/>
-                <a:cs typeface="Courier New" panose="02070309020205020404" pitchFamily="49" charset="0"/>
-              </a:rPr>
-              <a:t>Compute the graph Laplacian from the association matrix  </a:t>
-            </a:r>
-          </a:p>
-          <a:p>
-            <a:pPr marL="914400" lvl="1" indent="-457200">
-              <a:buFont typeface="+mj-lt"/>
-              <a:buAutoNum type="arabicPeriod"/>
-            </a:pPr>
-            <a:r>
-              <a:rPr lang="en-US" sz="2800" dirty="0">
-                <a:latin typeface="Courier New" panose="02070309020205020404" pitchFamily="49" charset="0"/>
-                <a:cs typeface="Courier New" panose="02070309020205020404" pitchFamily="49" charset="0"/>
-              </a:rPr>
-              <a:t>Factor the graph Laplacian  </a:t>
-            </a:r>
-          </a:p>
-          <a:p>
-            <a:pPr marL="914400" lvl="1" indent="-457200">
-              <a:buFont typeface="+mj-lt"/>
-              <a:buAutoNum type="arabicPeriod"/>
-            </a:pPr>
-            <a:r>
-              <a:rPr lang="en-US" sz="2800" dirty="0">
-                <a:latin typeface="Courier New" panose="02070309020205020404" pitchFamily="49" charset="0"/>
-                <a:cs typeface="Courier New" panose="02070309020205020404" pitchFamily="49" charset="0"/>
-              </a:rPr>
-              <a:t>Partition the graph by k eigenvectors </a:t>
-            </a:r>
-          </a:p>
-          <a:p>
-            <a:pPr marL="914400" lvl="1" indent="-457200">
-              <a:buFont typeface="+mj-lt"/>
-              <a:buAutoNum type="arabicPeriod"/>
-            </a:pPr>
-            <a:r>
-              <a:rPr lang="en-US" sz="2800" dirty="0">
-                <a:latin typeface="Courier New" panose="02070309020205020404" pitchFamily="49" charset="0"/>
-                <a:cs typeface="Courier New" panose="02070309020205020404" pitchFamily="49" charset="0"/>
-              </a:rPr>
-              <a:t>Apply clustering algorithm to eigenvectors</a:t>
-            </a:r>
-          </a:p>
-          <a:p>
-            <a:r>
-              <a:rPr lang="en-US" dirty="0">
-                <a:latin typeface="+mn-lt"/>
-              </a:rPr>
-              <a:t>In summary, spectral clustering constructs clusters on the orthogonal projection of the Laplacian matrix   </a:t>
-            </a:r>
-          </a:p>
-          <a:p>
-            <a:endParaRPr lang="en-US" sz="2800" dirty="0">
-              <a:latin typeface="+mn-lt"/>
-            </a:endParaRPr>
-          </a:p>
-          <a:p>
-            <a:pPr marL="0" indent="0">
-              <a:buNone/>
-            </a:pPr>
-            <a:r>
-              <a:rPr lang="en-US" sz="2400" dirty="0">
-                <a:latin typeface="+mn-lt"/>
-              </a:rPr>
-              <a:t>For a rigorous introduction to spectral clustering see </a:t>
-            </a:r>
-            <a:r>
-              <a:rPr lang="en-US" sz="2400" dirty="0">
-                <a:latin typeface="+mn-lt"/>
-                <a:hlinkClick r:id="rId3"/>
-              </a:rPr>
-              <a:t>this tutorial article by von </a:t>
-            </a:r>
-            <a:r>
-              <a:rPr lang="en-US" sz="2400" dirty="0" err="1">
-                <a:latin typeface="+mn-lt"/>
-                <a:hlinkClick r:id="rId3"/>
-              </a:rPr>
-              <a:t>Luxburg</a:t>
-            </a:r>
-            <a:endParaRPr lang="en-US" sz="2400" dirty="0">
-              <a:latin typeface="+mn-lt"/>
-            </a:endParaRPr>
-          </a:p>
-        </p:txBody>
-      </p:sp>
-    </p:spTree>
-    <p:extLst>
-      <p:ext uri="{BB962C8B-B14F-4D97-AF65-F5344CB8AC3E}">
-        <p14:creationId xmlns:p14="http://schemas.microsoft.com/office/powerpoint/2010/main" val="809140792"/>
-      </p:ext>
-    </p:extLst>
-  </p:cSld>
-  <p:clrMapOvr>
-    <a:masterClrMapping/>
-  </p:clrMapOvr>
-</p:sld>
-</file>
-
 <file path=ppt/slides/slide46.xml><?xml version="1.0" encoding="utf-8"?>
 <p:sld xmlns:a="http://schemas.openxmlformats.org/drawingml/2006/main" xmlns:r="http://schemas.openxmlformats.org/officeDocument/2006/relationships" xmlns:p="http://schemas.openxmlformats.org/presentationml/2006/main">
   <p:cSld>
@@ -37979,7 +37988,7 @@
           <a:p>
             <a:r>
               <a:rPr lang="en-US" dirty="0"/>
-              <a:t>Summary</a:t>
+              <a:t>Spectral Clustering </a:t>
             </a:r>
           </a:p>
         </p:txBody>
@@ -37996,124 +38005,152 @@
         </p:nvSpPr>
         <p:spPr>
           <a:xfrm>
-            <a:off x="333375" y="896079"/>
-            <a:ext cx="11525250" cy="5290388"/>
+            <a:off x="537275" y="896079"/>
+            <a:ext cx="11321349" cy="5602877"/>
           </a:xfrm>
         </p:spPr>
         <p:txBody>
           <a:bodyPr>
-            <a:normAutofit/>
+            <a:normAutofit lnSpcReduction="10000"/>
           </a:bodyPr>
           <a:lstStyle/>
           <a:p>
-            <a:r>
-              <a:rPr lang="en-US" sz="2800" dirty="0">
+            <a:pPr marL="0" indent="0">
+              <a:buNone/>
+            </a:pPr>
+            <a:r>
+              <a:rPr lang="en-US" b="1" dirty="0">
                 <a:latin typeface="+mn-lt"/>
               </a:rPr>
-              <a:t>Unsupervised learning methods </a:t>
-            </a:r>
-            <a:r>
-              <a:rPr lang="en-US" sz="2800" b="1" dirty="0">
+              <a:t>Spectral clustering </a:t>
+            </a:r>
+            <a:r>
+              <a:rPr lang="en-US" dirty="0">
                 <a:latin typeface="+mn-lt"/>
               </a:rPr>
-              <a:t>learn structure of data</a:t>
-            </a:r>
-            <a:endParaRPr lang="en-US" b="1" dirty="0">
-              <a:latin typeface="+mn-lt"/>
-            </a:endParaRPr>
-          </a:p>
-          <a:p>
-            <a:pPr lvl="1"/>
-            <a:r>
-              <a:rPr lang="en-US" sz="2800" dirty="0">
+              <a:t>is a graph-based state of the art clustering method</a:t>
+            </a:r>
+          </a:p>
+          <a:p>
+            <a:r>
+              <a:rPr lang="en-US" dirty="0">
                 <a:latin typeface="+mn-lt"/>
               </a:rPr>
-              <a:t>Structure is learned by determining </a:t>
-            </a:r>
-            <a:r>
-              <a:rPr lang="en-US" sz="2800" b="1" dirty="0">
+              <a:t>Spectral clustering follows these steps:  </a:t>
+            </a:r>
+          </a:p>
+          <a:p>
+            <a:pPr marL="914400" lvl="1" indent="-457200">
+              <a:buFont typeface="+mj-lt"/>
+              <a:buAutoNum type="arabicPeriod"/>
+            </a:pPr>
+            <a:r>
+              <a:rPr lang="en-US" sz="2800" dirty="0">
+                <a:latin typeface="Courier New" panose="02070309020205020404" pitchFamily="49" charset="0"/>
+                <a:cs typeface="Courier New" panose="02070309020205020404" pitchFamily="49" charset="0"/>
+              </a:rPr>
+              <a:t>Construct the association matrix </a:t>
+            </a:r>
+          </a:p>
+          <a:p>
+            <a:pPr marL="914400" lvl="1" indent="-457200">
+              <a:buFont typeface="+mj-lt"/>
+              <a:buAutoNum type="arabicPeriod"/>
+            </a:pPr>
+            <a:r>
+              <a:rPr lang="en-US" sz="2800" dirty="0">
+                <a:latin typeface="Courier New" panose="02070309020205020404" pitchFamily="49" charset="0"/>
+                <a:cs typeface="Courier New" panose="02070309020205020404" pitchFamily="49" charset="0"/>
+              </a:rPr>
+              <a:t>Compute the graph Laplacian from the association matrix  </a:t>
+            </a:r>
+          </a:p>
+          <a:p>
+            <a:pPr marL="914400" lvl="1" indent="-457200">
+              <a:buFont typeface="+mj-lt"/>
+              <a:buAutoNum type="arabicPeriod"/>
+            </a:pPr>
+            <a:r>
+              <a:rPr lang="en-US" sz="2800" dirty="0">
+                <a:latin typeface="Courier New" panose="02070309020205020404" pitchFamily="49" charset="0"/>
+                <a:cs typeface="Courier New" panose="02070309020205020404" pitchFamily="49" charset="0"/>
+              </a:rPr>
+              <a:t>Factor the graph Laplacian  </a:t>
+            </a:r>
+          </a:p>
+          <a:p>
+            <a:pPr marL="914400" lvl="1" indent="-457200">
+              <a:buFont typeface="+mj-lt"/>
+              <a:buAutoNum type="arabicPeriod"/>
+            </a:pPr>
+            <a:r>
+              <a:rPr lang="en-US" sz="2800" dirty="0">
+                <a:latin typeface="Courier New" panose="02070309020205020404" pitchFamily="49" charset="0"/>
+                <a:cs typeface="Courier New" panose="02070309020205020404" pitchFamily="49" charset="0"/>
+              </a:rPr>
+              <a:t>Partition the graph by k eigenvectors </a:t>
+            </a:r>
+          </a:p>
+          <a:p>
+            <a:pPr marL="914400" lvl="1" indent="-457200">
+              <a:buFont typeface="+mj-lt"/>
+              <a:buAutoNum type="arabicPeriod"/>
+            </a:pPr>
+            <a:r>
+              <a:rPr lang="en-US" sz="2800" dirty="0">
+                <a:latin typeface="Courier New" panose="02070309020205020404" pitchFamily="49" charset="0"/>
+                <a:cs typeface="Courier New" panose="02070309020205020404" pitchFamily="49" charset="0"/>
+              </a:rPr>
+              <a:t>Apply cut algorithm to eigenvectors</a:t>
+            </a:r>
+          </a:p>
+          <a:p>
+            <a:r>
+              <a:rPr lang="en-US" dirty="0">
                 <a:latin typeface="+mn-lt"/>
               </a:rPr>
-              <a:t>association</a:t>
-            </a:r>
-            <a:r>
-              <a:rPr lang="en-US" sz="2800" dirty="0">
-                <a:latin typeface="+mn-lt"/>
-              </a:rPr>
-              <a:t> between cases</a:t>
-            </a:r>
-          </a:p>
-          <a:p>
-            <a:pPr lvl="1"/>
-            <a:r>
-              <a:rPr lang="en-US" sz="2800" dirty="0">
-                <a:latin typeface="+mn-lt"/>
-              </a:rPr>
-              <a:t>Association based on </a:t>
-            </a:r>
-            <a:r>
-              <a:rPr lang="en-US" sz="2800" b="1" dirty="0">
-                <a:latin typeface="+mn-lt"/>
-              </a:rPr>
-              <a:t>measures of proximity, distance or dissimilarity</a:t>
-            </a:r>
+              <a:t>In summary, spectral clustering constructs clusters on the orthogonal projections of the Laplacian matrix   </a:t>
+            </a:r>
+          </a:p>
+          <a:p>
             <a:endParaRPr lang="en-US" sz="2800" dirty="0">
               <a:latin typeface="+mn-lt"/>
             </a:endParaRPr>
           </a:p>
           <a:p>
-            <a:r>
-              <a:rPr lang="en-US" dirty="0">
+            <a:pPr marL="0" indent="0">
+              <a:buNone/>
+            </a:pPr>
+            <a:r>
+              <a:rPr lang="en-US" sz="2400" dirty="0">
                 <a:latin typeface="+mn-lt"/>
               </a:rPr>
-              <a:t>Clustering algorithms are </a:t>
-            </a:r>
-            <a:r>
-              <a:rPr lang="en-US" b="1" dirty="0">
+              <a:t>For a rigorous introduction to spectral clustering see </a:t>
+            </a:r>
+            <a:r>
+              <a:rPr lang="en-US" sz="2400" dirty="0">
                 <a:latin typeface="+mn-lt"/>
+                <a:hlinkClick r:id="rId3"/>
               </a:rPr>
-              <a:t>data mining methods</a:t>
-            </a:r>
-          </a:p>
-          <a:p>
-            <a:pPr lvl="1"/>
-            <a:r>
-              <a:rPr lang="en-US" dirty="0">
+              <a:t>this tutorial article by von </a:t>
+            </a:r>
+            <a:r>
+              <a:rPr lang="en-US" sz="2400" dirty="0" err="1">
                 <a:latin typeface="+mn-lt"/>
+                <a:hlinkClick r:id="rId3"/>
               </a:rPr>
-              <a:t>Data mining seeks to find interesting relationships in data</a:t>
-            </a:r>
-          </a:p>
-          <a:p>
-            <a:pPr lvl="1"/>
-            <a:r>
-              <a:rPr lang="en-US" dirty="0">
-                <a:latin typeface="+mn-lt"/>
-              </a:rPr>
-              <a:t>We have already encountered feature importance as a data mining method</a:t>
-            </a:r>
-          </a:p>
-          <a:p>
-            <a:pPr lvl="1"/>
-            <a:endParaRPr lang="en-US" sz="2800" dirty="0">
+              <a:t>Luxburg</a:t>
+            </a:r>
+            <a:endParaRPr lang="en-US" sz="2400" dirty="0">
               <a:latin typeface="+mn-lt"/>
             </a:endParaRPr>
-          </a:p>
-          <a:p>
-            <a:endParaRPr lang="en-US" sz="2800" dirty="0">
-              <a:latin typeface="+mn-lt"/>
-            </a:endParaRPr>
-          </a:p>
-          <a:p>
-            <a:pPr lvl="1"/>
-            <a:endParaRPr lang="en-US" dirty="0"/>
           </a:p>
         </p:txBody>
       </p:sp>
     </p:spTree>
     <p:extLst>
       <p:ext uri="{BB962C8B-B14F-4D97-AF65-F5344CB8AC3E}">
-        <p14:creationId xmlns:p14="http://schemas.microsoft.com/office/powerpoint/2010/main" val="345766989"/>
+        <p14:creationId xmlns:p14="http://schemas.microsoft.com/office/powerpoint/2010/main" val="809140792"/>
       </p:ext>
     </p:extLst>
   </p:cSld>
@@ -38192,88 +38229,100 @@
           <a:lstStyle/>
           <a:p>
             <a:r>
+              <a:rPr lang="en-US" sz="2800" dirty="0">
+                <a:latin typeface="+mn-lt"/>
+              </a:rPr>
+              <a:t>Unsupervised learning methods </a:t>
+            </a:r>
+            <a:r>
+              <a:rPr lang="en-US" sz="2800" b="1" dirty="0">
+                <a:latin typeface="+mn-lt"/>
+              </a:rPr>
+              <a:t>learn structure of data</a:t>
+            </a:r>
+            <a:endParaRPr lang="en-US" b="1" dirty="0">
+              <a:latin typeface="+mn-lt"/>
+            </a:endParaRPr>
+          </a:p>
+          <a:p>
+            <a:pPr lvl="1"/>
+            <a:r>
+              <a:rPr lang="en-US" sz="2800" dirty="0">
+                <a:latin typeface="+mn-lt"/>
+              </a:rPr>
+              <a:t>Structure is learned by determining </a:t>
+            </a:r>
+            <a:r>
+              <a:rPr lang="en-US" sz="2800" b="1" dirty="0">
+                <a:latin typeface="+mn-lt"/>
+              </a:rPr>
+              <a:t>association</a:t>
+            </a:r>
+            <a:r>
+              <a:rPr lang="en-US" sz="2800" dirty="0">
+                <a:latin typeface="+mn-lt"/>
+              </a:rPr>
+              <a:t> between cases</a:t>
+            </a:r>
+          </a:p>
+          <a:p>
+            <a:pPr lvl="1"/>
+            <a:r>
+              <a:rPr lang="en-US" sz="2800" dirty="0">
+                <a:latin typeface="+mn-lt"/>
+              </a:rPr>
+              <a:t>Association based on </a:t>
+            </a:r>
+            <a:r>
+              <a:rPr lang="en-US" sz="2800" b="1" dirty="0">
+                <a:latin typeface="+mn-lt"/>
+              </a:rPr>
+              <a:t>measures of proximity, distance or dissimilarity</a:t>
+            </a:r>
+            <a:endParaRPr lang="en-US" sz="2800" dirty="0">
+              <a:latin typeface="+mn-lt"/>
+            </a:endParaRPr>
+          </a:p>
+          <a:p>
+            <a:r>
               <a:rPr lang="en-US" dirty="0">
                 <a:latin typeface="+mn-lt"/>
               </a:rPr>
-              <a:t>Algorithms can use different </a:t>
+              <a:t>Clustering algorithms are </a:t>
             </a:r>
             <a:r>
               <a:rPr lang="en-US" b="1" dirty="0">
                 <a:latin typeface="+mn-lt"/>
               </a:rPr>
-              <a:t>distance or dissimilarity metrics</a:t>
+              <a:t>data mining methods</a:t>
             </a:r>
           </a:p>
           <a:p>
             <a:pPr lvl="1"/>
-            <a:r>
-              <a:rPr lang="en-US" sz="2800" dirty="0">
-                <a:latin typeface="+mn-lt"/>
-              </a:rPr>
-              <a:t>Structure based on distance metrics</a:t>
-            </a:r>
-          </a:p>
-          <a:p>
-            <a:pPr lvl="1"/>
-            <a:r>
-              <a:rPr lang="en-US" sz="2800" dirty="0">
-                <a:latin typeface="+mn-lt"/>
-              </a:rPr>
-              <a:t>Different algorithms use different metrics</a:t>
-            </a:r>
-            <a:endParaRPr lang="en-US" dirty="0">
-              <a:latin typeface="+mn-lt"/>
-            </a:endParaRPr>
-          </a:p>
-          <a:p>
             <a:r>
               <a:rPr lang="en-US" dirty="0">
                 <a:latin typeface="+mn-lt"/>
               </a:rPr>
-              <a:t>What are the ideal properties of clusters?  </a:t>
-            </a:r>
-          </a:p>
-          <a:p>
+              <a:t>Data mining seeks to find interesting relationships in data</a:t>
+            </a:r>
+          </a:p>
+          <a:p>
+            <a:pPr lvl="1"/>
             <a:r>
               <a:rPr lang="en-US" dirty="0">
                 <a:latin typeface="+mn-lt"/>
               </a:rPr>
-              <a:t>Good clusters have two properties</a:t>
+              <a:t>We have already encountered feature importance as a data mining method</a:t>
             </a:r>
           </a:p>
           <a:p>
             <a:pPr lvl="1"/>
-            <a:r>
-              <a:rPr lang="en-US" sz="2800" b="1" dirty="0">
-                <a:latin typeface="+mn-lt"/>
-              </a:rPr>
-              <a:t>Compactness: </a:t>
-            </a:r>
-            <a:r>
-              <a:rPr lang="en-US" sz="2800" dirty="0">
-                <a:latin typeface="+mn-lt"/>
-              </a:rPr>
-              <a:t>We what the clusters to be small with members close to each other</a:t>
-            </a:r>
-          </a:p>
-          <a:p>
-            <a:pPr lvl="1"/>
-            <a:r>
-              <a:rPr lang="en-US" sz="2800" b="1" dirty="0">
-                <a:latin typeface="+mn-lt"/>
-              </a:rPr>
-              <a:t>Separation</a:t>
-            </a:r>
-            <a:r>
-              <a:rPr lang="en-US" sz="2800" dirty="0">
-                <a:latin typeface="+mn-lt"/>
-              </a:rPr>
-              <a:t>: We want the clusters are well separated, a closeness property</a:t>
-            </a:r>
-          </a:p>
-          <a:p>
-            <a:pPr lvl="1"/>
-            <a:endParaRPr lang="en-US" dirty="0">
+            <a:endParaRPr lang="en-US" sz="2800" dirty="0">
+              <a:latin typeface="+mn-lt"/>
+            </a:endParaRPr>
+          </a:p>
+          <a:p>
+            <a:endParaRPr lang="en-US" sz="2800" dirty="0">
               <a:latin typeface="+mn-lt"/>
             </a:endParaRPr>
           </a:p>
@@ -38286,7 +38335,7 @@
     </p:spTree>
     <p:extLst>
       <p:ext uri="{BB962C8B-B14F-4D97-AF65-F5344CB8AC3E}">
-        <p14:creationId xmlns:p14="http://schemas.microsoft.com/office/powerpoint/2010/main" val="2620350884"/>
+        <p14:creationId xmlns:p14="http://schemas.microsoft.com/office/powerpoint/2010/main" val="345766989"/>
       </p:ext>
     </p:extLst>
   </p:cSld>
@@ -38368,6 +38417,179 @@
               <a:rPr lang="en-US" dirty="0">
                 <a:latin typeface="+mn-lt"/>
               </a:rPr>
+              <a:t>Algorithms can use different </a:t>
+            </a:r>
+            <a:r>
+              <a:rPr lang="en-US" b="1" dirty="0">
+                <a:latin typeface="+mn-lt"/>
+              </a:rPr>
+              <a:t>distance or dissimilarity metrics</a:t>
+            </a:r>
+          </a:p>
+          <a:p>
+            <a:pPr lvl="1"/>
+            <a:r>
+              <a:rPr lang="en-US" sz="2800" dirty="0">
+                <a:latin typeface="+mn-lt"/>
+              </a:rPr>
+              <a:t>Structure based on distance metrics</a:t>
+            </a:r>
+          </a:p>
+          <a:p>
+            <a:pPr lvl="1"/>
+            <a:r>
+              <a:rPr lang="en-US" sz="2800" dirty="0">
+                <a:latin typeface="+mn-lt"/>
+              </a:rPr>
+              <a:t>Different algorithms use different metrics</a:t>
+            </a:r>
+            <a:endParaRPr lang="en-US" dirty="0">
+              <a:latin typeface="+mn-lt"/>
+            </a:endParaRPr>
+          </a:p>
+          <a:p>
+            <a:r>
+              <a:rPr lang="en-US" dirty="0">
+                <a:latin typeface="+mn-lt"/>
+              </a:rPr>
+              <a:t>What are the ideal properties of clusters?  </a:t>
+            </a:r>
+          </a:p>
+          <a:p>
+            <a:r>
+              <a:rPr lang="en-US" dirty="0">
+                <a:latin typeface="+mn-lt"/>
+              </a:rPr>
+              <a:t>Good clusters have two properties</a:t>
+            </a:r>
+          </a:p>
+          <a:p>
+            <a:pPr lvl="1"/>
+            <a:r>
+              <a:rPr lang="en-US" sz="2800" b="1" dirty="0">
+                <a:latin typeface="+mn-lt"/>
+              </a:rPr>
+              <a:t>Compactness: </a:t>
+            </a:r>
+            <a:r>
+              <a:rPr lang="en-US" sz="2800" dirty="0">
+                <a:latin typeface="+mn-lt"/>
+              </a:rPr>
+              <a:t>We what the clusters to be small with members close to each other</a:t>
+            </a:r>
+          </a:p>
+          <a:p>
+            <a:pPr lvl="1"/>
+            <a:r>
+              <a:rPr lang="en-US" sz="2800" b="1" dirty="0">
+                <a:latin typeface="+mn-lt"/>
+              </a:rPr>
+              <a:t>Separation</a:t>
+            </a:r>
+            <a:r>
+              <a:rPr lang="en-US" sz="2800" dirty="0">
+                <a:latin typeface="+mn-lt"/>
+              </a:rPr>
+              <a:t>: We want the clusters are well separated, a closeness property</a:t>
+            </a:r>
+          </a:p>
+          <a:p>
+            <a:pPr lvl="1"/>
+            <a:endParaRPr lang="en-US" dirty="0">
+              <a:latin typeface="+mn-lt"/>
+            </a:endParaRPr>
+          </a:p>
+          <a:p>
+            <a:pPr lvl="1"/>
+            <a:endParaRPr lang="en-US" dirty="0"/>
+          </a:p>
+        </p:txBody>
+      </p:sp>
+    </p:spTree>
+    <p:extLst>
+      <p:ext uri="{BB962C8B-B14F-4D97-AF65-F5344CB8AC3E}">
+        <p14:creationId xmlns:p14="http://schemas.microsoft.com/office/powerpoint/2010/main" val="2620350884"/>
+      </p:ext>
+    </p:extLst>
+  </p:cSld>
+  <p:clrMapOvr>
+    <a:masterClrMapping/>
+  </p:clrMapOvr>
+</p:sld>
+</file>
+
+<file path=ppt/slides/slide49.xml><?xml version="1.0" encoding="utf-8"?>
+<p:sld xmlns:a="http://schemas.openxmlformats.org/drawingml/2006/main" xmlns:r="http://schemas.openxmlformats.org/officeDocument/2006/relationships" xmlns:p="http://schemas.openxmlformats.org/presentationml/2006/main">
+  <p:cSld>
+    <p:spTree>
+      <p:nvGrpSpPr>
+        <p:cNvPr id="1" name=""/>
+        <p:cNvGrpSpPr/>
+        <p:nvPr/>
+      </p:nvGrpSpPr>
+      <p:grpSpPr>
+        <a:xfrm>
+          <a:off x="0" y="0"/>
+          <a:ext cx="0" cy="0"/>
+          <a:chOff x="0" y="0"/>
+          <a:chExt cx="0" cy="0"/>
+        </a:xfrm>
+      </p:grpSpPr>
+      <p:sp>
+        <p:nvSpPr>
+          <p:cNvPr id="2" name="Title 1"/>
+          <p:cNvSpPr>
+            <a:spLocks noGrp="1"/>
+          </p:cNvSpPr>
+          <p:nvPr>
+            <p:ph type="title"/>
+          </p:nvPr>
+        </p:nvSpPr>
+        <p:spPr>
+          <a:xfrm>
+            <a:off x="584200" y="221992"/>
+            <a:ext cx="10515600" cy="530954"/>
+          </a:xfrm>
+        </p:spPr>
+        <p:txBody>
+          <a:bodyPr>
+            <a:normAutofit fontScale="90000"/>
+          </a:bodyPr>
+          <a:lstStyle/>
+          <a:p>
+            <a:r>
+              <a:rPr lang="en-US" dirty="0"/>
+              <a:t>Summary</a:t>
+            </a:r>
+          </a:p>
+        </p:txBody>
+      </p:sp>
+      <p:sp>
+        <p:nvSpPr>
+          <p:cNvPr id="3" name="Content Placeholder 2"/>
+          <p:cNvSpPr>
+            <a:spLocks noGrp="1"/>
+          </p:cNvSpPr>
+          <p:nvPr>
+            <p:ph sz="quarter" idx="10"/>
+          </p:nvPr>
+        </p:nvSpPr>
+        <p:spPr>
+          <a:xfrm>
+            <a:off x="333375" y="896079"/>
+            <a:ext cx="11525250" cy="5290388"/>
+          </a:xfrm>
+        </p:spPr>
+        <p:txBody>
+          <a:bodyPr>
+            <a:normAutofit/>
+          </a:bodyPr>
+          <a:lstStyle/>
+          <a:p>
+            <a:r>
+              <a:rPr lang="en-US" dirty="0">
+                <a:latin typeface="+mn-lt"/>
+              </a:rPr>
               <a:t>Different models and dissimilarity metrics will give different results</a:t>
             </a:r>
           </a:p>
@@ -38478,7 +38700,404 @@
 </p:sld>
 </file>
 
-<file path=ppt/slides/slide49.xml><?xml version="1.0" encoding="utf-8"?>
+<file path=ppt/slides/slide5.xml><?xml version="1.0" encoding="utf-8"?>
+<p:sld xmlns:a="http://schemas.openxmlformats.org/drawingml/2006/main" xmlns:r="http://schemas.openxmlformats.org/officeDocument/2006/relationships" xmlns:p="http://schemas.openxmlformats.org/presentationml/2006/main">
+  <p:cSld>
+    <p:spTree>
+      <p:nvGrpSpPr>
+        <p:cNvPr id="1" name=""/>
+        <p:cNvGrpSpPr/>
+        <p:nvPr/>
+      </p:nvGrpSpPr>
+      <p:grpSpPr>
+        <a:xfrm>
+          <a:off x="0" y="0"/>
+          <a:ext cx="0" cy="0"/>
+          <a:chOff x="0" y="0"/>
+          <a:chExt cx="0" cy="0"/>
+        </a:xfrm>
+      </p:grpSpPr>
+      <p:sp>
+        <p:nvSpPr>
+          <p:cNvPr id="2" name="Title 1"/>
+          <p:cNvSpPr>
+            <a:spLocks noGrp="1"/>
+          </p:cNvSpPr>
+          <p:nvPr>
+            <p:ph type="title"/>
+          </p:nvPr>
+        </p:nvSpPr>
+        <p:spPr>
+          <a:xfrm>
+            <a:off x="584200" y="221992"/>
+            <a:ext cx="11404600" cy="530954"/>
+          </a:xfrm>
+        </p:spPr>
+        <p:txBody>
+          <a:bodyPr>
+            <a:noAutofit/>
+          </a:bodyPr>
+          <a:lstStyle/>
+          <a:p>
+            <a:r>
+              <a:rPr lang="en-US" sz="3200" dirty="0"/>
+              <a:t>What Could Possibly Go Wrong? </a:t>
+            </a:r>
+            <a:r>
+              <a:rPr lang="en-US" sz="4000" dirty="0">
+                <a:latin typeface="Script MT Bold" panose="03040602040607080904" pitchFamily="66" charset="0"/>
+              </a:rPr>
+              <a:t>Curse of Dimensionality</a:t>
+            </a:r>
+          </a:p>
+        </p:txBody>
+      </p:sp>
+      <p:sp>
+        <p:nvSpPr>
+          <p:cNvPr id="3" name="Content Placeholder 2"/>
+          <p:cNvSpPr>
+            <a:spLocks noGrp="1"/>
+          </p:cNvSpPr>
+          <p:nvPr>
+            <p:ph sz="quarter" idx="10"/>
+          </p:nvPr>
+        </p:nvSpPr>
+        <p:spPr>
+          <a:xfrm>
+            <a:off x="537275" y="896079"/>
+            <a:ext cx="11321349" cy="5602877"/>
+          </a:xfrm>
+        </p:spPr>
+        <p:txBody>
+          <a:bodyPr>
+            <a:normAutofit/>
+          </a:bodyPr>
+          <a:lstStyle/>
+          <a:p>
+            <a:pPr marL="0" indent="0">
+              <a:buNone/>
+            </a:pPr>
+            <a:r>
+              <a:rPr lang="en-US" dirty="0">
+                <a:latin typeface="+mn-lt"/>
+              </a:rPr>
+              <a:t>The curse of dimensionality means that all clusters are the same in high dimensions</a:t>
+            </a:r>
+          </a:p>
+          <a:p>
+            <a:r>
+              <a:rPr lang="en-US" dirty="0">
+                <a:latin typeface="+mn-lt"/>
+              </a:rPr>
+              <a:t>Sampling density decreases exponentially   </a:t>
+            </a:r>
+          </a:p>
+          <a:p>
+            <a:r>
+              <a:rPr lang="en-US" dirty="0">
+                <a:latin typeface="+mn-lt"/>
+              </a:rPr>
+              <a:t>Distances converge to the same size in a high dimensional space  </a:t>
+            </a:r>
+          </a:p>
+          <a:p>
+            <a:r>
+              <a:rPr lang="en-US" sz="2800" dirty="0">
+                <a:latin typeface="+mn-lt"/>
+              </a:rPr>
+              <a:t>The choice of metric does not help </a:t>
+            </a:r>
+          </a:p>
+          <a:p>
+            <a:pPr lvl="1"/>
+            <a:r>
+              <a:rPr lang="en-US" b="1" dirty="0">
+                <a:latin typeface="+mn-lt"/>
+              </a:rPr>
+              <a:t>All distances are the same in high dimensions!  </a:t>
+            </a:r>
+          </a:p>
+          <a:p>
+            <a:r>
+              <a:rPr lang="en-US" dirty="0">
+                <a:latin typeface="+mn-lt"/>
+              </a:rPr>
+              <a:t>Implication is that high-dimensional cluster models are easy to overfit!!</a:t>
+            </a:r>
+          </a:p>
+        </p:txBody>
+      </p:sp>
+    </p:spTree>
+    <p:extLst>
+      <p:ext uri="{BB962C8B-B14F-4D97-AF65-F5344CB8AC3E}">
+        <p14:creationId xmlns:p14="http://schemas.microsoft.com/office/powerpoint/2010/main" val="3920829184"/>
+      </p:ext>
+    </p:extLst>
+  </p:cSld>
+  <p:clrMapOvr>
+    <a:masterClrMapping/>
+  </p:clrMapOvr>
+  <p:timing>
+    <p:tnLst>
+      <p:par>
+        <p:cTn id="1" dur="indefinite" restart="never" nodeType="tmRoot">
+          <p:childTnLst>
+            <p:seq concurrent="1" nextAc="seek">
+              <p:cTn id="2" dur="indefinite" nodeType="mainSeq">
+                <p:childTnLst>
+                  <p:par>
+                    <p:cTn id="3" fill="hold">
+                      <p:stCondLst>
+                        <p:cond delay="indefinite"/>
+                      </p:stCondLst>
+                      <p:childTnLst>
+                        <p:par>
+                          <p:cTn id="4" fill="hold">
+                            <p:stCondLst>
+                              <p:cond delay="0"/>
+                            </p:stCondLst>
+                            <p:childTnLst>
+                              <p:par>
+                                <p:cTn id="5" presetID="1" presetClass="entr" presetSubtype="0" fill="hold" nodeType="clickEffect">
+                                  <p:stCondLst>
+                                    <p:cond delay="0"/>
+                                  </p:stCondLst>
+                                  <p:childTnLst>
+                                    <p:set>
+                                      <p:cBhvr>
+                                        <p:cTn id="6" dur="1" fill="hold">
+                                          <p:stCondLst>
+                                            <p:cond delay="0"/>
+                                          </p:stCondLst>
+                                        </p:cTn>
+                                        <p:tgtEl>
+                                          <p:spTgt spid="3">
+                                            <p:txEl>
+                                              <p:pRg st="1" end="1"/>
+                                            </p:txEl>
+                                          </p:spTgt>
+                                        </p:tgtEl>
+                                        <p:attrNameLst>
+                                          <p:attrName>style.visibility</p:attrName>
+                                        </p:attrNameLst>
+                                      </p:cBhvr>
+                                      <p:to>
+                                        <p:strVal val="visible"/>
+                                      </p:to>
+                                    </p:set>
+                                  </p:childTnLst>
+                                </p:cTn>
+                              </p:par>
+                            </p:childTnLst>
+                          </p:cTn>
+                        </p:par>
+                      </p:childTnLst>
+                    </p:cTn>
+                  </p:par>
+                  <p:par>
+                    <p:cTn id="7" fill="hold">
+                      <p:stCondLst>
+                        <p:cond delay="indefinite"/>
+                      </p:stCondLst>
+                      <p:childTnLst>
+                        <p:par>
+                          <p:cTn id="8" fill="hold">
+                            <p:stCondLst>
+                              <p:cond delay="0"/>
+                            </p:stCondLst>
+                            <p:childTnLst>
+                              <p:par>
+                                <p:cTn id="9" presetID="1" presetClass="entr" presetSubtype="0" fill="hold" nodeType="clickEffect">
+                                  <p:stCondLst>
+                                    <p:cond delay="0"/>
+                                  </p:stCondLst>
+                                  <p:childTnLst>
+                                    <p:set>
+                                      <p:cBhvr>
+                                        <p:cTn id="10" dur="1" fill="hold">
+                                          <p:stCondLst>
+                                            <p:cond delay="0"/>
+                                          </p:stCondLst>
+                                        </p:cTn>
+                                        <p:tgtEl>
+                                          <p:spTgt spid="3">
+                                            <p:txEl>
+                                              <p:pRg st="2" end="2"/>
+                                            </p:txEl>
+                                          </p:spTgt>
+                                        </p:tgtEl>
+                                        <p:attrNameLst>
+                                          <p:attrName>style.visibility</p:attrName>
+                                        </p:attrNameLst>
+                                      </p:cBhvr>
+                                      <p:to>
+                                        <p:strVal val="visible"/>
+                                      </p:to>
+                                    </p:set>
+                                  </p:childTnLst>
+                                </p:cTn>
+                              </p:par>
+                            </p:childTnLst>
+                          </p:cTn>
+                        </p:par>
+                      </p:childTnLst>
+                    </p:cTn>
+                  </p:par>
+                  <p:par>
+                    <p:cTn id="11" fill="hold">
+                      <p:stCondLst>
+                        <p:cond delay="indefinite"/>
+                      </p:stCondLst>
+                      <p:childTnLst>
+                        <p:par>
+                          <p:cTn id="12" fill="hold">
+                            <p:stCondLst>
+                              <p:cond delay="0"/>
+                            </p:stCondLst>
+                            <p:childTnLst>
+                              <p:par>
+                                <p:cTn id="13" presetID="1" presetClass="entr" presetSubtype="0" fill="hold" nodeType="clickEffect">
+                                  <p:stCondLst>
+                                    <p:cond delay="0"/>
+                                  </p:stCondLst>
+                                  <p:childTnLst>
+                                    <p:set>
+                                      <p:cBhvr>
+                                        <p:cTn id="14" dur="1" fill="hold">
+                                          <p:stCondLst>
+                                            <p:cond delay="0"/>
+                                          </p:stCondLst>
+                                        </p:cTn>
+                                        <p:tgtEl>
+                                          <p:spTgt spid="3">
+                                            <p:txEl>
+                                              <p:pRg st="3" end="3"/>
+                                            </p:txEl>
+                                          </p:spTgt>
+                                        </p:tgtEl>
+                                        <p:attrNameLst>
+                                          <p:attrName>style.visibility</p:attrName>
+                                        </p:attrNameLst>
+                                      </p:cBhvr>
+                                      <p:to>
+                                        <p:strVal val="visible"/>
+                                      </p:to>
+                                    </p:set>
+                                  </p:childTnLst>
+                                </p:cTn>
+                              </p:par>
+                              <p:par>
+                                <p:cTn id="15" presetID="1" presetClass="entr" presetSubtype="0" fill="hold" nodeType="withEffect">
+                                  <p:stCondLst>
+                                    <p:cond delay="0"/>
+                                  </p:stCondLst>
+                                  <p:childTnLst>
+                                    <p:set>
+                                      <p:cBhvr>
+                                        <p:cTn id="16" dur="1" fill="hold">
+                                          <p:stCondLst>
+                                            <p:cond delay="0"/>
+                                          </p:stCondLst>
+                                        </p:cTn>
+                                        <p:tgtEl>
+                                          <p:spTgt spid="3">
+                                            <p:txEl>
+                                              <p:pRg st="4" end="4"/>
+                                            </p:txEl>
+                                          </p:spTgt>
+                                        </p:tgtEl>
+                                        <p:attrNameLst>
+                                          <p:attrName>style.visibility</p:attrName>
+                                        </p:attrNameLst>
+                                      </p:cBhvr>
+                                      <p:to>
+                                        <p:strVal val="visible"/>
+                                      </p:to>
+                                    </p:set>
+                                  </p:childTnLst>
+                                </p:cTn>
+                              </p:par>
+                            </p:childTnLst>
+                          </p:cTn>
+                        </p:par>
+                      </p:childTnLst>
+                    </p:cTn>
+                  </p:par>
+                  <p:par>
+                    <p:cTn id="17" fill="hold">
+                      <p:stCondLst>
+                        <p:cond delay="indefinite"/>
+                      </p:stCondLst>
+                      <p:childTnLst>
+                        <p:par>
+                          <p:cTn id="18" fill="hold">
+                            <p:stCondLst>
+                              <p:cond delay="0"/>
+                            </p:stCondLst>
+                            <p:childTnLst>
+                              <p:par>
+                                <p:cTn id="19" presetID="1" presetClass="entr" presetSubtype="0" fill="hold" nodeType="clickEffect">
+                                  <p:stCondLst>
+                                    <p:cond delay="0"/>
+                                  </p:stCondLst>
+                                  <p:childTnLst>
+                                    <p:set>
+                                      <p:cBhvr>
+                                        <p:cTn id="20" dur="1" fill="hold">
+                                          <p:stCondLst>
+                                            <p:cond delay="0"/>
+                                          </p:stCondLst>
+                                        </p:cTn>
+                                        <p:tgtEl>
+                                          <p:spTgt spid="3">
+                                            <p:txEl>
+                                              <p:pRg st="5" end="5"/>
+                                            </p:txEl>
+                                          </p:spTgt>
+                                        </p:tgtEl>
+                                        <p:attrNameLst>
+                                          <p:attrName>style.visibility</p:attrName>
+                                        </p:attrNameLst>
+                                      </p:cBhvr>
+                                      <p:to>
+                                        <p:strVal val="visible"/>
+                                      </p:to>
+                                    </p:set>
+                                  </p:childTnLst>
+                                </p:cTn>
+                              </p:par>
+                            </p:childTnLst>
+                          </p:cTn>
+                        </p:par>
+                      </p:childTnLst>
+                    </p:cTn>
+                  </p:par>
+                </p:childTnLst>
+              </p:cTn>
+              <p:prevCondLst>
+                <p:cond evt="onPrev" delay="0">
+                  <p:tgtEl>
+                    <p:sldTgt/>
+                  </p:tgtEl>
+                </p:cond>
+              </p:prevCondLst>
+              <p:nextCondLst>
+                <p:cond evt="onNext" delay="0">
+                  <p:tgtEl>
+                    <p:sldTgt/>
+                  </p:tgtEl>
+                </p:cond>
+              </p:nextCondLst>
+            </p:seq>
+          </p:childTnLst>
+        </p:cTn>
+      </p:par>
+    </p:tnLst>
+  </p:timing>
+</p:sld>
+</file>
+
+<file path=ppt/slides/slide50.xml><?xml version="1.0" encoding="utf-8"?>
 <p:sld xmlns:a="http://schemas.openxmlformats.org/drawingml/2006/main" xmlns:r="http://schemas.openxmlformats.org/officeDocument/2006/relationships" xmlns:p="http://schemas.openxmlformats.org/presentationml/2006/main">
   <p:cSld>
     <p:spTree>
@@ -40514,7 +41133,7 @@
 </p:sld>
 </file>
 
-<file path=ppt/slides/slide5.xml><?xml version="1.0" encoding="utf-8"?>
+<file path=ppt/slides/slide6.xml><?xml version="1.0" encoding="utf-8"?>
 <p:sld xmlns:a="http://schemas.openxmlformats.org/drawingml/2006/main" xmlns:r="http://schemas.openxmlformats.org/officeDocument/2006/relationships" xmlns:p="http://schemas.openxmlformats.org/presentationml/2006/main">
   <p:cSld>
     <p:spTree>
@@ -40566,352 +41185,208 @@
           </a:p>
         </p:txBody>
       </p:sp>
-      <p:sp>
-        <p:nvSpPr>
-          <p:cNvPr id="3" name="Content Placeholder 2"/>
-          <p:cNvSpPr>
-            <a:spLocks noGrp="1"/>
-          </p:cNvSpPr>
-          <p:nvPr>
-            <p:ph sz="quarter" idx="10"/>
-          </p:nvPr>
-        </p:nvSpPr>
+      <mc:AlternateContent xmlns:mc="http://schemas.openxmlformats.org/markup-compatibility/2006" xmlns:a14="http://schemas.microsoft.com/office/drawing/2010/main">
+        <mc:Choice Requires="a14">
+          <p:sp>
+            <p:nvSpPr>
+              <p:cNvPr id="3" name="Content Placeholder 2"/>
+              <p:cNvSpPr>
+                <a:spLocks noGrp="1"/>
+              </p:cNvSpPr>
+              <p:nvPr>
+                <p:ph sz="quarter" idx="10"/>
+              </p:nvPr>
+            </p:nvSpPr>
+            <p:spPr>
+              <a:xfrm>
+                <a:off x="537276" y="896080"/>
+                <a:ext cx="4191799" cy="4046168"/>
+              </a:xfrm>
+            </p:spPr>
+            <p:txBody>
+              <a:bodyPr>
+                <a:normAutofit/>
+              </a:bodyPr>
+              <a:lstStyle/>
+              <a:p>
+                <a:pPr marL="0" indent="0">
+                  <a:buNone/>
+                </a:pPr>
+                <a:r>
+                  <a:rPr lang="en-US" dirty="0">
+                    <a:latin typeface="+mn-lt"/>
+                  </a:rPr>
+                  <a:t>Demonstration of the Curse of Dimensionality </a:t>
+                </a:r>
+              </a:p>
+              <a:p>
+                <a:r>
+                  <a:rPr lang="en-US" dirty="0">
+                    <a:latin typeface="+mn-lt"/>
+                  </a:rPr>
+                  <a:t>Distances all become the same as dimensionality </a:t>
+                </a:r>
+                <a14:m>
+                  <m:oMath xmlns:m="http://schemas.openxmlformats.org/officeDocument/2006/math">
+                    <m:r>
+                      <a:rPr lang="en-US" i="1" smtClean="0">
+                        <a:latin typeface="Cambria Math" panose="02040503050406030204" pitchFamily="18" charset="0"/>
+                        <a:ea typeface="Cambria Math" panose="02040503050406030204" pitchFamily="18" charset="0"/>
+                      </a:rPr>
+                      <m:t>⇒∞</m:t>
+                    </m:r>
+                  </m:oMath>
+                </a14:m>
+                <a:r>
+                  <a:rPr lang="en-US" dirty="0">
+                    <a:latin typeface="+mn-lt"/>
+                  </a:rPr>
+                  <a:t>    </a:t>
+                </a:r>
+              </a:p>
+              <a:p>
+                <a:r>
+                  <a:rPr lang="en-US" dirty="0">
+                    <a:latin typeface="+mn-lt"/>
+                  </a:rPr>
+                  <a:t>Distribution becomes centered at </a:t>
+                </a:r>
+                <a14:m>
+                  <m:oMath xmlns:m="http://schemas.openxmlformats.org/officeDocument/2006/math">
+                    <m:rad>
+                      <m:radPr>
+                        <m:degHide m:val="on"/>
+                        <m:ctrlPr>
+                          <a:rPr lang="en-US" i="1" smtClean="0">
+                            <a:latin typeface="Cambria Math" panose="02040503050406030204" pitchFamily="18" charset="0"/>
+                          </a:rPr>
+                        </m:ctrlPr>
+                      </m:radPr>
+                      <m:deg/>
+                      <m:e>
+                        <m:r>
+                          <a:rPr lang="en-US" b="0" i="1" smtClean="0">
+                            <a:latin typeface="Cambria Math" panose="02040503050406030204" pitchFamily="18" charset="0"/>
+                          </a:rPr>
+                          <m:t>𝑁</m:t>
+                        </m:r>
+                      </m:e>
+                    </m:rad>
+                    <m:r>
+                      <a:rPr lang="en-US" b="0" i="1" smtClean="0">
+                        <a:latin typeface="Cambria Math" panose="02040503050406030204" pitchFamily="18" charset="0"/>
+                      </a:rPr>
+                      <m:t>=1</m:t>
+                    </m:r>
+                  </m:oMath>
+                </a14:m>
+                <a:r>
+                  <a:rPr lang="en-US" dirty="0">
+                    <a:latin typeface="+mn-lt"/>
+                  </a:rPr>
+                  <a:t>   </a:t>
+                </a:r>
+              </a:p>
+              <a:p>
+                <a:pPr marL="0" indent="0">
+                  <a:buNone/>
+                </a:pPr>
+                <a:r>
+                  <a:rPr lang="en-US" sz="2000" dirty="0">
+                    <a:latin typeface="+mn-lt"/>
+                    <a:hlinkClick r:id="rId3"/>
+                  </a:rPr>
+                  <a:t>From Dasgupta, 2001  </a:t>
+                </a:r>
+                <a:endParaRPr lang="en-US" sz="2000" dirty="0">
+                  <a:latin typeface="+mn-lt"/>
+                </a:endParaRPr>
+              </a:p>
+            </p:txBody>
+          </p:sp>
+        </mc:Choice>
+        <mc:Fallback xmlns="">
+          <p:sp>
+            <p:nvSpPr>
+              <p:cNvPr id="3" name="Content Placeholder 2"/>
+              <p:cNvSpPr>
+                <a:spLocks noGrp="1" noRot="1" noChangeAspect="1" noMove="1" noResize="1" noEditPoints="1" noAdjustHandles="1" noChangeArrowheads="1" noChangeShapeType="1" noTextEdit="1"/>
+              </p:cNvSpPr>
+              <p:nvPr>
+                <p:ph sz="quarter" idx="10"/>
+              </p:nvPr>
+            </p:nvSpPr>
+            <p:spPr>
+              <a:xfrm>
+                <a:off x="537276" y="896080"/>
+                <a:ext cx="4191799" cy="4046168"/>
+              </a:xfrm>
+              <a:blipFill>
+                <a:blip r:embed="rId4"/>
+                <a:stretch>
+                  <a:fillRect l="-2907" t="-2560" r="-4651"/>
+                </a:stretch>
+              </a:blipFill>
+            </p:spPr>
+            <p:txBody>
+              <a:bodyPr/>
+              <a:lstStyle/>
+              <a:p>
+                <a:r>
+                  <a:rPr lang="en-US">
+                    <a:noFill/>
+                  </a:rPr>
+                  <a:t> </a:t>
+                </a:r>
+              </a:p>
+            </p:txBody>
+          </p:sp>
+        </mc:Fallback>
+      </mc:AlternateContent>
+      <p:pic>
+        <p:nvPicPr>
+          <p:cNvPr id="5" name="Picture 4">
+            <a:extLst>
+              <a:ext uri="{FF2B5EF4-FFF2-40B4-BE49-F238E27FC236}">
+                <a16:creationId xmlns:a16="http://schemas.microsoft.com/office/drawing/2014/main" id="{D6F66FF1-478F-F2C0-9C59-A195E41340D4}"/>
+              </a:ext>
+            </a:extLst>
+          </p:cNvPr>
+          <p:cNvPicPr>
+            <a:picLocks noChangeAspect="1"/>
+          </p:cNvPicPr>
+          <p:nvPr/>
+        </p:nvPicPr>
+        <p:blipFill>
+          <a:blip r:embed="rId5"/>
+          <a:stretch>
+            <a:fillRect/>
+          </a:stretch>
+        </p:blipFill>
         <p:spPr>
           <a:xfrm>
-            <a:off x="537275" y="896079"/>
-            <a:ext cx="11321349" cy="5602877"/>
+            <a:off x="4754408" y="841472"/>
+            <a:ext cx="7234392" cy="5914725"/>
           </a:xfrm>
+          <a:prstGeom prst="rect">
+            <a:avLst/>
+          </a:prstGeom>
         </p:spPr>
-        <p:txBody>
-          <a:bodyPr>
-            <a:normAutofit/>
-          </a:bodyPr>
-          <a:lstStyle/>
-          <a:p>
-            <a:pPr marL="0" indent="0">
-              <a:buNone/>
-            </a:pPr>
-            <a:r>
-              <a:rPr lang="en-US" dirty="0">
-                <a:latin typeface="+mn-lt"/>
-              </a:rPr>
-              <a:t>The curse of dimensionality means that all clusters are the same in high dimensions</a:t>
-            </a:r>
-          </a:p>
-          <a:p>
-            <a:r>
-              <a:rPr lang="en-US" dirty="0">
-                <a:latin typeface="+mn-lt"/>
-              </a:rPr>
-              <a:t>Sampling density decreases exponentially   </a:t>
-            </a:r>
-          </a:p>
-          <a:p>
-            <a:r>
-              <a:rPr lang="en-US" dirty="0">
-                <a:latin typeface="+mn-lt"/>
-              </a:rPr>
-              <a:t>Distances converge to the same size in a high dimensional space  </a:t>
-            </a:r>
-          </a:p>
-          <a:p>
-            <a:r>
-              <a:rPr lang="en-US" sz="2800" dirty="0">
-                <a:latin typeface="+mn-lt"/>
-              </a:rPr>
-              <a:t>The choice of metric does not help </a:t>
-            </a:r>
-          </a:p>
-          <a:p>
-            <a:pPr lvl="1"/>
-            <a:r>
-              <a:rPr lang="en-US" b="1" dirty="0">
-                <a:latin typeface="+mn-lt"/>
-              </a:rPr>
-              <a:t>All distances are the same in high dimensions!  </a:t>
-            </a:r>
-          </a:p>
-          <a:p>
-            <a:r>
-              <a:rPr lang="en-US" dirty="0">
-                <a:latin typeface="+mn-lt"/>
-              </a:rPr>
-              <a:t>Implication is that high-dimensional cluster models are easy to overfit!!</a:t>
-            </a:r>
-          </a:p>
-        </p:txBody>
-      </p:sp>
+      </p:pic>
     </p:spTree>
     <p:extLst>
       <p:ext uri="{BB962C8B-B14F-4D97-AF65-F5344CB8AC3E}">
-        <p14:creationId xmlns:p14="http://schemas.microsoft.com/office/powerpoint/2010/main" val="3920829184"/>
+        <p14:creationId xmlns:p14="http://schemas.microsoft.com/office/powerpoint/2010/main" val="4070473298"/>
       </p:ext>
     </p:extLst>
   </p:cSld>
   <p:clrMapOvr>
     <a:masterClrMapping/>
   </p:clrMapOvr>
-  <p:timing>
-    <p:tnLst>
-      <p:par>
-        <p:cTn id="1" dur="indefinite" restart="never" nodeType="tmRoot">
-          <p:childTnLst>
-            <p:seq concurrent="1" nextAc="seek">
-              <p:cTn id="2" dur="indefinite" nodeType="mainSeq">
-                <p:childTnLst>
-                  <p:par>
-                    <p:cTn id="3" fill="hold">
-                      <p:stCondLst>
-                        <p:cond delay="indefinite"/>
-                      </p:stCondLst>
-                      <p:childTnLst>
-                        <p:par>
-                          <p:cTn id="4" fill="hold">
-                            <p:stCondLst>
-                              <p:cond delay="0"/>
-                            </p:stCondLst>
-                            <p:childTnLst>
-                              <p:par>
-                                <p:cTn id="5" presetID="1" presetClass="entr" presetSubtype="0" fill="hold" nodeType="clickEffect">
-                                  <p:stCondLst>
-                                    <p:cond delay="0"/>
-                                  </p:stCondLst>
-                                  <p:childTnLst>
-                                    <p:set>
-                                      <p:cBhvr>
-                                        <p:cTn id="6" dur="1" fill="hold">
-                                          <p:stCondLst>
-                                            <p:cond delay="0"/>
-                                          </p:stCondLst>
-                                        </p:cTn>
-                                        <p:tgtEl>
-                                          <p:spTgt spid="3">
-                                            <p:txEl>
-                                              <p:pRg st="1" end="1"/>
-                                            </p:txEl>
-                                          </p:spTgt>
-                                        </p:tgtEl>
-                                        <p:attrNameLst>
-                                          <p:attrName>style.visibility</p:attrName>
-                                        </p:attrNameLst>
-                                      </p:cBhvr>
-                                      <p:to>
-                                        <p:strVal val="visible"/>
-                                      </p:to>
-                                    </p:set>
-                                  </p:childTnLst>
-                                </p:cTn>
-                              </p:par>
-                            </p:childTnLst>
-                          </p:cTn>
-                        </p:par>
-                      </p:childTnLst>
-                    </p:cTn>
-                  </p:par>
-                  <p:par>
-                    <p:cTn id="7" fill="hold">
-                      <p:stCondLst>
-                        <p:cond delay="indefinite"/>
-                      </p:stCondLst>
-                      <p:childTnLst>
-                        <p:par>
-                          <p:cTn id="8" fill="hold">
-                            <p:stCondLst>
-                              <p:cond delay="0"/>
-                            </p:stCondLst>
-                            <p:childTnLst>
-                              <p:par>
-                                <p:cTn id="9" presetID="1" presetClass="entr" presetSubtype="0" fill="hold" nodeType="clickEffect">
-                                  <p:stCondLst>
-                                    <p:cond delay="0"/>
-                                  </p:stCondLst>
-                                  <p:childTnLst>
-                                    <p:set>
-                                      <p:cBhvr>
-                                        <p:cTn id="10" dur="1" fill="hold">
-                                          <p:stCondLst>
-                                            <p:cond delay="0"/>
-                                          </p:stCondLst>
-                                        </p:cTn>
-                                        <p:tgtEl>
-                                          <p:spTgt spid="3">
-                                            <p:txEl>
-                                              <p:pRg st="2" end="2"/>
-                                            </p:txEl>
-                                          </p:spTgt>
-                                        </p:tgtEl>
-                                        <p:attrNameLst>
-                                          <p:attrName>style.visibility</p:attrName>
-                                        </p:attrNameLst>
-                                      </p:cBhvr>
-                                      <p:to>
-                                        <p:strVal val="visible"/>
-                                      </p:to>
-                                    </p:set>
-                                  </p:childTnLst>
-                                </p:cTn>
-                              </p:par>
-                            </p:childTnLst>
-                          </p:cTn>
-                        </p:par>
-                      </p:childTnLst>
-                    </p:cTn>
-                  </p:par>
-                  <p:par>
-                    <p:cTn id="11" fill="hold">
-                      <p:stCondLst>
-                        <p:cond delay="indefinite"/>
-                      </p:stCondLst>
-                      <p:childTnLst>
-                        <p:par>
-                          <p:cTn id="12" fill="hold">
-                            <p:stCondLst>
-                              <p:cond delay="0"/>
-                            </p:stCondLst>
-                            <p:childTnLst>
-                              <p:par>
-                                <p:cTn id="13" presetID="1" presetClass="entr" presetSubtype="0" fill="hold" nodeType="clickEffect">
-                                  <p:stCondLst>
-                                    <p:cond delay="0"/>
-                                  </p:stCondLst>
-                                  <p:childTnLst>
-                                    <p:set>
-                                      <p:cBhvr>
-                                        <p:cTn id="14" dur="1" fill="hold">
-                                          <p:stCondLst>
-                                            <p:cond delay="0"/>
-                                          </p:stCondLst>
-                                        </p:cTn>
-                                        <p:tgtEl>
-                                          <p:spTgt spid="3">
-                                            <p:txEl>
-                                              <p:pRg st="3" end="3"/>
-                                            </p:txEl>
-                                          </p:spTgt>
-                                        </p:tgtEl>
-                                        <p:attrNameLst>
-                                          <p:attrName>style.visibility</p:attrName>
-                                        </p:attrNameLst>
-                                      </p:cBhvr>
-                                      <p:to>
-                                        <p:strVal val="visible"/>
-                                      </p:to>
-                                    </p:set>
-                                  </p:childTnLst>
-                                </p:cTn>
-                              </p:par>
-                              <p:par>
-                                <p:cTn id="15" presetID="1" presetClass="entr" presetSubtype="0" fill="hold" nodeType="withEffect">
-                                  <p:stCondLst>
-                                    <p:cond delay="0"/>
-                                  </p:stCondLst>
-                                  <p:childTnLst>
-                                    <p:set>
-                                      <p:cBhvr>
-                                        <p:cTn id="16" dur="1" fill="hold">
-                                          <p:stCondLst>
-                                            <p:cond delay="0"/>
-                                          </p:stCondLst>
-                                        </p:cTn>
-                                        <p:tgtEl>
-                                          <p:spTgt spid="3">
-                                            <p:txEl>
-                                              <p:pRg st="4" end="4"/>
-                                            </p:txEl>
-                                          </p:spTgt>
-                                        </p:tgtEl>
-                                        <p:attrNameLst>
-                                          <p:attrName>style.visibility</p:attrName>
-                                        </p:attrNameLst>
-                                      </p:cBhvr>
-                                      <p:to>
-                                        <p:strVal val="visible"/>
-                                      </p:to>
-                                    </p:set>
-                                  </p:childTnLst>
-                                </p:cTn>
-                              </p:par>
-                            </p:childTnLst>
-                          </p:cTn>
-                        </p:par>
-                      </p:childTnLst>
-                    </p:cTn>
-                  </p:par>
-                  <p:par>
-                    <p:cTn id="17" fill="hold">
-                      <p:stCondLst>
-                        <p:cond delay="indefinite"/>
-                      </p:stCondLst>
-                      <p:childTnLst>
-                        <p:par>
-                          <p:cTn id="18" fill="hold">
-                            <p:stCondLst>
-                              <p:cond delay="0"/>
-                            </p:stCondLst>
-                            <p:childTnLst>
-                              <p:par>
-                                <p:cTn id="19" presetID="1" presetClass="entr" presetSubtype="0" fill="hold" nodeType="clickEffect">
-                                  <p:stCondLst>
-                                    <p:cond delay="0"/>
-                                  </p:stCondLst>
-                                  <p:childTnLst>
-                                    <p:set>
-                                      <p:cBhvr>
-                                        <p:cTn id="20" dur="1" fill="hold">
-                                          <p:stCondLst>
-                                            <p:cond delay="0"/>
-                                          </p:stCondLst>
-                                        </p:cTn>
-                                        <p:tgtEl>
-                                          <p:spTgt spid="3">
-                                            <p:txEl>
-                                              <p:pRg st="5" end="5"/>
-                                            </p:txEl>
-                                          </p:spTgt>
-                                        </p:tgtEl>
-                                        <p:attrNameLst>
-                                          <p:attrName>style.visibility</p:attrName>
-                                        </p:attrNameLst>
-                                      </p:cBhvr>
-                                      <p:to>
-                                        <p:strVal val="visible"/>
-                                      </p:to>
-                                    </p:set>
-                                  </p:childTnLst>
-                                </p:cTn>
-                              </p:par>
-                            </p:childTnLst>
-                          </p:cTn>
-                        </p:par>
-                      </p:childTnLst>
-                    </p:cTn>
-                  </p:par>
-                </p:childTnLst>
-              </p:cTn>
-              <p:prevCondLst>
-                <p:cond evt="onPrev" delay="0">
-                  <p:tgtEl>
-                    <p:sldTgt/>
-                  </p:tgtEl>
-                </p:cond>
-              </p:prevCondLst>
-              <p:nextCondLst>
-                <p:cond evt="onNext" delay="0">
-                  <p:tgtEl>
-                    <p:sldTgt/>
-                  </p:tgtEl>
-                </p:cond>
-              </p:nextCondLst>
-            </p:seq>
-          </p:childTnLst>
-        </p:cTn>
-      </p:par>
-    </p:tnLst>
-  </p:timing>
 </p:sld>
 </file>
 
-<file path=ppt/slides/slide6.xml><?xml version="1.0" encoding="utf-8"?>
+<file path=ppt/slides/slide7.xml><?xml version="1.0" encoding="utf-8"?>
 <p:sld xmlns:a="http://schemas.openxmlformats.org/drawingml/2006/main" xmlns:r="http://schemas.openxmlformats.org/officeDocument/2006/relationships" xmlns:p="http://schemas.openxmlformats.org/presentationml/2006/main">
   <p:cSld>
     <p:spTree>
@@ -41457,7 +41932,7 @@
 </p:sld>
 </file>
 
-<file path=ppt/slides/slide7.xml><?xml version="1.0" encoding="utf-8"?>
+<file path=ppt/slides/slide8.xml><?xml version="1.0" encoding="utf-8"?>
 <p:sld xmlns:a="http://schemas.openxmlformats.org/drawingml/2006/main" xmlns:r="http://schemas.openxmlformats.org/officeDocument/2006/relationships" xmlns:p="http://schemas.openxmlformats.org/presentationml/2006/main">
   <p:cSld>
     <p:spTree>
@@ -41517,7 +41992,7 @@
 </p:sld>
 </file>
 
-<file path=ppt/slides/slide8.xml><?xml version="1.0" encoding="utf-8"?>
+<file path=ppt/slides/slide9.xml><?xml version="1.0" encoding="utf-8"?>
 <p:sld xmlns:a="http://schemas.openxmlformats.org/drawingml/2006/main" xmlns:r="http://schemas.openxmlformats.org/officeDocument/2006/relationships" xmlns:p="http://schemas.openxmlformats.org/presentationml/2006/main">
   <p:cSld>
     <p:spTree>
@@ -42046,503 +42521,6 @@
                                           <p:spTgt spid="3">
                                             <p:txEl>
                                               <p:pRg st="10" end="10"/>
-                                            </p:txEl>
-                                          </p:spTgt>
-                                        </p:tgtEl>
-                                        <p:attrNameLst>
-                                          <p:attrName>style.visibility</p:attrName>
-                                        </p:attrNameLst>
-                                      </p:cBhvr>
-                                      <p:to>
-                                        <p:strVal val="visible"/>
-                                      </p:to>
-                                    </p:set>
-                                  </p:childTnLst>
-                                </p:cTn>
-                              </p:par>
-                            </p:childTnLst>
-                          </p:cTn>
-                        </p:par>
-                      </p:childTnLst>
-                    </p:cTn>
-                  </p:par>
-                </p:childTnLst>
-              </p:cTn>
-              <p:prevCondLst>
-                <p:cond evt="onPrev" delay="0">
-                  <p:tgtEl>
-                    <p:sldTgt/>
-                  </p:tgtEl>
-                </p:cond>
-              </p:prevCondLst>
-              <p:nextCondLst>
-                <p:cond evt="onNext" delay="0">
-                  <p:tgtEl>
-                    <p:sldTgt/>
-                  </p:tgtEl>
-                </p:cond>
-              </p:nextCondLst>
-            </p:seq>
-          </p:childTnLst>
-        </p:cTn>
-      </p:par>
-    </p:tnLst>
-  </p:timing>
-</p:sld>
-</file>
-
-<file path=ppt/slides/slide9.xml><?xml version="1.0" encoding="utf-8"?>
-<p:sld xmlns:a="http://schemas.openxmlformats.org/drawingml/2006/main" xmlns:r="http://schemas.openxmlformats.org/officeDocument/2006/relationships" xmlns:p="http://schemas.openxmlformats.org/presentationml/2006/main">
-  <p:cSld>
-    <p:spTree>
-      <p:nvGrpSpPr>
-        <p:cNvPr id="1" name=""/>
-        <p:cNvGrpSpPr/>
-        <p:nvPr/>
-      </p:nvGrpSpPr>
-      <p:grpSpPr>
-        <a:xfrm>
-          <a:off x="0" y="0"/>
-          <a:ext cx="0" cy="0"/>
-          <a:chOff x="0" y="0"/>
-          <a:chExt cx="0" cy="0"/>
-        </a:xfrm>
-      </p:grpSpPr>
-      <p:sp>
-        <p:nvSpPr>
-          <p:cNvPr id="2" name="Title 1"/>
-          <p:cNvSpPr>
-            <a:spLocks noGrp="1"/>
-          </p:cNvSpPr>
-          <p:nvPr>
-            <p:ph type="title"/>
-          </p:nvPr>
-        </p:nvSpPr>
-        <p:spPr>
-          <a:xfrm>
-            <a:off x="584200" y="221992"/>
-            <a:ext cx="10515600" cy="530954"/>
-          </a:xfrm>
-        </p:spPr>
-        <p:txBody>
-          <a:bodyPr>
-            <a:normAutofit fontScale="90000"/>
-          </a:bodyPr>
-          <a:lstStyle/>
-          <a:p>
-            <a:r>
-              <a:rPr lang="en-US" dirty="0"/>
-              <a:t>Scaling distance and similarity measures</a:t>
-            </a:r>
-          </a:p>
-        </p:txBody>
-      </p:sp>
-      <mc:AlternateContent xmlns:mc="http://schemas.openxmlformats.org/markup-compatibility/2006" xmlns:a14="http://schemas.microsoft.com/office/drawing/2010/main">
-        <mc:Choice Requires="a14">
-          <p:sp>
-            <p:nvSpPr>
-              <p:cNvPr id="3" name="Content Placeholder 2"/>
-              <p:cNvSpPr>
-                <a:spLocks noGrp="1"/>
-              </p:cNvSpPr>
-              <p:nvPr>
-                <p:ph sz="quarter" idx="10"/>
-              </p:nvPr>
-            </p:nvSpPr>
-            <p:spPr>
-              <a:xfrm>
-                <a:off x="333375" y="896078"/>
-                <a:ext cx="11525250" cy="5523771"/>
-              </a:xfrm>
-            </p:spPr>
-            <p:txBody>
-              <a:bodyPr>
-                <a:normAutofit/>
-              </a:bodyPr>
-              <a:lstStyle/>
-              <a:p>
-                <a:pPr marL="0" indent="0">
-                  <a:buNone/>
-                </a:pPr>
-                <a:r>
-                  <a:rPr lang="en-US" dirty="0">
-                    <a:latin typeface="+mn-lt"/>
-                  </a:rPr>
-                  <a:t>A dissimilarity matrix contains the differences between each case </a:t>
-                </a:r>
-                <a:r>
-                  <a:rPr lang="en-US" i="1" dirty="0">
-                    <a:latin typeface="+mn-lt"/>
-                  </a:rPr>
-                  <a:t>x</a:t>
-                </a:r>
-                <a:r>
-                  <a:rPr lang="en-US" i="1" baseline="-25000" dirty="0">
-                    <a:latin typeface="+mn-lt"/>
-                  </a:rPr>
-                  <a:t>i</a:t>
-                </a:r>
-                <a:r>
-                  <a:rPr lang="en-US" dirty="0">
-                    <a:latin typeface="+mn-lt"/>
-                  </a:rPr>
-                  <a:t> and every other case </a:t>
-                </a:r>
-                <a:r>
-                  <a:rPr lang="en-US" i="1" dirty="0" err="1">
-                    <a:latin typeface="+mn-lt"/>
-                  </a:rPr>
-                  <a:t>x’</a:t>
-                </a:r>
-                <a:r>
-                  <a:rPr lang="en-US" i="1" baseline="-25000" dirty="0" err="1">
-                    <a:latin typeface="+mn-lt"/>
-                  </a:rPr>
-                  <a:t>i</a:t>
-                </a:r>
-                <a:r>
-                  <a:rPr lang="en-US" dirty="0">
-                    <a:latin typeface="+mn-lt"/>
-                  </a:rPr>
-                  <a:t>,</a:t>
-                </a:r>
-                <a:r>
-                  <a:rPr lang="en-US" i="1" dirty="0">
-                    <a:latin typeface="+mn-lt"/>
-                  </a:rPr>
-                  <a:t> d(x</a:t>
-                </a:r>
-                <a:r>
-                  <a:rPr lang="en-US" i="1" baseline="-25000" dirty="0">
-                    <a:latin typeface="+mn-lt"/>
-                  </a:rPr>
-                  <a:t>i</a:t>
-                </a:r>
-                <a:r>
-                  <a:rPr lang="en-US" i="1" dirty="0">
-                    <a:latin typeface="+mn-lt"/>
-                  </a:rPr>
-                  <a:t>, </a:t>
-                </a:r>
-                <a:r>
-                  <a:rPr lang="en-US" i="1" dirty="0" err="1">
-                    <a:latin typeface="+mn-lt"/>
-                  </a:rPr>
-                  <a:t>x’</a:t>
-                </a:r>
-                <a:r>
-                  <a:rPr lang="en-US" i="1" baseline="-25000" dirty="0" err="1">
-                    <a:latin typeface="+mn-lt"/>
-                  </a:rPr>
-                  <a:t>i</a:t>
-                </a:r>
-                <a:r>
-                  <a:rPr lang="en-US" i="1" dirty="0">
-                    <a:latin typeface="+mn-lt"/>
-                  </a:rPr>
-                  <a:t>)</a:t>
-                </a:r>
-                <a:endParaRPr lang="en-US" sz="2800" i="1" baseline="-25000" dirty="0">
-                  <a:latin typeface="+mn-lt"/>
-                </a:endParaRPr>
-              </a:p>
-              <a:p>
-                <a:r>
-                  <a:rPr lang="en-US" dirty="0">
-                    <a:latin typeface="+mn-lt"/>
-                  </a:rPr>
-                  <a:t>a dense </a:t>
-                </a:r>
-                <a:r>
-                  <a:rPr lang="en-US" b="1" dirty="0">
-                    <a:latin typeface="+mn-lt"/>
-                  </a:rPr>
-                  <a:t>computationally intensive </a:t>
-                </a:r>
-                <a:r>
-                  <a:rPr lang="en-US" dirty="0">
-                    <a:latin typeface="+mn-lt"/>
-                  </a:rPr>
-                  <a:t>and </a:t>
-                </a:r>
-                <a:r>
-                  <a:rPr lang="en-US" b="1" dirty="0">
-                    <a:latin typeface="+mn-lt"/>
-                  </a:rPr>
-                  <a:t>memory intensive representation:</a:t>
-                </a:r>
-                <a:r>
-                  <a:rPr lang="en-US" dirty="0">
-                    <a:latin typeface="+mn-lt"/>
-                  </a:rPr>
-                  <a:t> </a:t>
-                </a:r>
-                <a14:m>
-                  <m:oMath xmlns:m="http://schemas.openxmlformats.org/officeDocument/2006/math">
-                    <m:r>
-                      <a:rPr lang="en-US" b="1" i="1">
-                        <a:latin typeface="Cambria Math" panose="02040503050406030204" pitchFamily="18" charset="0"/>
-                      </a:rPr>
-                      <m:t>𝑶</m:t>
-                    </m:r>
-                    <m:d>
-                      <m:dPr>
-                        <m:ctrlPr>
-                          <a:rPr lang="en-US" b="1" i="1">
-                            <a:latin typeface="Cambria Math" panose="02040503050406030204" pitchFamily="18" charset="0"/>
-                          </a:rPr>
-                        </m:ctrlPr>
-                      </m:dPr>
-                      <m:e>
-                        <m:f>
-                          <m:fPr>
-                            <m:ctrlPr>
-                              <a:rPr lang="en-US" b="1" i="1">
-                                <a:latin typeface="Cambria Math" panose="02040503050406030204" pitchFamily="18" charset="0"/>
-                              </a:rPr>
-                            </m:ctrlPr>
-                          </m:fPr>
-                          <m:num>
-                            <m:sSup>
-                              <m:sSupPr>
-                                <m:ctrlPr>
-                                  <a:rPr lang="en-US" b="1" i="1">
-                                    <a:latin typeface="Cambria Math" panose="02040503050406030204" pitchFamily="18" charset="0"/>
-                                  </a:rPr>
-                                </m:ctrlPr>
-                              </m:sSupPr>
-                              <m:e>
-                                <m:r>
-                                  <a:rPr lang="en-US" b="1" i="1">
-                                    <a:latin typeface="Cambria Math" panose="02040503050406030204" pitchFamily="18" charset="0"/>
-                                  </a:rPr>
-                                  <m:t>𝒏</m:t>
-                                </m:r>
-                                <m:r>
-                                  <a:rPr lang="en-US" b="1" i="1">
-                                    <a:latin typeface="Cambria Math" panose="02040503050406030204" pitchFamily="18" charset="0"/>
-                                  </a:rPr>
-                                  <m:t>(</m:t>
-                                </m:r>
-                                <m:r>
-                                  <a:rPr lang="en-US" b="1" i="1">
-                                    <a:latin typeface="Cambria Math" panose="02040503050406030204" pitchFamily="18" charset="0"/>
-                                  </a:rPr>
-                                  <m:t>𝒏</m:t>
-                                </m:r>
-                              </m:e>
-                              <m:sup>
-                                <m:r>
-                                  <a:rPr lang="en-US" b="1" i="1">
-                                    <a:latin typeface="Cambria Math" panose="02040503050406030204" pitchFamily="18" charset="0"/>
-                                  </a:rPr>
-                                  <m:t> </m:t>
-                                </m:r>
-                              </m:sup>
-                            </m:sSup>
-                            <m:r>
-                              <a:rPr lang="en-US" b="1" i="1">
-                                <a:latin typeface="Cambria Math" panose="02040503050406030204" pitchFamily="18" charset="0"/>
-                              </a:rPr>
-                              <m:t>−</m:t>
-                            </m:r>
-                            <m:r>
-                              <a:rPr lang="en-US" b="1" i="1">
-                                <a:latin typeface="Cambria Math" panose="02040503050406030204" pitchFamily="18" charset="0"/>
-                              </a:rPr>
-                              <m:t>𝟏</m:t>
-                            </m:r>
-                            <m:r>
-                              <a:rPr lang="en-US" b="1" i="1">
-                                <a:latin typeface="Cambria Math" panose="02040503050406030204" pitchFamily="18" charset="0"/>
-                              </a:rPr>
-                              <m:t>)</m:t>
-                            </m:r>
-                          </m:num>
-                          <m:den>
-                            <m:r>
-                              <a:rPr lang="en-US" b="1" i="1">
-                                <a:latin typeface="Cambria Math" panose="02040503050406030204" pitchFamily="18" charset="0"/>
-                              </a:rPr>
-                              <m:t>𝟐</m:t>
-                            </m:r>
-                          </m:den>
-                        </m:f>
-                      </m:e>
-                    </m:d>
-                    <m:r>
-                      <a:rPr lang="en-US" b="1" i="1">
-                        <a:latin typeface="Cambria Math" panose="02040503050406030204" pitchFamily="18" charset="0"/>
-                      </a:rPr>
-                      <m:t> </m:t>
-                    </m:r>
-                  </m:oMath>
-                </a14:m>
-                <a:endParaRPr lang="en-US" dirty="0">
-                  <a:latin typeface="+mn-lt"/>
-                </a:endParaRPr>
-              </a:p>
-              <a:p>
-                <a:r>
-                  <a:rPr lang="en-US" dirty="0">
-                    <a:latin typeface="+mn-lt"/>
-                  </a:rPr>
-                  <a:t>How can we do better?    </a:t>
-                </a:r>
-              </a:p>
-              <a:p>
-                <a:r>
-                  <a:rPr lang="en-US" b="1" dirty="0">
-                    <a:latin typeface="+mn-lt"/>
-                  </a:rPr>
-                  <a:t>Use a sparse graph representation!</a:t>
-                </a:r>
-              </a:p>
-              <a:p>
-                <a:pPr marL="0" indent="0">
-                  <a:buNone/>
-                </a:pPr>
-                <a:endParaRPr lang="en-US" b="1" dirty="0">
-                  <a:latin typeface="+mn-lt"/>
-                </a:endParaRPr>
-              </a:p>
-            </p:txBody>
-          </p:sp>
-        </mc:Choice>
-        <mc:Fallback xmlns="">
-          <p:sp>
-            <p:nvSpPr>
-              <p:cNvPr id="3" name="Content Placeholder 2"/>
-              <p:cNvSpPr>
-                <a:spLocks noGrp="1" noRot="1" noChangeAspect="1" noMove="1" noResize="1" noEditPoints="1" noAdjustHandles="1" noChangeArrowheads="1" noChangeShapeType="1" noTextEdit="1"/>
-              </p:cNvSpPr>
-              <p:nvPr>
-                <p:ph sz="quarter" idx="10"/>
-              </p:nvPr>
-            </p:nvSpPr>
-            <p:spPr>
-              <a:xfrm>
-                <a:off x="333375" y="896078"/>
-                <a:ext cx="11525250" cy="5523771"/>
-              </a:xfrm>
-              <a:blipFill>
-                <a:blip r:embed="rId3"/>
-                <a:stretch>
-                  <a:fillRect l="-1111" t="-1876" r="-370"/>
-                </a:stretch>
-              </a:blipFill>
-            </p:spPr>
-            <p:txBody>
-              <a:bodyPr/>
-              <a:lstStyle/>
-              <a:p>
-                <a:r>
-                  <a:rPr lang="en-US">
-                    <a:noFill/>
-                  </a:rPr>
-                  <a:t> </a:t>
-                </a:r>
-              </a:p>
-            </p:txBody>
-          </p:sp>
-        </mc:Fallback>
-      </mc:AlternateContent>
-    </p:spTree>
-    <p:extLst>
-      <p:ext uri="{BB962C8B-B14F-4D97-AF65-F5344CB8AC3E}">
-        <p14:creationId xmlns:p14="http://schemas.microsoft.com/office/powerpoint/2010/main" val="3538216436"/>
-      </p:ext>
-    </p:extLst>
-  </p:cSld>
-  <p:clrMapOvr>
-    <a:masterClrMapping/>
-  </p:clrMapOvr>
-  <p:timing>
-    <p:tnLst>
-      <p:par>
-        <p:cTn id="1" dur="indefinite" restart="never" nodeType="tmRoot">
-          <p:childTnLst>
-            <p:seq concurrent="1" nextAc="seek">
-              <p:cTn id="2" dur="indefinite" nodeType="mainSeq">
-                <p:childTnLst>
-                  <p:par>
-                    <p:cTn id="3" fill="hold">
-                      <p:stCondLst>
-                        <p:cond delay="indefinite"/>
-                      </p:stCondLst>
-                      <p:childTnLst>
-                        <p:par>
-                          <p:cTn id="4" fill="hold">
-                            <p:stCondLst>
-                              <p:cond delay="0"/>
-                            </p:stCondLst>
-                            <p:childTnLst>
-                              <p:par>
-                                <p:cTn id="5" presetID="1" presetClass="entr" presetSubtype="0" fill="hold" nodeType="clickEffect">
-                                  <p:stCondLst>
-                                    <p:cond delay="0"/>
-                                  </p:stCondLst>
-                                  <p:childTnLst>
-                                    <p:set>
-                                      <p:cBhvr>
-                                        <p:cTn id="6" dur="1" fill="hold">
-                                          <p:stCondLst>
-                                            <p:cond delay="0"/>
-                                          </p:stCondLst>
-                                        </p:cTn>
-                                        <p:tgtEl>
-                                          <p:spTgt spid="3">
-                                            <p:txEl>
-                                              <p:pRg st="2" end="2"/>
-                                            </p:txEl>
-                                          </p:spTgt>
-                                        </p:tgtEl>
-                                        <p:attrNameLst>
-                                          <p:attrName>style.visibility</p:attrName>
-                                        </p:attrNameLst>
-                                      </p:cBhvr>
-                                      <p:to>
-                                        <p:strVal val="visible"/>
-                                      </p:to>
-                                    </p:set>
-                                  </p:childTnLst>
-                                </p:cTn>
-                              </p:par>
-                            </p:childTnLst>
-                          </p:cTn>
-                        </p:par>
-                      </p:childTnLst>
-                    </p:cTn>
-                  </p:par>
-                  <p:par>
-                    <p:cTn id="7" fill="hold">
-                      <p:stCondLst>
-                        <p:cond delay="indefinite"/>
-                      </p:stCondLst>
-                      <p:childTnLst>
-                        <p:par>
-                          <p:cTn id="8" fill="hold">
-                            <p:stCondLst>
-                              <p:cond delay="0"/>
-                            </p:stCondLst>
-                            <p:childTnLst>
-                              <p:par>
-                                <p:cTn id="9" presetID="1" presetClass="entr" presetSubtype="0" fill="hold" nodeType="clickEffect">
-                                  <p:stCondLst>
-                                    <p:cond delay="0"/>
-                                  </p:stCondLst>
-                                  <p:childTnLst>
-                                    <p:set>
-                                      <p:cBhvr>
-                                        <p:cTn id="10" dur="1" fill="hold">
-                                          <p:stCondLst>
-                                            <p:cond delay="0"/>
-                                          </p:stCondLst>
-                                        </p:cTn>
-                                        <p:tgtEl>
-                                          <p:spTgt spid="3">
-                                            <p:txEl>
-                                              <p:pRg st="3" end="3"/>
                                             </p:txEl>
                                           </p:spTgt>
                                         </p:tgtEl>

--- a/slides/10_IntroductionToClustering_Part2.pptx
+++ b/slides/10_IntroductionToClustering_Part2.pptx
@@ -10445,8 +10445,8 @@
           </a:p>
         </p:txBody>
       </p:sp>
-      <mc:AlternateContent xmlns:mc="http://schemas.openxmlformats.org/markup-compatibility/2006" xmlns:a14="http://schemas.microsoft.com/office/drawing/2010/main">
-        <mc:Choice Requires="a14">
+      <mc:AlternateContent xmlns:mc="http://schemas.openxmlformats.org/markup-compatibility/2006">
+        <mc:Choice xmlns:a14="http://schemas.microsoft.com/office/drawing/2010/main" Requires="a14">
           <p:sp>
             <p:nvSpPr>
               <p:cNvPr id="6" name="TextBox 5">
@@ -10462,7 +10462,7 @@
             <p:spPr>
               <a:xfrm>
                 <a:off x="396498" y="1709893"/>
-                <a:ext cx="5584552" cy="3539430"/>
+                <a:ext cx="5584552" cy="3970318"/>
               </a:xfrm>
               <a:prstGeom prst="rect">
                 <a:avLst/>
@@ -10695,13 +10695,13 @@
                 </a:pPr>
                 <a:r>
                   <a:rPr lang="en-US" sz="2800" dirty="0"/>
-                  <a:t>No disconnected graphs!</a:t>
+                  <a:t>Can get disconnected graph components </a:t>
                 </a:r>
               </a:p>
             </p:txBody>
           </p:sp>
         </mc:Choice>
-        <mc:Fallback xmlns="">
+        <mc:Fallback>
           <p:sp>
             <p:nvSpPr>
               <p:cNvPr id="6" name="TextBox 5">
@@ -10719,7 +10719,7 @@
             <p:spPr>
               <a:xfrm>
                 <a:off x="396498" y="1709893"/>
-                <a:ext cx="5584552" cy="3539430"/>
+                <a:ext cx="5584552" cy="3970318"/>
               </a:xfrm>
               <a:prstGeom prst="rect">
                 <a:avLst/>
@@ -10727,7 +10727,7 @@
               <a:blipFill>
                 <a:blip r:embed="rId3"/>
                 <a:stretch>
-                  <a:fillRect l="-1965" t="-1549" b="-3959"/>
+                  <a:fillRect l="-1965" t="-1380" b="-3374"/>
                 </a:stretch>
               </a:blipFill>
             </p:spPr>
@@ -12012,16 +12012,10 @@
           </a:p>
           <a:p>
             <a:r>
-              <a:rPr lang="en-US" sz="2400" dirty="0">
-                <a:latin typeface="+mn-lt"/>
-              </a:rPr>
-              <a:t>Exemplar p</a:t>
-            </a:r>
-            <a:r>
               <a:rPr lang="en-US" dirty="0">
                 <a:latin typeface="+mn-lt"/>
               </a:rPr>
-              <a:t>oints are central nodes on a </a:t>
+              <a:t>Exemplar points are central nodes on a </a:t>
             </a:r>
             <a:r>
               <a:rPr lang="en-US" b="1" dirty="0">
@@ -20280,7 +20274,20 @@
               <a:rPr lang="en-US" dirty="0">
                 <a:latin typeface="+mn-lt"/>
               </a:rPr>
-              <a:t>Single  </a:t>
+              <a:t>Clusters formed by partitioning graph constrained by </a:t>
+            </a:r>
+            <a:r>
+              <a:rPr lang="en-US" dirty="0" err="1">
+                <a:latin typeface="Courier New" panose="02070309020205020404" pitchFamily="49" charset="0"/>
+                <a:cs typeface="Courier New" panose="02070309020205020404" pitchFamily="49" charset="0"/>
+              </a:rPr>
+              <a:t>min_pts</a:t>
+            </a:r>
+            <a:r>
+              <a:rPr lang="en-US" dirty="0">
+                <a:latin typeface="+mn-lt"/>
+              </a:rPr>
+              <a:t>  </a:t>
             </a:r>
           </a:p>
         </p:txBody>
@@ -38853,7 +38860,13 @@
                       <a:rPr lang="en-US" b="0" i="1" smtClean="0">
                         <a:latin typeface="Cambria Math" panose="02040503050406030204" pitchFamily="18" charset="0"/>
                       </a:rPr>
-                      <m:t>=1</m:t>
+                      <m:t>=</m:t>
+                    </m:r>
+                    <m:r>
+                      <a:rPr lang="en-US" b="0" i="1" smtClean="0">
+                        <a:latin typeface="Cambria Math" panose="02040503050406030204" pitchFamily="18" charset="0"/>
+                      </a:rPr>
+                      <m:t>1</m:t>
                     </m:r>
                   </m:oMath>
                 </a14:m>
@@ -39082,7 +39095,7 @@
               <a:rPr lang="en-US" sz="2800" dirty="0">
                 <a:latin typeface="+mn-lt"/>
               </a:rPr>
-              <a:t>PCA is a linear projection</a:t>
+              <a:t>PCA is a linear Euclidian projection</a:t>
             </a:r>
           </a:p>
           <a:p>
@@ -39118,6 +39131,15 @@
                 <a:latin typeface="+mn-lt"/>
               </a:rPr>
               <a:t>Manifold learning  </a:t>
+            </a:r>
+          </a:p>
+          <a:p>
+            <a:pPr lvl="1"/>
+            <a:r>
+              <a:rPr lang="en-US" dirty="0">
+                <a:latin typeface="+mn-lt"/>
+              </a:rPr>
+              <a:t>Our next lesson! </a:t>
             </a:r>
           </a:p>
           <a:p>
@@ -39464,6 +39486,37 @@
                                           <p:spTgt spid="3">
                                             <p:txEl>
                                               <p:pRg st="8" end="8"/>
+                                            </p:txEl>
+                                          </p:spTgt>
+                                        </p:tgtEl>
+                                        <p:attrNameLst>
+                                          <p:attrName>style.visibility</p:attrName>
+                                        </p:attrNameLst>
+                                      </p:cBhvr>
+                                      <p:to>
+                                        <p:strVal val="visible"/>
+                                      </p:to>
+                                    </p:set>
+                                  </p:childTnLst>
+                                </p:cTn>
+                              </p:par>
+                              <p:par>
+                                <p:cTn id="29" presetID="1" presetClass="entr" presetSubtype="0" fill="hold" nodeType="withEffect">
+                                  <p:stCondLst>
+                                    <p:cond delay="0"/>
+                                  </p:stCondLst>
+                                  <p:childTnLst>
+                                    <p:set>
+                                      <p:cBhvr>
+                                        <p:cTn id="30" dur="1" fill="hold">
+                                          <p:stCondLst>
+                                            <p:cond delay="0"/>
+                                          </p:stCondLst>
+                                        </p:cTn>
+                                        <p:tgtEl>
+                                          <p:spTgt spid="3">
+                                            <p:txEl>
+                                              <p:pRg st="9" end="9"/>
                                             </p:txEl>
                                           </p:spTgt>
                                         </p:tgtEl>
